--- a/documents/DevOps_on_AWS.pptx
+++ b/documents/DevOps_on_AWS.pptx
@@ -20,6 +20,7 @@
     <p:sldId id="267" r:id="rId14"/>
     <p:sldId id="268" r:id="rId15"/>
     <p:sldId id="269" r:id="rId16"/>
+    <p:sldId id="271" r:id="rId17"/>
   </p:sldIdLst>
   <p:sldSz cx="12192000" cy="6858000"/>
   <p:notesSz cx="6858000" cy="9144000"/>
@@ -148,7 +149,7 @@
           <p:cNvPr id="2" name="Title 1">
             <a:extLst>
               <a:ext uri="{FF2B5EF4-FFF2-40B4-BE49-F238E27FC236}">
-                <a16:creationId xmlns:a16="http://schemas.microsoft.com/office/drawing/2014/main" xmlns="" id="{5D2F0E6D-3ABC-4D2C-9D53-9FA66D4FD3DA}"/>
+                <a16:creationId xmlns:a16="http://schemas.microsoft.com/office/drawing/2014/main" id="{5D2F0E6D-3ABC-4D2C-9D53-9FA66D4FD3DA}"/>
               </a:ext>
             </a:extLst>
           </p:cNvPr>
@@ -185,7 +186,7 @@
           <p:cNvPr id="3" name="Subtitle 2">
             <a:extLst>
               <a:ext uri="{FF2B5EF4-FFF2-40B4-BE49-F238E27FC236}">
-                <a16:creationId xmlns:a16="http://schemas.microsoft.com/office/drawing/2014/main" xmlns="" id="{C28145A3-A865-4C73-ADF2-F53508260A4F}"/>
+                <a16:creationId xmlns:a16="http://schemas.microsoft.com/office/drawing/2014/main" id="{C28145A3-A865-4C73-ADF2-F53508260A4F}"/>
               </a:ext>
             </a:extLst>
           </p:cNvPr>
@@ -255,7 +256,7 @@
           <p:cNvPr id="4" name="Date Placeholder 3">
             <a:extLst>
               <a:ext uri="{FF2B5EF4-FFF2-40B4-BE49-F238E27FC236}">
-                <a16:creationId xmlns:a16="http://schemas.microsoft.com/office/drawing/2014/main" xmlns="" id="{F3064F79-57EF-4660-AE62-A9698DC0B334}"/>
+                <a16:creationId xmlns:a16="http://schemas.microsoft.com/office/drawing/2014/main" id="{F3064F79-57EF-4660-AE62-A9698DC0B334}"/>
               </a:ext>
             </a:extLst>
           </p:cNvPr>
@@ -284,7 +285,7 @@
           <p:cNvPr id="5" name="Footer Placeholder 4">
             <a:extLst>
               <a:ext uri="{FF2B5EF4-FFF2-40B4-BE49-F238E27FC236}">
-                <a16:creationId xmlns:a16="http://schemas.microsoft.com/office/drawing/2014/main" xmlns="" id="{1D77ACC1-15C8-44DC-BAE4-0A55557D742E}"/>
+                <a16:creationId xmlns:a16="http://schemas.microsoft.com/office/drawing/2014/main" id="{1D77ACC1-15C8-44DC-BAE4-0A55557D742E}"/>
               </a:ext>
             </a:extLst>
           </p:cNvPr>
@@ -309,7 +310,7 @@
           <p:cNvPr id="6" name="Slide Number Placeholder 5">
             <a:extLst>
               <a:ext uri="{FF2B5EF4-FFF2-40B4-BE49-F238E27FC236}">
-                <a16:creationId xmlns:a16="http://schemas.microsoft.com/office/drawing/2014/main" xmlns="" id="{DA8A2472-9FCE-4DD7-AD61-08827EC38231}"/>
+                <a16:creationId xmlns:a16="http://schemas.microsoft.com/office/drawing/2014/main" id="{DA8A2472-9FCE-4DD7-AD61-08827EC38231}"/>
               </a:ext>
             </a:extLst>
           </p:cNvPr>
@@ -368,7 +369,7 @@
           <p:cNvPr id="2" name="Title 1">
             <a:extLst>
               <a:ext uri="{FF2B5EF4-FFF2-40B4-BE49-F238E27FC236}">
-                <a16:creationId xmlns:a16="http://schemas.microsoft.com/office/drawing/2014/main" xmlns="" id="{4A5443A1-6272-45CB-BDCD-3A407B5470C2}"/>
+                <a16:creationId xmlns:a16="http://schemas.microsoft.com/office/drawing/2014/main" id="{4A5443A1-6272-45CB-BDCD-3A407B5470C2}"/>
               </a:ext>
             </a:extLst>
           </p:cNvPr>
@@ -396,7 +397,7 @@
           <p:cNvPr id="3" name="Vertical Text Placeholder 2">
             <a:extLst>
               <a:ext uri="{FF2B5EF4-FFF2-40B4-BE49-F238E27FC236}">
-                <a16:creationId xmlns:a16="http://schemas.microsoft.com/office/drawing/2014/main" xmlns="" id="{20DB275A-A0E2-44FC-8409-D134BF0A9737}"/>
+                <a16:creationId xmlns:a16="http://schemas.microsoft.com/office/drawing/2014/main" id="{20DB275A-A0E2-44FC-8409-D134BF0A9737}"/>
               </a:ext>
             </a:extLst>
           </p:cNvPr>
@@ -453,7 +454,7 @@
           <p:cNvPr id="4" name="Date Placeholder 3">
             <a:extLst>
               <a:ext uri="{FF2B5EF4-FFF2-40B4-BE49-F238E27FC236}">
-                <a16:creationId xmlns:a16="http://schemas.microsoft.com/office/drawing/2014/main" xmlns="" id="{01B88AE9-7E09-43C3-914D-F3F6677C5388}"/>
+                <a16:creationId xmlns:a16="http://schemas.microsoft.com/office/drawing/2014/main" id="{01B88AE9-7E09-43C3-914D-F3F6677C5388}"/>
               </a:ext>
             </a:extLst>
           </p:cNvPr>
@@ -482,7 +483,7 @@
           <p:cNvPr id="5" name="Footer Placeholder 4">
             <a:extLst>
               <a:ext uri="{FF2B5EF4-FFF2-40B4-BE49-F238E27FC236}">
-                <a16:creationId xmlns:a16="http://schemas.microsoft.com/office/drawing/2014/main" xmlns="" id="{C3F84DE6-6F13-457E-A560-FA2F3AC58AAA}"/>
+                <a16:creationId xmlns:a16="http://schemas.microsoft.com/office/drawing/2014/main" id="{C3F84DE6-6F13-457E-A560-FA2F3AC58AAA}"/>
               </a:ext>
             </a:extLst>
           </p:cNvPr>
@@ -507,7 +508,7 @@
           <p:cNvPr id="6" name="Slide Number Placeholder 5">
             <a:extLst>
               <a:ext uri="{FF2B5EF4-FFF2-40B4-BE49-F238E27FC236}">
-                <a16:creationId xmlns:a16="http://schemas.microsoft.com/office/drawing/2014/main" xmlns="" id="{B8A3A3AA-C50B-48F7-9E48-AF6551675984}"/>
+                <a16:creationId xmlns:a16="http://schemas.microsoft.com/office/drawing/2014/main" id="{B8A3A3AA-C50B-48F7-9E48-AF6551675984}"/>
               </a:ext>
             </a:extLst>
           </p:cNvPr>
@@ -566,7 +567,7 @@
           <p:cNvPr id="2" name="Vertical Title 1">
             <a:extLst>
               <a:ext uri="{FF2B5EF4-FFF2-40B4-BE49-F238E27FC236}">
-                <a16:creationId xmlns:a16="http://schemas.microsoft.com/office/drawing/2014/main" xmlns="" id="{B527CB0E-D49C-4F4C-BEE4-88906914D587}"/>
+                <a16:creationId xmlns:a16="http://schemas.microsoft.com/office/drawing/2014/main" id="{B527CB0E-D49C-4F4C-BEE4-88906914D587}"/>
               </a:ext>
             </a:extLst>
           </p:cNvPr>
@@ -599,7 +600,7 @@
           <p:cNvPr id="3" name="Vertical Text Placeholder 2">
             <a:extLst>
               <a:ext uri="{FF2B5EF4-FFF2-40B4-BE49-F238E27FC236}">
-                <a16:creationId xmlns:a16="http://schemas.microsoft.com/office/drawing/2014/main" xmlns="" id="{926C411C-A253-4AFA-B424-B27E40C06416}"/>
+                <a16:creationId xmlns:a16="http://schemas.microsoft.com/office/drawing/2014/main" id="{926C411C-A253-4AFA-B424-B27E40C06416}"/>
               </a:ext>
             </a:extLst>
           </p:cNvPr>
@@ -661,7 +662,7 @@
           <p:cNvPr id="4" name="Date Placeholder 3">
             <a:extLst>
               <a:ext uri="{FF2B5EF4-FFF2-40B4-BE49-F238E27FC236}">
-                <a16:creationId xmlns:a16="http://schemas.microsoft.com/office/drawing/2014/main" xmlns="" id="{F254296C-9C6E-4EB8-B226-5B3804035575}"/>
+                <a16:creationId xmlns:a16="http://schemas.microsoft.com/office/drawing/2014/main" id="{F254296C-9C6E-4EB8-B226-5B3804035575}"/>
               </a:ext>
             </a:extLst>
           </p:cNvPr>
@@ -690,7 +691,7 @@
           <p:cNvPr id="5" name="Footer Placeholder 4">
             <a:extLst>
               <a:ext uri="{FF2B5EF4-FFF2-40B4-BE49-F238E27FC236}">
-                <a16:creationId xmlns:a16="http://schemas.microsoft.com/office/drawing/2014/main" xmlns="" id="{65AA94AE-F1A6-4346-8A04-0C9C795493A0}"/>
+                <a16:creationId xmlns:a16="http://schemas.microsoft.com/office/drawing/2014/main" id="{65AA94AE-F1A6-4346-8A04-0C9C795493A0}"/>
               </a:ext>
             </a:extLst>
           </p:cNvPr>
@@ -715,7 +716,7 @@
           <p:cNvPr id="6" name="Slide Number Placeholder 5">
             <a:extLst>
               <a:ext uri="{FF2B5EF4-FFF2-40B4-BE49-F238E27FC236}">
-                <a16:creationId xmlns:a16="http://schemas.microsoft.com/office/drawing/2014/main" xmlns="" id="{F07B8DA3-AC09-44B5-B370-8B6CE391125B}"/>
+                <a16:creationId xmlns:a16="http://schemas.microsoft.com/office/drawing/2014/main" id="{F07B8DA3-AC09-44B5-B370-8B6CE391125B}"/>
               </a:ext>
             </a:extLst>
           </p:cNvPr>
@@ -774,7 +775,7 @@
           <p:cNvPr id="2" name="Title 1">
             <a:extLst>
               <a:ext uri="{FF2B5EF4-FFF2-40B4-BE49-F238E27FC236}">
-                <a16:creationId xmlns:a16="http://schemas.microsoft.com/office/drawing/2014/main" xmlns="" id="{A829C5F2-4086-4CEC-88F9-45D2B9999AC7}"/>
+                <a16:creationId xmlns:a16="http://schemas.microsoft.com/office/drawing/2014/main" id="{A829C5F2-4086-4CEC-88F9-45D2B9999AC7}"/>
               </a:ext>
             </a:extLst>
           </p:cNvPr>
@@ -802,7 +803,7 @@
           <p:cNvPr id="3" name="Content Placeholder 2">
             <a:extLst>
               <a:ext uri="{FF2B5EF4-FFF2-40B4-BE49-F238E27FC236}">
-                <a16:creationId xmlns:a16="http://schemas.microsoft.com/office/drawing/2014/main" xmlns="" id="{4E8BE8B1-2AFB-462E-B8CF-F8C0558F2C3C}"/>
+                <a16:creationId xmlns:a16="http://schemas.microsoft.com/office/drawing/2014/main" id="{4E8BE8B1-2AFB-462E-B8CF-F8C0558F2C3C}"/>
               </a:ext>
             </a:extLst>
           </p:cNvPr>
@@ -859,7 +860,7 @@
           <p:cNvPr id="4" name="Date Placeholder 3">
             <a:extLst>
               <a:ext uri="{FF2B5EF4-FFF2-40B4-BE49-F238E27FC236}">
-                <a16:creationId xmlns:a16="http://schemas.microsoft.com/office/drawing/2014/main" xmlns="" id="{CA0F7AC5-BFBC-4B46-8F57-A459BDB44F85}"/>
+                <a16:creationId xmlns:a16="http://schemas.microsoft.com/office/drawing/2014/main" id="{CA0F7AC5-BFBC-4B46-8F57-A459BDB44F85}"/>
               </a:ext>
             </a:extLst>
           </p:cNvPr>
@@ -888,7 +889,7 @@
           <p:cNvPr id="5" name="Footer Placeholder 4">
             <a:extLst>
               <a:ext uri="{FF2B5EF4-FFF2-40B4-BE49-F238E27FC236}">
-                <a16:creationId xmlns:a16="http://schemas.microsoft.com/office/drawing/2014/main" xmlns="" id="{253B278B-3F2E-4ABA-8E34-08CF3D7F82F6}"/>
+                <a16:creationId xmlns:a16="http://schemas.microsoft.com/office/drawing/2014/main" id="{253B278B-3F2E-4ABA-8E34-08CF3D7F82F6}"/>
               </a:ext>
             </a:extLst>
           </p:cNvPr>
@@ -913,7 +914,7 @@
           <p:cNvPr id="6" name="Slide Number Placeholder 5">
             <a:extLst>
               <a:ext uri="{FF2B5EF4-FFF2-40B4-BE49-F238E27FC236}">
-                <a16:creationId xmlns:a16="http://schemas.microsoft.com/office/drawing/2014/main" xmlns="" id="{4248887C-DBE7-49BF-BC6B-4093044D1C41}"/>
+                <a16:creationId xmlns:a16="http://schemas.microsoft.com/office/drawing/2014/main" id="{4248887C-DBE7-49BF-BC6B-4093044D1C41}"/>
               </a:ext>
             </a:extLst>
           </p:cNvPr>
@@ -972,7 +973,7 @@
           <p:cNvPr id="2" name="Title 1">
             <a:extLst>
               <a:ext uri="{FF2B5EF4-FFF2-40B4-BE49-F238E27FC236}">
-                <a16:creationId xmlns:a16="http://schemas.microsoft.com/office/drawing/2014/main" xmlns="" id="{4B3E56BC-367B-4484-95F1-F9970A425375}"/>
+                <a16:creationId xmlns:a16="http://schemas.microsoft.com/office/drawing/2014/main" id="{4B3E56BC-367B-4484-95F1-F9970A425375}"/>
               </a:ext>
             </a:extLst>
           </p:cNvPr>
@@ -1009,7 +1010,7 @@
           <p:cNvPr id="3" name="Text Placeholder 2">
             <a:extLst>
               <a:ext uri="{FF2B5EF4-FFF2-40B4-BE49-F238E27FC236}">
-                <a16:creationId xmlns:a16="http://schemas.microsoft.com/office/drawing/2014/main" xmlns="" id="{BE3B61F6-07A5-402A-A386-3F0C9DD7F8EC}"/>
+                <a16:creationId xmlns:a16="http://schemas.microsoft.com/office/drawing/2014/main" id="{BE3B61F6-07A5-402A-A386-3F0C9DD7F8EC}"/>
               </a:ext>
             </a:extLst>
           </p:cNvPr>
@@ -1134,7 +1135,7 @@
           <p:cNvPr id="4" name="Date Placeholder 3">
             <a:extLst>
               <a:ext uri="{FF2B5EF4-FFF2-40B4-BE49-F238E27FC236}">
-                <a16:creationId xmlns:a16="http://schemas.microsoft.com/office/drawing/2014/main" xmlns="" id="{7FACEC8B-38AA-43DE-A519-23AAA74C34B5}"/>
+                <a16:creationId xmlns:a16="http://schemas.microsoft.com/office/drawing/2014/main" id="{7FACEC8B-38AA-43DE-A519-23AAA74C34B5}"/>
               </a:ext>
             </a:extLst>
           </p:cNvPr>
@@ -1163,7 +1164,7 @@
           <p:cNvPr id="5" name="Footer Placeholder 4">
             <a:extLst>
               <a:ext uri="{FF2B5EF4-FFF2-40B4-BE49-F238E27FC236}">
-                <a16:creationId xmlns:a16="http://schemas.microsoft.com/office/drawing/2014/main" xmlns="" id="{2B4C0165-CD4A-41D9-ABD7-F9290CF40423}"/>
+                <a16:creationId xmlns:a16="http://schemas.microsoft.com/office/drawing/2014/main" id="{2B4C0165-CD4A-41D9-ABD7-F9290CF40423}"/>
               </a:ext>
             </a:extLst>
           </p:cNvPr>
@@ -1188,7 +1189,7 @@
           <p:cNvPr id="6" name="Slide Number Placeholder 5">
             <a:extLst>
               <a:ext uri="{FF2B5EF4-FFF2-40B4-BE49-F238E27FC236}">
-                <a16:creationId xmlns:a16="http://schemas.microsoft.com/office/drawing/2014/main" xmlns="" id="{C745181F-F94A-4804-83D9-15DF6CCD1F0A}"/>
+                <a16:creationId xmlns:a16="http://schemas.microsoft.com/office/drawing/2014/main" id="{C745181F-F94A-4804-83D9-15DF6CCD1F0A}"/>
               </a:ext>
             </a:extLst>
           </p:cNvPr>
@@ -1247,7 +1248,7 @@
           <p:cNvPr id="2" name="Title 1">
             <a:extLst>
               <a:ext uri="{FF2B5EF4-FFF2-40B4-BE49-F238E27FC236}">
-                <a16:creationId xmlns:a16="http://schemas.microsoft.com/office/drawing/2014/main" xmlns="" id="{1E727643-C6AD-4510-B9FF-9EC6EFC93019}"/>
+                <a16:creationId xmlns:a16="http://schemas.microsoft.com/office/drawing/2014/main" id="{1E727643-C6AD-4510-B9FF-9EC6EFC93019}"/>
               </a:ext>
             </a:extLst>
           </p:cNvPr>
@@ -1275,7 +1276,7 @@
           <p:cNvPr id="3" name="Content Placeholder 2">
             <a:extLst>
               <a:ext uri="{FF2B5EF4-FFF2-40B4-BE49-F238E27FC236}">
-                <a16:creationId xmlns:a16="http://schemas.microsoft.com/office/drawing/2014/main" xmlns="" id="{E6EA4B4D-1780-4898-B500-0D4C6F2A3C46}"/>
+                <a16:creationId xmlns:a16="http://schemas.microsoft.com/office/drawing/2014/main" id="{E6EA4B4D-1780-4898-B500-0D4C6F2A3C46}"/>
               </a:ext>
             </a:extLst>
           </p:cNvPr>
@@ -1337,7 +1338,7 @@
           <p:cNvPr id="4" name="Content Placeholder 3">
             <a:extLst>
               <a:ext uri="{FF2B5EF4-FFF2-40B4-BE49-F238E27FC236}">
-                <a16:creationId xmlns:a16="http://schemas.microsoft.com/office/drawing/2014/main" xmlns="" id="{E7719991-3253-45CB-BA07-E3EC8E8A8C53}"/>
+                <a16:creationId xmlns:a16="http://schemas.microsoft.com/office/drawing/2014/main" id="{E7719991-3253-45CB-BA07-E3EC8E8A8C53}"/>
               </a:ext>
             </a:extLst>
           </p:cNvPr>
@@ -1399,7 +1400,7 @@
           <p:cNvPr id="5" name="Date Placeholder 4">
             <a:extLst>
               <a:ext uri="{FF2B5EF4-FFF2-40B4-BE49-F238E27FC236}">
-                <a16:creationId xmlns:a16="http://schemas.microsoft.com/office/drawing/2014/main" xmlns="" id="{A58B4430-1DCE-4782-B5A5-DCCD9A129D46}"/>
+                <a16:creationId xmlns:a16="http://schemas.microsoft.com/office/drawing/2014/main" id="{A58B4430-1DCE-4782-B5A5-DCCD9A129D46}"/>
               </a:ext>
             </a:extLst>
           </p:cNvPr>
@@ -1428,7 +1429,7 @@
           <p:cNvPr id="6" name="Footer Placeholder 5">
             <a:extLst>
               <a:ext uri="{FF2B5EF4-FFF2-40B4-BE49-F238E27FC236}">
-                <a16:creationId xmlns:a16="http://schemas.microsoft.com/office/drawing/2014/main" xmlns="" id="{87FCC752-DF01-42CA-8753-D988C7E09CE8}"/>
+                <a16:creationId xmlns:a16="http://schemas.microsoft.com/office/drawing/2014/main" id="{87FCC752-DF01-42CA-8753-D988C7E09CE8}"/>
               </a:ext>
             </a:extLst>
           </p:cNvPr>
@@ -1453,7 +1454,7 @@
           <p:cNvPr id="7" name="Slide Number Placeholder 6">
             <a:extLst>
               <a:ext uri="{FF2B5EF4-FFF2-40B4-BE49-F238E27FC236}">
-                <a16:creationId xmlns:a16="http://schemas.microsoft.com/office/drawing/2014/main" xmlns="" id="{404B9BC6-77F2-4953-B86C-93B046DE6351}"/>
+                <a16:creationId xmlns:a16="http://schemas.microsoft.com/office/drawing/2014/main" id="{404B9BC6-77F2-4953-B86C-93B046DE6351}"/>
               </a:ext>
             </a:extLst>
           </p:cNvPr>
@@ -1512,7 +1513,7 @@
           <p:cNvPr id="2" name="Title 1">
             <a:extLst>
               <a:ext uri="{FF2B5EF4-FFF2-40B4-BE49-F238E27FC236}">
-                <a16:creationId xmlns:a16="http://schemas.microsoft.com/office/drawing/2014/main" xmlns="" id="{B6892E43-3CB6-432A-8A23-F35B3824EAFF}"/>
+                <a16:creationId xmlns:a16="http://schemas.microsoft.com/office/drawing/2014/main" id="{B6892E43-3CB6-432A-8A23-F35B3824EAFF}"/>
               </a:ext>
             </a:extLst>
           </p:cNvPr>
@@ -1545,7 +1546,7 @@
           <p:cNvPr id="3" name="Text Placeholder 2">
             <a:extLst>
               <a:ext uri="{FF2B5EF4-FFF2-40B4-BE49-F238E27FC236}">
-                <a16:creationId xmlns:a16="http://schemas.microsoft.com/office/drawing/2014/main" xmlns="" id="{3BF22CB1-27C4-44F3-8D3F-B2E5517FC042}"/>
+                <a16:creationId xmlns:a16="http://schemas.microsoft.com/office/drawing/2014/main" id="{3BF22CB1-27C4-44F3-8D3F-B2E5517FC042}"/>
               </a:ext>
             </a:extLst>
           </p:cNvPr>
@@ -1616,7 +1617,7 @@
           <p:cNvPr id="4" name="Content Placeholder 3">
             <a:extLst>
               <a:ext uri="{FF2B5EF4-FFF2-40B4-BE49-F238E27FC236}">
-                <a16:creationId xmlns:a16="http://schemas.microsoft.com/office/drawing/2014/main" xmlns="" id="{6FE18D74-0F21-4C8F-AF8A-889209AD64B5}"/>
+                <a16:creationId xmlns:a16="http://schemas.microsoft.com/office/drawing/2014/main" id="{6FE18D74-0F21-4C8F-AF8A-889209AD64B5}"/>
               </a:ext>
             </a:extLst>
           </p:cNvPr>
@@ -1678,7 +1679,7 @@
           <p:cNvPr id="5" name="Text Placeholder 4">
             <a:extLst>
               <a:ext uri="{FF2B5EF4-FFF2-40B4-BE49-F238E27FC236}">
-                <a16:creationId xmlns:a16="http://schemas.microsoft.com/office/drawing/2014/main" xmlns="" id="{E3E98AEC-BF84-4C9B-A15F-1FE44F69E3E0}"/>
+                <a16:creationId xmlns:a16="http://schemas.microsoft.com/office/drawing/2014/main" id="{E3E98AEC-BF84-4C9B-A15F-1FE44F69E3E0}"/>
               </a:ext>
             </a:extLst>
           </p:cNvPr>
@@ -1749,7 +1750,7 @@
           <p:cNvPr id="6" name="Content Placeholder 5">
             <a:extLst>
               <a:ext uri="{FF2B5EF4-FFF2-40B4-BE49-F238E27FC236}">
-                <a16:creationId xmlns:a16="http://schemas.microsoft.com/office/drawing/2014/main" xmlns="" id="{2AD9B0A6-0F67-4413-8B5A-444F7A8E0D4A}"/>
+                <a16:creationId xmlns:a16="http://schemas.microsoft.com/office/drawing/2014/main" id="{2AD9B0A6-0F67-4413-8B5A-444F7A8E0D4A}"/>
               </a:ext>
             </a:extLst>
           </p:cNvPr>
@@ -1811,7 +1812,7 @@
           <p:cNvPr id="7" name="Date Placeholder 6">
             <a:extLst>
               <a:ext uri="{FF2B5EF4-FFF2-40B4-BE49-F238E27FC236}">
-                <a16:creationId xmlns:a16="http://schemas.microsoft.com/office/drawing/2014/main" xmlns="" id="{7C672434-810E-419B-A0D3-B279886A9AD0}"/>
+                <a16:creationId xmlns:a16="http://schemas.microsoft.com/office/drawing/2014/main" id="{7C672434-810E-419B-A0D3-B279886A9AD0}"/>
               </a:ext>
             </a:extLst>
           </p:cNvPr>
@@ -1840,7 +1841,7 @@
           <p:cNvPr id="8" name="Footer Placeholder 7">
             <a:extLst>
               <a:ext uri="{FF2B5EF4-FFF2-40B4-BE49-F238E27FC236}">
-                <a16:creationId xmlns:a16="http://schemas.microsoft.com/office/drawing/2014/main" xmlns="" id="{9ECA721B-B8F0-4866-8CF0-738DA4A0728D}"/>
+                <a16:creationId xmlns:a16="http://schemas.microsoft.com/office/drawing/2014/main" id="{9ECA721B-B8F0-4866-8CF0-738DA4A0728D}"/>
               </a:ext>
             </a:extLst>
           </p:cNvPr>
@@ -1865,7 +1866,7 @@
           <p:cNvPr id="9" name="Slide Number Placeholder 8">
             <a:extLst>
               <a:ext uri="{FF2B5EF4-FFF2-40B4-BE49-F238E27FC236}">
-                <a16:creationId xmlns:a16="http://schemas.microsoft.com/office/drawing/2014/main" xmlns="" id="{7FF0CBCC-2E03-49C1-B940-54239B394469}"/>
+                <a16:creationId xmlns:a16="http://schemas.microsoft.com/office/drawing/2014/main" id="{7FF0CBCC-2E03-49C1-B940-54239B394469}"/>
               </a:ext>
             </a:extLst>
           </p:cNvPr>
@@ -1924,7 +1925,7 @@
           <p:cNvPr id="2" name="Title 1">
             <a:extLst>
               <a:ext uri="{FF2B5EF4-FFF2-40B4-BE49-F238E27FC236}">
-                <a16:creationId xmlns:a16="http://schemas.microsoft.com/office/drawing/2014/main" xmlns="" id="{8DE79DB8-ECD6-43D8-A4B9-2349E1A840FA}"/>
+                <a16:creationId xmlns:a16="http://schemas.microsoft.com/office/drawing/2014/main" id="{8DE79DB8-ECD6-43D8-A4B9-2349E1A840FA}"/>
               </a:ext>
             </a:extLst>
           </p:cNvPr>
@@ -1952,7 +1953,7 @@
           <p:cNvPr id="3" name="Date Placeholder 2">
             <a:extLst>
               <a:ext uri="{FF2B5EF4-FFF2-40B4-BE49-F238E27FC236}">
-                <a16:creationId xmlns:a16="http://schemas.microsoft.com/office/drawing/2014/main" xmlns="" id="{C701EC5E-0C9D-450B-B0EC-4CC3B13E6CFB}"/>
+                <a16:creationId xmlns:a16="http://schemas.microsoft.com/office/drawing/2014/main" id="{C701EC5E-0C9D-450B-B0EC-4CC3B13E6CFB}"/>
               </a:ext>
             </a:extLst>
           </p:cNvPr>
@@ -1981,7 +1982,7 @@
           <p:cNvPr id="4" name="Footer Placeholder 3">
             <a:extLst>
               <a:ext uri="{FF2B5EF4-FFF2-40B4-BE49-F238E27FC236}">
-                <a16:creationId xmlns:a16="http://schemas.microsoft.com/office/drawing/2014/main" xmlns="" id="{AEAE46BA-981A-4EB3-9878-BF5548AC4162}"/>
+                <a16:creationId xmlns:a16="http://schemas.microsoft.com/office/drawing/2014/main" id="{AEAE46BA-981A-4EB3-9878-BF5548AC4162}"/>
               </a:ext>
             </a:extLst>
           </p:cNvPr>
@@ -2006,7 +2007,7 @@
           <p:cNvPr id="5" name="Slide Number Placeholder 4">
             <a:extLst>
               <a:ext uri="{FF2B5EF4-FFF2-40B4-BE49-F238E27FC236}">
-                <a16:creationId xmlns:a16="http://schemas.microsoft.com/office/drawing/2014/main" xmlns="" id="{82038370-4E0C-4AA4-BF1D-47AA2CC2E22A}"/>
+                <a16:creationId xmlns:a16="http://schemas.microsoft.com/office/drawing/2014/main" id="{82038370-4E0C-4AA4-BF1D-47AA2CC2E22A}"/>
               </a:ext>
             </a:extLst>
           </p:cNvPr>
@@ -2065,7 +2066,7 @@
           <p:cNvPr id="2" name="Date Placeholder 1">
             <a:extLst>
               <a:ext uri="{FF2B5EF4-FFF2-40B4-BE49-F238E27FC236}">
-                <a16:creationId xmlns:a16="http://schemas.microsoft.com/office/drawing/2014/main" xmlns="" id="{8A2A3E85-5088-4C11-9BF4-2C8E4CE83228}"/>
+                <a16:creationId xmlns:a16="http://schemas.microsoft.com/office/drawing/2014/main" id="{8A2A3E85-5088-4C11-9BF4-2C8E4CE83228}"/>
               </a:ext>
             </a:extLst>
           </p:cNvPr>
@@ -2094,7 +2095,7 @@
           <p:cNvPr id="3" name="Footer Placeholder 2">
             <a:extLst>
               <a:ext uri="{FF2B5EF4-FFF2-40B4-BE49-F238E27FC236}">
-                <a16:creationId xmlns:a16="http://schemas.microsoft.com/office/drawing/2014/main" xmlns="" id="{D77B4C96-963C-40AE-BDF5-BEE96A37B551}"/>
+                <a16:creationId xmlns:a16="http://schemas.microsoft.com/office/drawing/2014/main" id="{D77B4C96-963C-40AE-BDF5-BEE96A37B551}"/>
               </a:ext>
             </a:extLst>
           </p:cNvPr>
@@ -2119,7 +2120,7 @@
           <p:cNvPr id="4" name="Slide Number Placeholder 3">
             <a:extLst>
               <a:ext uri="{FF2B5EF4-FFF2-40B4-BE49-F238E27FC236}">
-                <a16:creationId xmlns:a16="http://schemas.microsoft.com/office/drawing/2014/main" xmlns="" id="{4424AD11-1AED-4B48-85B8-B450181E981A}"/>
+                <a16:creationId xmlns:a16="http://schemas.microsoft.com/office/drawing/2014/main" id="{4424AD11-1AED-4B48-85B8-B450181E981A}"/>
               </a:ext>
             </a:extLst>
           </p:cNvPr>
@@ -2178,7 +2179,7 @@
           <p:cNvPr id="2" name="Title 1">
             <a:extLst>
               <a:ext uri="{FF2B5EF4-FFF2-40B4-BE49-F238E27FC236}">
-                <a16:creationId xmlns:a16="http://schemas.microsoft.com/office/drawing/2014/main" xmlns="" id="{90627105-C1DC-4F37-B3FD-C0B484B1D1A3}"/>
+                <a16:creationId xmlns:a16="http://schemas.microsoft.com/office/drawing/2014/main" id="{90627105-C1DC-4F37-B3FD-C0B484B1D1A3}"/>
               </a:ext>
             </a:extLst>
           </p:cNvPr>
@@ -2215,7 +2216,7 @@
           <p:cNvPr id="3" name="Content Placeholder 2">
             <a:extLst>
               <a:ext uri="{FF2B5EF4-FFF2-40B4-BE49-F238E27FC236}">
-                <a16:creationId xmlns:a16="http://schemas.microsoft.com/office/drawing/2014/main" xmlns="" id="{A7377AA6-1154-416F-83AC-0AA6AB9F1DE9}"/>
+                <a16:creationId xmlns:a16="http://schemas.microsoft.com/office/drawing/2014/main" id="{A7377AA6-1154-416F-83AC-0AA6AB9F1DE9}"/>
               </a:ext>
             </a:extLst>
           </p:cNvPr>
@@ -2305,7 +2306,7 @@
           <p:cNvPr id="4" name="Text Placeholder 3">
             <a:extLst>
               <a:ext uri="{FF2B5EF4-FFF2-40B4-BE49-F238E27FC236}">
-                <a16:creationId xmlns:a16="http://schemas.microsoft.com/office/drawing/2014/main" xmlns="" id="{DB042203-9CC1-4E69-9E9D-ECA687D48DD8}"/>
+                <a16:creationId xmlns:a16="http://schemas.microsoft.com/office/drawing/2014/main" id="{DB042203-9CC1-4E69-9E9D-ECA687D48DD8}"/>
               </a:ext>
             </a:extLst>
           </p:cNvPr>
@@ -2376,7 +2377,7 @@
           <p:cNvPr id="5" name="Date Placeholder 4">
             <a:extLst>
               <a:ext uri="{FF2B5EF4-FFF2-40B4-BE49-F238E27FC236}">
-                <a16:creationId xmlns:a16="http://schemas.microsoft.com/office/drawing/2014/main" xmlns="" id="{0E6C723E-D6B7-4556-B283-CCF0046619AA}"/>
+                <a16:creationId xmlns:a16="http://schemas.microsoft.com/office/drawing/2014/main" id="{0E6C723E-D6B7-4556-B283-CCF0046619AA}"/>
               </a:ext>
             </a:extLst>
           </p:cNvPr>
@@ -2405,7 +2406,7 @@
           <p:cNvPr id="6" name="Footer Placeholder 5">
             <a:extLst>
               <a:ext uri="{FF2B5EF4-FFF2-40B4-BE49-F238E27FC236}">
-                <a16:creationId xmlns:a16="http://schemas.microsoft.com/office/drawing/2014/main" xmlns="" id="{61C4A368-DC66-4F84-B8C8-C404AECB308E}"/>
+                <a16:creationId xmlns:a16="http://schemas.microsoft.com/office/drawing/2014/main" id="{61C4A368-DC66-4F84-B8C8-C404AECB308E}"/>
               </a:ext>
             </a:extLst>
           </p:cNvPr>
@@ -2430,7 +2431,7 @@
           <p:cNvPr id="7" name="Slide Number Placeholder 6">
             <a:extLst>
               <a:ext uri="{FF2B5EF4-FFF2-40B4-BE49-F238E27FC236}">
-                <a16:creationId xmlns:a16="http://schemas.microsoft.com/office/drawing/2014/main" xmlns="" id="{7F6A31E1-94FA-4617-9629-1D2E27608B94}"/>
+                <a16:creationId xmlns:a16="http://schemas.microsoft.com/office/drawing/2014/main" id="{7F6A31E1-94FA-4617-9629-1D2E27608B94}"/>
               </a:ext>
             </a:extLst>
           </p:cNvPr>
@@ -2489,7 +2490,7 @@
           <p:cNvPr id="2" name="Title 1">
             <a:extLst>
               <a:ext uri="{FF2B5EF4-FFF2-40B4-BE49-F238E27FC236}">
-                <a16:creationId xmlns:a16="http://schemas.microsoft.com/office/drawing/2014/main" xmlns="" id="{CC56DF2D-6A63-4DED-A606-F41FFF62C489}"/>
+                <a16:creationId xmlns:a16="http://schemas.microsoft.com/office/drawing/2014/main" id="{CC56DF2D-6A63-4DED-A606-F41FFF62C489}"/>
               </a:ext>
             </a:extLst>
           </p:cNvPr>
@@ -2526,7 +2527,7 @@
           <p:cNvPr id="3" name="Picture Placeholder 2">
             <a:extLst>
               <a:ext uri="{FF2B5EF4-FFF2-40B4-BE49-F238E27FC236}">
-                <a16:creationId xmlns:a16="http://schemas.microsoft.com/office/drawing/2014/main" xmlns="" id="{209CA852-6576-48FC-B8E0-7C530CBC2C1C}"/>
+                <a16:creationId xmlns:a16="http://schemas.microsoft.com/office/drawing/2014/main" id="{209CA852-6576-48FC-B8E0-7C530CBC2C1C}"/>
               </a:ext>
             </a:extLst>
           </p:cNvPr>
@@ -2593,7 +2594,7 @@
           <p:cNvPr id="4" name="Text Placeholder 3">
             <a:extLst>
               <a:ext uri="{FF2B5EF4-FFF2-40B4-BE49-F238E27FC236}">
-                <a16:creationId xmlns:a16="http://schemas.microsoft.com/office/drawing/2014/main" xmlns="" id="{170BAB75-4E97-45DA-A5BC-432EB3E0A74D}"/>
+                <a16:creationId xmlns:a16="http://schemas.microsoft.com/office/drawing/2014/main" id="{170BAB75-4E97-45DA-A5BC-432EB3E0A74D}"/>
               </a:ext>
             </a:extLst>
           </p:cNvPr>
@@ -2664,7 +2665,7 @@
           <p:cNvPr id="5" name="Date Placeholder 4">
             <a:extLst>
               <a:ext uri="{FF2B5EF4-FFF2-40B4-BE49-F238E27FC236}">
-                <a16:creationId xmlns:a16="http://schemas.microsoft.com/office/drawing/2014/main" xmlns="" id="{23ACD496-0A9A-4E15-9EB5-4FDEFB5BC8F4}"/>
+                <a16:creationId xmlns:a16="http://schemas.microsoft.com/office/drawing/2014/main" id="{23ACD496-0A9A-4E15-9EB5-4FDEFB5BC8F4}"/>
               </a:ext>
             </a:extLst>
           </p:cNvPr>
@@ -2693,7 +2694,7 @@
           <p:cNvPr id="6" name="Footer Placeholder 5">
             <a:extLst>
               <a:ext uri="{FF2B5EF4-FFF2-40B4-BE49-F238E27FC236}">
-                <a16:creationId xmlns:a16="http://schemas.microsoft.com/office/drawing/2014/main" xmlns="" id="{4B29DD4B-95DA-41C1-B27B-3CD3749B844B}"/>
+                <a16:creationId xmlns:a16="http://schemas.microsoft.com/office/drawing/2014/main" id="{4B29DD4B-95DA-41C1-B27B-3CD3749B844B}"/>
               </a:ext>
             </a:extLst>
           </p:cNvPr>
@@ -2718,7 +2719,7 @@
           <p:cNvPr id="7" name="Slide Number Placeholder 6">
             <a:extLst>
               <a:ext uri="{FF2B5EF4-FFF2-40B4-BE49-F238E27FC236}">
-                <a16:creationId xmlns:a16="http://schemas.microsoft.com/office/drawing/2014/main" xmlns="" id="{566C6564-7AC4-49AE-BF36-9F5D03CF586D}"/>
+                <a16:creationId xmlns:a16="http://schemas.microsoft.com/office/drawing/2014/main" id="{566C6564-7AC4-49AE-BF36-9F5D03CF586D}"/>
               </a:ext>
             </a:extLst>
           </p:cNvPr>
@@ -2782,7 +2783,7 @@
           <p:cNvPr id="2" name="Title Placeholder 1">
             <a:extLst>
               <a:ext uri="{FF2B5EF4-FFF2-40B4-BE49-F238E27FC236}">
-                <a16:creationId xmlns:a16="http://schemas.microsoft.com/office/drawing/2014/main" xmlns="" id="{E090792F-70CD-48FA-B5DE-F861584C1AF5}"/>
+                <a16:creationId xmlns:a16="http://schemas.microsoft.com/office/drawing/2014/main" id="{E090792F-70CD-48FA-B5DE-F861584C1AF5}"/>
               </a:ext>
             </a:extLst>
           </p:cNvPr>
@@ -2820,7 +2821,7 @@
           <p:cNvPr id="3" name="Text Placeholder 2">
             <a:extLst>
               <a:ext uri="{FF2B5EF4-FFF2-40B4-BE49-F238E27FC236}">
-                <a16:creationId xmlns:a16="http://schemas.microsoft.com/office/drawing/2014/main" xmlns="" id="{6863DA1B-989F-4CA4-8D1C-284A9ED7353F}"/>
+                <a16:creationId xmlns:a16="http://schemas.microsoft.com/office/drawing/2014/main" id="{6863DA1B-989F-4CA4-8D1C-284A9ED7353F}"/>
               </a:ext>
             </a:extLst>
           </p:cNvPr>
@@ -2887,7 +2888,7 @@
           <p:cNvPr id="4" name="Date Placeholder 3">
             <a:extLst>
               <a:ext uri="{FF2B5EF4-FFF2-40B4-BE49-F238E27FC236}">
-                <a16:creationId xmlns:a16="http://schemas.microsoft.com/office/drawing/2014/main" xmlns="" id="{196BC2CB-0E2C-4A8D-97D8-35E2C02F1C95}"/>
+                <a16:creationId xmlns:a16="http://schemas.microsoft.com/office/drawing/2014/main" id="{196BC2CB-0E2C-4A8D-97D8-35E2C02F1C95}"/>
               </a:ext>
             </a:extLst>
           </p:cNvPr>
@@ -2934,7 +2935,7 @@
           <p:cNvPr id="5" name="Footer Placeholder 4">
             <a:extLst>
               <a:ext uri="{FF2B5EF4-FFF2-40B4-BE49-F238E27FC236}">
-                <a16:creationId xmlns:a16="http://schemas.microsoft.com/office/drawing/2014/main" xmlns="" id="{7E383A1D-821F-4066-897B-2D17283671E7}"/>
+                <a16:creationId xmlns:a16="http://schemas.microsoft.com/office/drawing/2014/main" id="{7E383A1D-821F-4066-897B-2D17283671E7}"/>
               </a:ext>
             </a:extLst>
           </p:cNvPr>
@@ -2977,7 +2978,7 @@
           <p:cNvPr id="6" name="Slide Number Placeholder 5">
             <a:extLst>
               <a:ext uri="{FF2B5EF4-FFF2-40B4-BE49-F238E27FC236}">
-                <a16:creationId xmlns:a16="http://schemas.microsoft.com/office/drawing/2014/main" xmlns="" id="{A6FB2F0F-4058-4D9F-8310-7D1AC213E01B}"/>
+                <a16:creationId xmlns:a16="http://schemas.microsoft.com/office/drawing/2014/main" id="{A6FB2F0F-4058-4D9F-8310-7D1AC213E01B}"/>
               </a:ext>
             </a:extLst>
           </p:cNvPr>
@@ -3345,7 +3346,7 @@
           <p:cNvPr id="2" name="Title 1">
             <a:extLst>
               <a:ext uri="{FF2B5EF4-FFF2-40B4-BE49-F238E27FC236}">
-                <a16:creationId xmlns:a16="http://schemas.microsoft.com/office/drawing/2014/main" xmlns="" id="{A09D7694-5F23-40A3-A0DD-50B61A9C143F}"/>
+                <a16:creationId xmlns:a16="http://schemas.microsoft.com/office/drawing/2014/main" id="{A09D7694-5F23-40A3-A0DD-50B61A9C143F}"/>
               </a:ext>
             </a:extLst>
           </p:cNvPr>
@@ -3373,7 +3374,7 @@
           <p:cNvPr id="3" name="Subtitle 2">
             <a:extLst>
               <a:ext uri="{FF2B5EF4-FFF2-40B4-BE49-F238E27FC236}">
-                <a16:creationId xmlns:a16="http://schemas.microsoft.com/office/drawing/2014/main" xmlns="" id="{45C24F37-F163-4E32-AFDA-9636F92DBEEA}"/>
+                <a16:creationId xmlns:a16="http://schemas.microsoft.com/office/drawing/2014/main" id="{45C24F37-F163-4E32-AFDA-9636F92DBEEA}"/>
               </a:ext>
             </a:extLst>
           </p:cNvPr>
@@ -3406,25 +3407,17 @@
             </a:r>
             <a:r>
               <a:rPr lang="en-US" dirty="0"/>
-              <a:t> </a:t>
-            </a:r>
-            <a:r>
-              <a:rPr lang="en-US" dirty="0" smtClean="0"/>
-              <a:t>Narayanan</a:t>
-            </a:r>
-          </a:p>
-          <a:p>
-            <a:r>
-              <a:rPr lang="en-US" dirty="0" err="1" smtClean="0"/>
+              <a:t> Narayanan</a:t>
+            </a:r>
+          </a:p>
+          <a:p>
+            <a:r>
+              <a:rPr lang="en-US" dirty="0" err="1"/>
               <a:t>Arun</a:t>
             </a:r>
             <a:r>
-              <a:rPr lang="en-US" dirty="0" smtClean="0"/>
-              <a:t> </a:t>
-            </a:r>
-            <a:r>
-              <a:rPr lang="en-US" dirty="0"/>
-              <a:t>Mohan </a:t>
+              <a:rPr lang="en-US" dirty="0"/>
+              <a:t> Mohan </a:t>
             </a:r>
             <a:r>
               <a:rPr lang="en-US" dirty="0" err="1"/>
@@ -3469,7 +3462,7 @@
           <p:cNvPr id="2" name="Title 1">
             <a:extLst>
               <a:ext uri="{FF2B5EF4-FFF2-40B4-BE49-F238E27FC236}">
-                <a16:creationId xmlns:a16="http://schemas.microsoft.com/office/drawing/2014/main" xmlns="" id="{36C4C4A1-3B07-402A-9D44-B00C6AC2B44A}"/>
+                <a16:creationId xmlns:a16="http://schemas.microsoft.com/office/drawing/2014/main" id="{36C4C4A1-3B07-402A-9D44-B00C6AC2B44A}"/>
               </a:ext>
             </a:extLst>
           </p:cNvPr>
@@ -3497,7 +3490,7 @@
           <p:cNvPr id="3" name="Content Placeholder 2">
             <a:extLst>
               <a:ext uri="{FF2B5EF4-FFF2-40B4-BE49-F238E27FC236}">
-                <a16:creationId xmlns:a16="http://schemas.microsoft.com/office/drawing/2014/main" xmlns="" id="{2ACC51B7-30F4-473F-9643-DC17A1341411}"/>
+                <a16:creationId xmlns:a16="http://schemas.microsoft.com/office/drawing/2014/main" id="{2ACC51B7-30F4-473F-9643-DC17A1341411}"/>
               </a:ext>
             </a:extLst>
           </p:cNvPr>
@@ -3594,7 +3587,7 @@
           <p:cNvPr id="2" name="Title 1">
             <a:extLst>
               <a:ext uri="{FF2B5EF4-FFF2-40B4-BE49-F238E27FC236}">
-                <a16:creationId xmlns:a16="http://schemas.microsoft.com/office/drawing/2014/main" xmlns="" id="{D611AD58-ED78-4524-8C7F-3A374688A65B}"/>
+                <a16:creationId xmlns:a16="http://schemas.microsoft.com/office/drawing/2014/main" id="{D611AD58-ED78-4524-8C7F-3A374688A65B}"/>
               </a:ext>
             </a:extLst>
           </p:cNvPr>
@@ -3622,7 +3615,7 @@
           <p:cNvPr id="3" name="Content Placeholder 2">
             <a:extLst>
               <a:ext uri="{FF2B5EF4-FFF2-40B4-BE49-F238E27FC236}">
-                <a16:creationId xmlns:a16="http://schemas.microsoft.com/office/drawing/2014/main" xmlns="" id="{A9A685AB-9C66-481A-99B5-A937F0006151}"/>
+                <a16:creationId xmlns:a16="http://schemas.microsoft.com/office/drawing/2014/main" id="{A9A685AB-9C66-481A-99B5-A937F0006151}"/>
               </a:ext>
             </a:extLst>
           </p:cNvPr>
@@ -3725,7 +3718,7 @@
           <p:cNvPr id="2" name="Title 1">
             <a:extLst>
               <a:ext uri="{FF2B5EF4-FFF2-40B4-BE49-F238E27FC236}">
-                <a16:creationId xmlns:a16="http://schemas.microsoft.com/office/drawing/2014/main" xmlns="" id="{52DDB10B-AB88-483F-80FD-5370C81DB739}"/>
+                <a16:creationId xmlns:a16="http://schemas.microsoft.com/office/drawing/2014/main" id="{52DDB10B-AB88-483F-80FD-5370C81DB739}"/>
               </a:ext>
             </a:extLst>
           </p:cNvPr>
@@ -3753,7 +3746,7 @@
           <p:cNvPr id="3" name="Content Placeholder 2">
             <a:extLst>
               <a:ext uri="{FF2B5EF4-FFF2-40B4-BE49-F238E27FC236}">
-                <a16:creationId xmlns:a16="http://schemas.microsoft.com/office/drawing/2014/main" xmlns="" id="{38C169B4-6870-4C64-B19E-A485828CF9AB}"/>
+                <a16:creationId xmlns:a16="http://schemas.microsoft.com/office/drawing/2014/main" id="{38C169B4-6870-4C64-B19E-A485828CF9AB}"/>
               </a:ext>
             </a:extLst>
           </p:cNvPr>
@@ -3892,7 +3885,7 @@
           <p:cNvPr id="2" name="Title 1">
             <a:extLst>
               <a:ext uri="{FF2B5EF4-FFF2-40B4-BE49-F238E27FC236}">
-                <a16:creationId xmlns:a16="http://schemas.microsoft.com/office/drawing/2014/main" xmlns="" id="{E4C6F6EE-9603-466D-9568-221C19452D63}"/>
+                <a16:creationId xmlns:a16="http://schemas.microsoft.com/office/drawing/2014/main" id="{E4C6F6EE-9603-466D-9568-221C19452D63}"/>
               </a:ext>
             </a:extLst>
           </p:cNvPr>
@@ -3920,7 +3913,7 @@
           <p:cNvPr id="3" name="Content Placeholder 2">
             <a:extLst>
               <a:ext uri="{FF2B5EF4-FFF2-40B4-BE49-F238E27FC236}">
-                <a16:creationId xmlns:a16="http://schemas.microsoft.com/office/drawing/2014/main" xmlns="" id="{B544E974-E5DA-4EED-AEAE-A3E1180ED804}"/>
+                <a16:creationId xmlns:a16="http://schemas.microsoft.com/office/drawing/2014/main" id="{B544E974-E5DA-4EED-AEAE-A3E1180ED804}"/>
               </a:ext>
             </a:extLst>
           </p:cNvPr>
@@ -3951,6 +3944,12 @@
             <a:r>
               <a:rPr lang="en-US" dirty="0"/>
               <a:t>We created a python Lambda service.</a:t>
+            </a:r>
+          </a:p>
+          <a:p>
+            <a:r>
+              <a:rPr lang="en-US" dirty="0"/>
+              <a:t>Used BOTO3 Python framework to interact with AWS within Python</a:t>
             </a:r>
           </a:p>
           <a:p>
@@ -4024,7 +4023,7 @@
           <p:cNvPr id="2" name="Title 1">
             <a:extLst>
               <a:ext uri="{FF2B5EF4-FFF2-40B4-BE49-F238E27FC236}">
-                <a16:creationId xmlns:a16="http://schemas.microsoft.com/office/drawing/2014/main" xmlns="" id="{BED695F6-7404-420E-8EEB-DC0F42B8822E}"/>
+                <a16:creationId xmlns:a16="http://schemas.microsoft.com/office/drawing/2014/main" id="{BED695F6-7404-420E-8EEB-DC0F42B8822E}"/>
               </a:ext>
             </a:extLst>
           </p:cNvPr>
@@ -4052,7 +4051,7 @@
           <p:cNvPr id="3" name="Content Placeholder 2">
             <a:extLst>
               <a:ext uri="{FF2B5EF4-FFF2-40B4-BE49-F238E27FC236}">
-                <a16:creationId xmlns:a16="http://schemas.microsoft.com/office/drawing/2014/main" xmlns="" id="{4917ECD0-A2AF-4121-BA4D-A67B56877323}"/>
+                <a16:creationId xmlns:a16="http://schemas.microsoft.com/office/drawing/2014/main" id="{4917ECD0-A2AF-4121-BA4D-A67B56877323}"/>
               </a:ext>
             </a:extLst>
           </p:cNvPr>
@@ -4148,7 +4147,7 @@
           <p:cNvPr id="2" name="Title 1">
             <a:extLst>
               <a:ext uri="{FF2B5EF4-FFF2-40B4-BE49-F238E27FC236}">
-                <a16:creationId xmlns:a16="http://schemas.microsoft.com/office/drawing/2014/main" xmlns="" id="{FDC4063E-3B27-44FE-9100-0AF58131BDFA}"/>
+                <a16:creationId xmlns:a16="http://schemas.microsoft.com/office/drawing/2014/main" id="{FDC4063E-3B27-44FE-9100-0AF58131BDFA}"/>
               </a:ext>
             </a:extLst>
           </p:cNvPr>
@@ -4176,7 +4175,7 @@
           <p:cNvPr id="3" name="Content Placeholder 2">
             <a:extLst>
               <a:ext uri="{FF2B5EF4-FFF2-40B4-BE49-F238E27FC236}">
-                <a16:creationId xmlns:a16="http://schemas.microsoft.com/office/drawing/2014/main" xmlns="" id="{3A32E2DE-5EA3-4B76-8E32-4FF596942D2D}"/>
+                <a16:creationId xmlns:a16="http://schemas.microsoft.com/office/drawing/2014/main" id="{3A32E2DE-5EA3-4B76-8E32-4FF596942D2D}"/>
               </a:ext>
             </a:extLst>
           </p:cNvPr>
@@ -4231,6 +4230,107 @@
     <p:extLst>
       <p:ext uri="{BB962C8B-B14F-4D97-AF65-F5344CB8AC3E}">
         <p14:creationId xmlns:p14="http://schemas.microsoft.com/office/powerpoint/2010/main" val="1802029727"/>
+      </p:ext>
+    </p:extLst>
+  </p:cSld>
+  <p:clrMapOvr>
+    <a:masterClrMapping/>
+  </p:clrMapOvr>
+</p:sld>
+</file>
+
+<file path=ppt/slides/slide16.xml><?xml version="1.0" encoding="utf-8"?>
+<p:sld xmlns:a="http://schemas.openxmlformats.org/drawingml/2006/main" xmlns:r="http://schemas.openxmlformats.org/officeDocument/2006/relationships" xmlns:p="http://schemas.openxmlformats.org/presentationml/2006/main">
+  <p:cSld>
+    <p:spTree>
+      <p:nvGrpSpPr>
+        <p:cNvPr id="1" name=""/>
+        <p:cNvGrpSpPr/>
+        <p:nvPr/>
+      </p:nvGrpSpPr>
+      <p:grpSpPr>
+        <a:xfrm>
+          <a:off x="0" y="0"/>
+          <a:ext cx="0" cy="0"/>
+          <a:chOff x="0" y="0"/>
+          <a:chExt cx="0" cy="0"/>
+        </a:xfrm>
+      </p:grpSpPr>
+      <p:sp>
+        <p:nvSpPr>
+          <p:cNvPr id="2" name="Title 1">
+            <a:extLst>
+              <a:ext uri="{FF2B5EF4-FFF2-40B4-BE49-F238E27FC236}">
+                <a16:creationId xmlns:a16="http://schemas.microsoft.com/office/drawing/2014/main" id="{E9409C4B-A069-43CD-97BC-CB8FECCBFDAA}"/>
+              </a:ext>
+            </a:extLst>
+          </p:cNvPr>
+          <p:cNvSpPr>
+            <a:spLocks noGrp="1"/>
+          </p:cNvSpPr>
+          <p:nvPr>
+            <p:ph type="title"/>
+          </p:nvPr>
+        </p:nvSpPr>
+        <p:spPr/>
+        <p:txBody>
+          <a:bodyPr/>
+          <a:lstStyle/>
+          <a:p>
+            <a:r>
+              <a:rPr lang="en-US" dirty="0"/>
+              <a:t>Automation/Scripting</a:t>
+            </a:r>
+          </a:p>
+        </p:txBody>
+      </p:sp>
+      <p:sp>
+        <p:nvSpPr>
+          <p:cNvPr id="3" name="Content Placeholder 2">
+            <a:extLst>
+              <a:ext uri="{FF2B5EF4-FFF2-40B4-BE49-F238E27FC236}">
+                <a16:creationId xmlns:a16="http://schemas.microsoft.com/office/drawing/2014/main" id="{332BB75B-34BD-4B99-87D6-59EC2C53B6AE}"/>
+              </a:ext>
+            </a:extLst>
+          </p:cNvPr>
+          <p:cNvSpPr>
+            <a:spLocks noGrp="1"/>
+          </p:cNvSpPr>
+          <p:nvPr>
+            <p:ph idx="1"/>
+          </p:nvPr>
+        </p:nvSpPr>
+        <p:spPr/>
+        <p:txBody>
+          <a:bodyPr/>
+          <a:lstStyle/>
+          <a:p>
+            <a:r>
+              <a:rPr lang="en-US" dirty="0"/>
+              <a:t>AWS CLI - We created scripts for the creation/removal of </a:t>
+            </a:r>
+            <a:r>
+              <a:rPr lang="en-US" dirty="0" err="1"/>
+              <a:t>aws</a:t>
+            </a:r>
+            <a:r>
+              <a:rPr lang="en-US"/>
+              <a:t> resources</a:t>
+            </a:r>
+            <a:endParaRPr lang="en-US" dirty="0"/>
+          </a:p>
+          <a:p>
+            <a:r>
+              <a:rPr lang="en-US" dirty="0"/>
+              <a:t>BOTO3 – Used BOTO3 SDK for Python to create all required resources for EKS</a:t>
+            </a:r>
+          </a:p>
+        </p:txBody>
+      </p:sp>
+    </p:spTree>
+    <p:extLst>
+      <p:ext uri="{BB962C8B-B14F-4D97-AF65-F5344CB8AC3E}">
+        <p14:creationId xmlns:p14="http://schemas.microsoft.com/office/powerpoint/2010/main" val="2328468655"/>
       </p:ext>
     </p:extLst>
   </p:cSld>
@@ -4262,7 +4362,7 @@
           <p:cNvPr id="2" name="Title 1">
             <a:extLst>
               <a:ext uri="{FF2B5EF4-FFF2-40B4-BE49-F238E27FC236}">
-                <a16:creationId xmlns:a16="http://schemas.microsoft.com/office/drawing/2014/main" xmlns="" id="{F6B9FDFE-7E96-4DA0-B868-A8040D4D772D}"/>
+                <a16:creationId xmlns:a16="http://schemas.microsoft.com/office/drawing/2014/main" id="{F6B9FDFE-7E96-4DA0-B868-A8040D4D772D}"/>
               </a:ext>
             </a:extLst>
           </p:cNvPr>
@@ -4290,7 +4390,7 @@
           <p:cNvPr id="3" name="Content Placeholder 2">
             <a:extLst>
               <a:ext uri="{FF2B5EF4-FFF2-40B4-BE49-F238E27FC236}">
-                <a16:creationId xmlns:a16="http://schemas.microsoft.com/office/drawing/2014/main" xmlns="" id="{321C7ED4-6538-4662-96AD-21CBD8C2D845}"/>
+                <a16:creationId xmlns:a16="http://schemas.microsoft.com/office/drawing/2014/main" id="{321C7ED4-6538-4662-96AD-21CBD8C2D845}"/>
               </a:ext>
             </a:extLst>
           </p:cNvPr>
@@ -4354,7 +4454,7 @@
           <p:cNvPr id="2" name="Title 1">
             <a:extLst>
               <a:ext uri="{FF2B5EF4-FFF2-40B4-BE49-F238E27FC236}">
-                <a16:creationId xmlns:a16="http://schemas.microsoft.com/office/drawing/2014/main" xmlns="" id="{690F3E44-99DA-4250-A5D3-67E3932079BE}"/>
+                <a16:creationId xmlns:a16="http://schemas.microsoft.com/office/drawing/2014/main" id="{690F3E44-99DA-4250-A5D3-67E3932079BE}"/>
               </a:ext>
             </a:extLst>
           </p:cNvPr>
@@ -4382,7 +4482,7 @@
           <p:cNvPr id="3" name="Content Placeholder 2">
             <a:extLst>
               <a:ext uri="{FF2B5EF4-FFF2-40B4-BE49-F238E27FC236}">
-                <a16:creationId xmlns:a16="http://schemas.microsoft.com/office/drawing/2014/main" xmlns="" id="{2DE34D32-3517-46CE-B703-FD62E0F82ACC}"/>
+                <a16:creationId xmlns:a16="http://schemas.microsoft.com/office/drawing/2014/main" id="{2DE34D32-3517-46CE-B703-FD62E0F82ACC}"/>
               </a:ext>
             </a:extLst>
           </p:cNvPr>
@@ -4506,10 +4606,9 @@
           <a:lstStyle/>
           <a:p>
             <a:r>
-              <a:rPr lang="en-US" dirty="0" smtClean="0"/>
+              <a:rPr lang="en-US" dirty="0"/>
               <a:t>Interaction between Services</a:t>
             </a:r>
-            <a:endParaRPr lang="en-US" dirty="0"/>
           </a:p>
         </p:txBody>
       </p:sp>
@@ -4574,7 +4673,7 @@
           <p:cNvPr id="3" name="Cloud 2">
             <a:extLst>
               <a:ext uri="{FF2B5EF4-FFF2-40B4-BE49-F238E27FC236}">
-                <a16:creationId xmlns:a16="http://schemas.microsoft.com/office/drawing/2014/main" xmlns="" id="{559817FA-7915-437E-B60F-5FA9C3A0C439}"/>
+                <a16:creationId xmlns:a16="http://schemas.microsoft.com/office/drawing/2014/main" id="{559817FA-7915-437E-B60F-5FA9C3A0C439}"/>
               </a:ext>
             </a:extLst>
           </p:cNvPr>
@@ -4618,7 +4717,7 @@
           <p:cNvPr id="15" name="Flowchart: Predefined Process 14">
             <a:extLst>
               <a:ext uri="{FF2B5EF4-FFF2-40B4-BE49-F238E27FC236}">
-                <a16:creationId xmlns:a16="http://schemas.microsoft.com/office/drawing/2014/main" xmlns="" id="{9897B5D4-A147-435B-8394-BCC21FF27971}"/>
+                <a16:creationId xmlns:a16="http://schemas.microsoft.com/office/drawing/2014/main" id="{9897B5D4-A147-435B-8394-BCC21FF27971}"/>
               </a:ext>
             </a:extLst>
           </p:cNvPr>
@@ -4662,7 +4761,7 @@
           <p:cNvPr id="2" name="Title 1">
             <a:extLst>
               <a:ext uri="{FF2B5EF4-FFF2-40B4-BE49-F238E27FC236}">
-                <a16:creationId xmlns:a16="http://schemas.microsoft.com/office/drawing/2014/main" xmlns="" id="{D93D9D49-3BFB-43D8-BE22-EDAB0AC4379E}"/>
+                <a16:creationId xmlns:a16="http://schemas.microsoft.com/office/drawing/2014/main" id="{D93D9D49-3BFB-43D8-BE22-EDAB0AC4379E}"/>
               </a:ext>
             </a:extLst>
           </p:cNvPr>
@@ -4690,7 +4789,7 @@
           <p:cNvPr id="5" name="Content Placeholder 4">
             <a:extLst>
               <a:ext uri="{FF2B5EF4-FFF2-40B4-BE49-F238E27FC236}">
-                <a16:creationId xmlns:a16="http://schemas.microsoft.com/office/drawing/2014/main" xmlns="" id="{990F633C-D35C-407B-917F-800B3B481D40}"/>
+                <a16:creationId xmlns:a16="http://schemas.microsoft.com/office/drawing/2014/main" id="{990F633C-D35C-407B-917F-800B3B481D40}"/>
               </a:ext>
             </a:extLst>
           </p:cNvPr>
@@ -4721,7 +4820,7 @@
           <p:cNvPr id="11" name="Cylinder 10">
             <a:extLst>
               <a:ext uri="{FF2B5EF4-FFF2-40B4-BE49-F238E27FC236}">
-                <a16:creationId xmlns:a16="http://schemas.microsoft.com/office/drawing/2014/main" xmlns="" id="{30C69C78-BDBF-4CFA-8206-F73196E9C69C}"/>
+                <a16:creationId xmlns:a16="http://schemas.microsoft.com/office/drawing/2014/main" id="{30C69C78-BDBF-4CFA-8206-F73196E9C69C}"/>
               </a:ext>
             </a:extLst>
           </p:cNvPr>
@@ -4768,7 +4867,7 @@
           <p:cNvPr id="12" name="Flowchart: Predefined Process 11">
             <a:extLst>
               <a:ext uri="{FF2B5EF4-FFF2-40B4-BE49-F238E27FC236}">
-                <a16:creationId xmlns:a16="http://schemas.microsoft.com/office/drawing/2014/main" xmlns="" id="{17D7A88B-26F5-4635-BB57-2A715CC0E933}"/>
+                <a16:creationId xmlns:a16="http://schemas.microsoft.com/office/drawing/2014/main" id="{17D7A88B-26F5-4635-BB57-2A715CC0E933}"/>
               </a:ext>
             </a:extLst>
           </p:cNvPr>
@@ -4830,7 +4929,7 @@
           <p:cNvPr id="13" name="Flowchart: Predefined Process 12">
             <a:extLst>
               <a:ext uri="{FF2B5EF4-FFF2-40B4-BE49-F238E27FC236}">
-                <a16:creationId xmlns:a16="http://schemas.microsoft.com/office/drawing/2014/main" xmlns="" id="{ED22EA2C-0A38-4491-BE95-082918366E9F}"/>
+                <a16:creationId xmlns:a16="http://schemas.microsoft.com/office/drawing/2014/main" id="{ED22EA2C-0A38-4491-BE95-082918366E9F}"/>
               </a:ext>
             </a:extLst>
           </p:cNvPr>
@@ -4892,7 +4991,7 @@
           <p:cNvPr id="14" name="Flowchart: Predefined Process 13">
             <a:extLst>
               <a:ext uri="{FF2B5EF4-FFF2-40B4-BE49-F238E27FC236}">
-                <a16:creationId xmlns:a16="http://schemas.microsoft.com/office/drawing/2014/main" xmlns="" id="{8D4E13AA-B6AF-4B1B-98E8-FEC0AC46C4D2}"/>
+                <a16:creationId xmlns:a16="http://schemas.microsoft.com/office/drawing/2014/main" id="{8D4E13AA-B6AF-4B1B-98E8-FEC0AC46C4D2}"/>
               </a:ext>
             </a:extLst>
           </p:cNvPr>
@@ -4946,7 +5045,7 @@
           <p:cNvPr id="17" name="Cylinder 16">
             <a:extLst>
               <a:ext uri="{FF2B5EF4-FFF2-40B4-BE49-F238E27FC236}">
-                <a16:creationId xmlns:a16="http://schemas.microsoft.com/office/drawing/2014/main" xmlns="" id="{19948A80-11E8-4FE1-AF32-A98DF01418EA}"/>
+                <a16:creationId xmlns:a16="http://schemas.microsoft.com/office/drawing/2014/main" id="{19948A80-11E8-4FE1-AF32-A98DF01418EA}"/>
               </a:ext>
             </a:extLst>
           </p:cNvPr>
@@ -4998,7 +5097,7 @@
           <p:cNvPr id="19" name="Straight Arrow Connector 18">
             <a:extLst>
               <a:ext uri="{FF2B5EF4-FFF2-40B4-BE49-F238E27FC236}">
-                <a16:creationId xmlns:a16="http://schemas.microsoft.com/office/drawing/2014/main" xmlns="" id="{11E0C31D-3695-4A81-80C4-0217431D781F}"/>
+                <a16:creationId xmlns:a16="http://schemas.microsoft.com/office/drawing/2014/main" id="{11E0C31D-3695-4A81-80C4-0217431D781F}"/>
               </a:ext>
             </a:extLst>
           </p:cNvPr>
@@ -5037,7 +5136,7 @@
           <p:cNvPr id="21" name="Straight Arrow Connector 20">
             <a:extLst>
               <a:ext uri="{FF2B5EF4-FFF2-40B4-BE49-F238E27FC236}">
-                <a16:creationId xmlns:a16="http://schemas.microsoft.com/office/drawing/2014/main" xmlns="" id="{FC78DBFC-22BF-4FC5-99E3-9157EB2320D6}"/>
+                <a16:creationId xmlns:a16="http://schemas.microsoft.com/office/drawing/2014/main" id="{FC78DBFC-22BF-4FC5-99E3-9157EB2320D6}"/>
               </a:ext>
             </a:extLst>
           </p:cNvPr>
@@ -5076,7 +5175,7 @@
           <p:cNvPr id="23" name="Straight Arrow Connector 22">
             <a:extLst>
               <a:ext uri="{FF2B5EF4-FFF2-40B4-BE49-F238E27FC236}">
-                <a16:creationId xmlns:a16="http://schemas.microsoft.com/office/drawing/2014/main" xmlns="" id="{EC42312D-1B24-42CA-A510-16F038DA5A56}"/>
+                <a16:creationId xmlns:a16="http://schemas.microsoft.com/office/drawing/2014/main" id="{EC42312D-1B24-42CA-A510-16F038DA5A56}"/>
               </a:ext>
             </a:extLst>
           </p:cNvPr>
@@ -5147,7 +5246,7 @@
           <p:cNvPr id="2" name="Title 1">
             <a:extLst>
               <a:ext uri="{FF2B5EF4-FFF2-40B4-BE49-F238E27FC236}">
-                <a16:creationId xmlns:a16="http://schemas.microsoft.com/office/drawing/2014/main" xmlns="" id="{91C996E4-00E6-40D0-9F06-9592ACE38C81}"/>
+                <a16:creationId xmlns:a16="http://schemas.microsoft.com/office/drawing/2014/main" id="{91C996E4-00E6-40D0-9F06-9592ACE38C81}"/>
               </a:ext>
             </a:extLst>
           </p:cNvPr>
@@ -5175,7 +5274,7 @@
           <p:cNvPr id="3" name="Content Placeholder 2">
             <a:extLst>
               <a:ext uri="{FF2B5EF4-FFF2-40B4-BE49-F238E27FC236}">
-                <a16:creationId xmlns:a16="http://schemas.microsoft.com/office/drawing/2014/main" xmlns="" id="{284BDDB1-6ECE-4354-B3DA-0C16A4EF0241}"/>
+                <a16:creationId xmlns:a16="http://schemas.microsoft.com/office/drawing/2014/main" id="{284BDDB1-6ECE-4354-B3DA-0C16A4EF0241}"/>
               </a:ext>
             </a:extLst>
           </p:cNvPr>
@@ -5267,7 +5366,7 @@
           <p:cNvPr id="2" name="Title 1">
             <a:extLst>
               <a:ext uri="{FF2B5EF4-FFF2-40B4-BE49-F238E27FC236}">
-                <a16:creationId xmlns:a16="http://schemas.microsoft.com/office/drawing/2014/main" xmlns="" id="{5AE1114E-F0D9-47FD-8CAE-3A03F22D5AF3}"/>
+                <a16:creationId xmlns:a16="http://schemas.microsoft.com/office/drawing/2014/main" id="{5AE1114E-F0D9-47FD-8CAE-3A03F22D5AF3}"/>
               </a:ext>
             </a:extLst>
           </p:cNvPr>
@@ -5295,7 +5394,7 @@
           <p:cNvPr id="3" name="Content Placeholder 2">
             <a:extLst>
               <a:ext uri="{FF2B5EF4-FFF2-40B4-BE49-F238E27FC236}">
-                <a16:creationId xmlns:a16="http://schemas.microsoft.com/office/drawing/2014/main" xmlns="" id="{DEAA5D04-DAE7-41CE-A89C-DC6EAC04A6BE}"/>
+                <a16:creationId xmlns:a16="http://schemas.microsoft.com/office/drawing/2014/main" id="{DEAA5D04-DAE7-41CE-A89C-DC6EAC04A6BE}"/>
               </a:ext>
             </a:extLst>
           </p:cNvPr>
@@ -5387,7 +5486,7 @@
           <p:cNvPr id="2" name="Title 1">
             <a:extLst>
               <a:ext uri="{FF2B5EF4-FFF2-40B4-BE49-F238E27FC236}">
-                <a16:creationId xmlns:a16="http://schemas.microsoft.com/office/drawing/2014/main" xmlns="" id="{0814CA06-3E22-47B6-B60A-4A10D8D4EDED}"/>
+                <a16:creationId xmlns:a16="http://schemas.microsoft.com/office/drawing/2014/main" id="{0814CA06-3E22-47B6-B60A-4A10D8D4EDED}"/>
               </a:ext>
             </a:extLst>
           </p:cNvPr>
@@ -5415,7 +5514,7 @@
           <p:cNvPr id="3" name="Content Placeholder 2">
             <a:extLst>
               <a:ext uri="{FF2B5EF4-FFF2-40B4-BE49-F238E27FC236}">
-                <a16:creationId xmlns:a16="http://schemas.microsoft.com/office/drawing/2014/main" xmlns="" id="{A2963B64-D0B8-4626-A253-C81AF4DF3206}"/>
+                <a16:creationId xmlns:a16="http://schemas.microsoft.com/office/drawing/2014/main" id="{A2963B64-D0B8-4626-A253-C81AF4DF3206}"/>
               </a:ext>
             </a:extLst>
           </p:cNvPr>
@@ -5536,7 +5635,7 @@
           <p:cNvPr id="2" name="Title 1">
             <a:extLst>
               <a:ext uri="{FF2B5EF4-FFF2-40B4-BE49-F238E27FC236}">
-                <a16:creationId xmlns:a16="http://schemas.microsoft.com/office/drawing/2014/main" xmlns="" id="{19AAC746-03DA-46D7-82FA-49752EEF9D53}"/>
+                <a16:creationId xmlns:a16="http://schemas.microsoft.com/office/drawing/2014/main" id="{19AAC746-03DA-46D7-82FA-49752EEF9D53}"/>
               </a:ext>
             </a:extLst>
           </p:cNvPr>
@@ -5564,7 +5663,7 @@
           <p:cNvPr id="3" name="Content Placeholder 2">
             <a:extLst>
               <a:ext uri="{FF2B5EF4-FFF2-40B4-BE49-F238E27FC236}">
-                <a16:creationId xmlns:a16="http://schemas.microsoft.com/office/drawing/2014/main" xmlns="" id="{9E636523-0F60-4484-8D07-E51318B267D2}"/>
+                <a16:creationId xmlns:a16="http://schemas.microsoft.com/office/drawing/2014/main" id="{9E636523-0F60-4484-8D07-E51318B267D2}"/>
               </a:ext>
             </a:extLst>
           </p:cNvPr>

--- a/documents/DevOps_on_AWS.pptx
+++ b/documents/DevOps_on_AWS.pptx
@@ -3759,7 +3759,9 @@
         </p:nvSpPr>
         <p:spPr/>
         <p:txBody>
-          <a:bodyPr/>
+          <a:bodyPr>
+            <a:normAutofit/>
+          </a:bodyPr>
           <a:lstStyle/>
           <a:p>
             <a:r>
@@ -3814,7 +3816,14 @@
             <a:pPr lvl="1"/>
             <a:r>
               <a:rPr lang="en-US" dirty="0"/>
-              <a:t>Networking</a:t>
+              <a:t>Scheduler</a:t>
+            </a:r>
+          </a:p>
+          <a:p>
+            <a:pPr lvl="1"/>
+            <a:r>
+              <a:rPr lang="en-US" dirty="0"/>
+              <a:t>API server</a:t>
             </a:r>
           </a:p>
           <a:p>
@@ -3833,16 +3842,17 @@
             </a:r>
           </a:p>
           <a:p>
-            <a:pPr lvl="1"/>
-            <a:r>
-              <a:rPr lang="en-US" dirty="0"/>
-              <a:t>Deploy to EC2 (User is responsible for allocation of nodes, etc..)</a:t>
-            </a:r>
-          </a:p>
-          <a:p>
-            <a:r>
-              <a:rPr lang="en-US" dirty="0"/>
-              <a:t>We deployed to EC2</a:t>
+            <a:r>
+              <a:rPr lang="en-US" dirty="0"/>
+              <a:t>We deployed application images with manifests using </a:t>
+            </a:r>
+            <a:r>
+              <a:rPr lang="en-US" dirty="0" err="1"/>
+              <a:t>kubectl</a:t>
+            </a:r>
+            <a:r>
+              <a:rPr lang="en-US" dirty="0"/>
+              <a:t> tool</a:t>
             </a:r>
           </a:p>
           <a:p>
@@ -3931,7 +3941,7 @@
           <a:p>
             <a:r>
               <a:rPr lang="en-US" dirty="0"/>
-              <a:t>Lambda is a serverless service from AWS</a:t>
+              <a:t>Lambda is the serverless service from AWS(Function as a service)</a:t>
             </a:r>
           </a:p>
           <a:p>
@@ -3983,7 +3993,15 @@
           <a:p>
             <a:r>
               <a:rPr lang="en-US" dirty="0"/>
-              <a:t>Kubernetes manifest files were picked up from S3 bucket and deployed to Kubernetes.</a:t>
+              <a:t>Kubernetes manifest files were picked up from S3 bucket and deployed to Kubernetes using </a:t>
+            </a:r>
+            <a:r>
+              <a:rPr lang="en-US" dirty="0" err="1"/>
+              <a:t>kubectl</a:t>
+            </a:r>
+            <a:r>
+              <a:rPr lang="en-US" dirty="0"/>
+              <a:t> tool.</a:t>
             </a:r>
           </a:p>
         </p:txBody>
@@ -4075,7 +4093,7 @@
           <a:p>
             <a:r>
               <a:rPr lang="en-US" dirty="0"/>
-              <a:t>Events generated in various services are captured by Cloud Watch and results in Triggering of any other configured services.</a:t>
+              <a:t>Events generated in various services are captured by Cloud Watch and results in triggering of any other configured services.</a:t>
             </a:r>
           </a:p>
           <a:p>
@@ -4086,11 +4104,11 @@
             </a:r>
             <a:r>
               <a:rPr lang="en-US" dirty="0" err="1"/>
-              <a:t>commted</a:t>
-            </a:r>
-            <a:r>
-              <a:rPr lang="en-US" dirty="0"/>
-              <a:t>/merged in Code Commit, Cloud Watch is responsible for triggering a build in Code Pipeline.</a:t>
+              <a:t>commited</a:t>
+            </a:r>
+            <a:r>
+              <a:rPr lang="en-US" dirty="0"/>
+              <a:t>/merged in Code Commit, Cloud Watch is responsible for triggering a automatic build in Code Pipeline.</a:t>
             </a:r>
           </a:p>
           <a:p>
@@ -4314,15 +4332,26 @@
               <a:t>aws</a:t>
             </a:r>
             <a:r>
-              <a:rPr lang="en-US"/>
+              <a:rPr lang="en-US" dirty="0"/>
               <a:t> resources</a:t>
             </a:r>
-            <a:endParaRPr lang="en-US" dirty="0"/>
           </a:p>
           <a:p>
             <a:r>
               <a:rPr lang="en-US" dirty="0"/>
               <a:t>BOTO3 – Used BOTO3 SDK for Python to create all required resources for EKS</a:t>
+            </a:r>
+          </a:p>
+          <a:p>
+            <a:r>
+              <a:rPr lang="en-US" dirty="0"/>
+              <a:t>This helped us in bringing up resources at start of day and destroying resources at end of day in a consistent fashion.</a:t>
+            </a:r>
+          </a:p>
+          <a:p>
+            <a:r>
+              <a:rPr lang="en-US" dirty="0"/>
+              <a:t>Helped us in speeding up of the creation/removal process.</a:t>
             </a:r>
           </a:p>
         </p:txBody>
@@ -4630,8 +4659,8 @@
         </p:blipFill>
         <p:spPr>
           <a:xfrm>
-            <a:off x="4156828" y="1825625"/>
-            <a:ext cx="3878344" cy="4679347"/>
+            <a:off x="3900250" y="1395741"/>
+            <a:ext cx="5644707" cy="6810520"/>
           </a:xfrm>
           <a:prstGeom prst="rect">
             <a:avLst/>
@@ -5327,6 +5356,12 @@
             </a:r>
           </a:p>
           <a:p>
+            <a:r>
+              <a:rPr lang="en-US" dirty="0"/>
+              <a:t>Created all the roles and policies required for services to service interaction.</a:t>
+            </a:r>
+          </a:p>
+          <a:p>
             <a:endParaRPr lang="en-US" dirty="0"/>
           </a:p>
         </p:txBody>
@@ -5538,7 +5573,7 @@
           <a:p>
             <a:r>
               <a:rPr lang="en-US" dirty="0"/>
-              <a:t>Source (input) to this service is Coed Commit repository “ss-</a:t>
+              <a:t>Source (input) to this service is Code Commit repository “ss-</a:t>
             </a:r>
             <a:r>
               <a:rPr lang="en-US" dirty="0" err="1"/>

--- a/documents/DevOps_on_AWS.pptx
+++ b/documents/DevOps_on_AWS.pptx
@@ -8,19 +8,20 @@
     <p:sldId id="256" r:id="rId2"/>
     <p:sldId id="257" r:id="rId3"/>
     <p:sldId id="258" r:id="rId4"/>
-    <p:sldId id="270" r:id="rId5"/>
-    <p:sldId id="259" r:id="rId6"/>
-    <p:sldId id="260" r:id="rId7"/>
-    <p:sldId id="261" r:id="rId8"/>
-    <p:sldId id="262" r:id="rId9"/>
-    <p:sldId id="264" r:id="rId10"/>
-    <p:sldId id="263" r:id="rId11"/>
-    <p:sldId id="265" r:id="rId12"/>
-    <p:sldId id="266" r:id="rId13"/>
-    <p:sldId id="267" r:id="rId14"/>
-    <p:sldId id="268" r:id="rId15"/>
-    <p:sldId id="269" r:id="rId16"/>
-    <p:sldId id="271" r:id="rId17"/>
+    <p:sldId id="272" r:id="rId5"/>
+    <p:sldId id="270" r:id="rId6"/>
+    <p:sldId id="259" r:id="rId7"/>
+    <p:sldId id="260" r:id="rId8"/>
+    <p:sldId id="261" r:id="rId9"/>
+    <p:sldId id="262" r:id="rId10"/>
+    <p:sldId id="264" r:id="rId11"/>
+    <p:sldId id="263" r:id="rId12"/>
+    <p:sldId id="265" r:id="rId13"/>
+    <p:sldId id="266" r:id="rId14"/>
+    <p:sldId id="267" r:id="rId15"/>
+    <p:sldId id="268" r:id="rId16"/>
+    <p:sldId id="269" r:id="rId17"/>
+    <p:sldId id="271" r:id="rId18"/>
   </p:sldIdLst>
   <p:sldSz cx="12192000" cy="6858000"/>
   <p:notesSz cx="6858000" cy="9144000"/>
@@ -3462,7 +3463,7 @@
           <p:cNvPr id="2" name="Title 1">
             <a:extLst>
               <a:ext uri="{FF2B5EF4-FFF2-40B4-BE49-F238E27FC236}">
-                <a16:creationId xmlns:a16="http://schemas.microsoft.com/office/drawing/2014/main" id="{36C4C4A1-3B07-402A-9D44-B00C6AC2B44A}"/>
+                <a16:creationId xmlns:a16="http://schemas.microsoft.com/office/drawing/2014/main" id="{19AAC746-03DA-46D7-82FA-49752EEF9D53}"/>
               </a:ext>
             </a:extLst>
           </p:cNvPr>
@@ -3480,7 +3481,7 @@
           <a:p>
             <a:r>
               <a:rPr lang="en-US" dirty="0"/>
-              <a:t>Code Pipeline</a:t>
+              <a:t>Code Deploy</a:t>
             </a:r>
           </a:p>
         </p:txBody>
@@ -3490,7 +3491,7 @@
           <p:cNvPr id="3" name="Content Placeholder 2">
             <a:extLst>
               <a:ext uri="{FF2B5EF4-FFF2-40B4-BE49-F238E27FC236}">
-                <a16:creationId xmlns:a16="http://schemas.microsoft.com/office/drawing/2014/main" id="{2ACC51B7-30F4-473F-9643-DC17A1341411}"/>
+                <a16:creationId xmlns:a16="http://schemas.microsoft.com/office/drawing/2014/main" id="{9E636523-0F60-4484-8D07-E51318B267D2}"/>
               </a:ext>
             </a:extLst>
           </p:cNvPr>
@@ -3508,46 +3509,34 @@
           <a:p>
             <a:r>
               <a:rPr lang="en-US" dirty="0"/>
-              <a:t>Code pipeline is an AWS service which integrates the following</a:t>
-            </a:r>
-          </a:p>
-          <a:p>
-            <a:pPr lvl="1"/>
-            <a:r>
-              <a:rPr lang="en-US" dirty="0"/>
-              <a:t>Code Commit</a:t>
-            </a:r>
-          </a:p>
-          <a:p>
-            <a:pPr lvl="1"/>
-            <a:r>
-              <a:rPr lang="en-US" dirty="0"/>
-              <a:t>Code Build</a:t>
-            </a:r>
-          </a:p>
-          <a:p>
-            <a:pPr lvl="1"/>
-            <a:r>
-              <a:rPr lang="en-US" dirty="0"/>
-              <a:t>Code Deploy</a:t>
-            </a:r>
-          </a:p>
-          <a:p>
-            <a:r>
-              <a:rPr lang="en-US" dirty="0"/>
-              <a:t>The Build steps can be specified  using </a:t>
-            </a:r>
-            <a:r>
-              <a:rPr lang="en-US" dirty="0" err="1"/>
-              <a:t>buildspec.yaml</a:t>
-            </a:r>
-            <a:r>
-              <a:rPr lang="en-US" dirty="0"/>
-              <a:t> (should be present in source code root directory).</a:t>
-            </a:r>
-          </a:p>
-          <a:p>
-            <a:pPr lvl="1"/>
+              <a:t>Code Deploy is an AWS service which deploys the build artifacts to dev/test/prod servers.</a:t>
+            </a:r>
+          </a:p>
+          <a:p>
+            <a:r>
+              <a:rPr lang="en-US" dirty="0"/>
+              <a:t>In our POC our aim was to deploy our application to Kubernetes</a:t>
+            </a:r>
+          </a:p>
+          <a:p>
+            <a:r>
+              <a:rPr lang="en-US" dirty="0"/>
+              <a:t>In AWS Code Deploy there is no action to deploy build artifacts to Elastic Kubernetes Service(EKS)</a:t>
+            </a:r>
+          </a:p>
+          <a:p>
+            <a:r>
+              <a:rPr lang="en-US" dirty="0"/>
+              <a:t>So, the artifacts were deployed to Lambda</a:t>
+            </a:r>
+          </a:p>
+          <a:p>
+            <a:r>
+              <a:rPr lang="en-US" dirty="0"/>
+              <a:t>In Lambda, logic was embedded to deploy to EKS</a:t>
+            </a:r>
+          </a:p>
+          <a:p>
             <a:endParaRPr lang="en-US" dirty="0"/>
           </a:p>
         </p:txBody>
@@ -3555,7 +3544,7 @@
     </p:spTree>
     <p:extLst>
       <p:ext uri="{BB962C8B-B14F-4D97-AF65-F5344CB8AC3E}">
-        <p14:creationId xmlns:p14="http://schemas.microsoft.com/office/powerpoint/2010/main" val="4046726515"/>
+        <p14:creationId xmlns:p14="http://schemas.microsoft.com/office/powerpoint/2010/main" val="1545696786"/>
       </p:ext>
     </p:extLst>
   </p:cSld>
@@ -3587,7 +3576,7 @@
           <p:cNvPr id="2" name="Title 1">
             <a:extLst>
               <a:ext uri="{FF2B5EF4-FFF2-40B4-BE49-F238E27FC236}">
-                <a16:creationId xmlns:a16="http://schemas.microsoft.com/office/drawing/2014/main" id="{D611AD58-ED78-4524-8C7F-3A374688A65B}"/>
+                <a16:creationId xmlns:a16="http://schemas.microsoft.com/office/drawing/2014/main" id="{36C4C4A1-3B07-402A-9D44-B00C6AC2B44A}"/>
               </a:ext>
             </a:extLst>
           </p:cNvPr>
@@ -3605,7 +3594,7 @@
           <a:p>
             <a:r>
               <a:rPr lang="en-US" dirty="0"/>
-              <a:t>Elastic Container Service (ECS)</a:t>
+              <a:t>Code Pipeline</a:t>
             </a:r>
           </a:p>
         </p:txBody>
@@ -3615,7 +3604,7 @@
           <p:cNvPr id="3" name="Content Placeholder 2">
             <a:extLst>
               <a:ext uri="{FF2B5EF4-FFF2-40B4-BE49-F238E27FC236}">
-                <a16:creationId xmlns:a16="http://schemas.microsoft.com/office/drawing/2014/main" id="{A9A685AB-9C66-481A-99B5-A937F0006151}"/>
+                <a16:creationId xmlns:a16="http://schemas.microsoft.com/office/drawing/2014/main" id="{2ACC51B7-30F4-473F-9643-DC17A1341411}"/>
               </a:ext>
             </a:extLst>
           </p:cNvPr>
@@ -3633,60 +3622,54 @@
           <a:p>
             <a:r>
               <a:rPr lang="en-US" dirty="0"/>
-              <a:t>ECS is one of the services provided to deploy your application as containers.</a:t>
-            </a:r>
-          </a:p>
-          <a:p>
-            <a:r>
-              <a:rPr lang="en-US" dirty="0"/>
-              <a:t>The user/admin is responsible for administration of the services, replicas, </a:t>
+              <a:t>Code pipeline is an AWS service which integrates the following</a:t>
+            </a:r>
+          </a:p>
+          <a:p>
+            <a:pPr lvl="1"/>
+            <a:r>
+              <a:rPr lang="en-US" dirty="0"/>
+              <a:t>Code Commit</a:t>
+            </a:r>
+          </a:p>
+          <a:p>
+            <a:pPr lvl="1"/>
+            <a:r>
+              <a:rPr lang="en-US" dirty="0"/>
+              <a:t>Code Build</a:t>
+            </a:r>
+          </a:p>
+          <a:p>
+            <a:pPr lvl="1"/>
+            <a:r>
+              <a:rPr lang="en-US" dirty="0"/>
+              <a:t>Code Deploy</a:t>
+            </a:r>
+          </a:p>
+          <a:p>
+            <a:r>
+              <a:rPr lang="en-US" dirty="0"/>
+              <a:t>The Build steps can be specified  using </a:t>
             </a:r>
             <a:r>
               <a:rPr lang="en-US" dirty="0" err="1"/>
-              <a:t>etc</a:t>
-            </a:r>
+              <a:t>buildspec.yaml</a:t>
+            </a:r>
+            <a:r>
+              <a:rPr lang="en-US" dirty="0"/>
+              <a:t> (should be present in source code root directory).</a:t>
+            </a:r>
+          </a:p>
+          <a:p>
+            <a:pPr lvl="1"/>
             <a:endParaRPr lang="en-US" dirty="0"/>
-          </a:p>
-          <a:p>
-            <a:r>
-              <a:rPr lang="en-US" dirty="0"/>
-              <a:t>There are two possible ways we can use ECS</a:t>
-            </a:r>
-          </a:p>
-          <a:p>
-            <a:pPr lvl="1"/>
-            <a:r>
-              <a:rPr lang="en-US" dirty="0"/>
-              <a:t>Deploy to </a:t>
-            </a:r>
-            <a:r>
-              <a:rPr lang="en-US" dirty="0" err="1"/>
-              <a:t>Fargate</a:t>
-            </a:r>
-            <a:r>
-              <a:rPr lang="en-US" dirty="0"/>
-              <a:t>(completely manages by AWS)</a:t>
-            </a:r>
-          </a:p>
-          <a:p>
-            <a:pPr lvl="1"/>
-            <a:r>
-              <a:rPr lang="en-US" dirty="0"/>
-              <a:t>Deploy to EC2 (User is responsible for allocation of nodes, etc..)</a:t>
-            </a:r>
-          </a:p>
-          <a:p>
-            <a:r>
-              <a:rPr lang="en-US" dirty="0"/>
-              <a:t>We deployed to EC2</a:t>
-            </a:r>
           </a:p>
         </p:txBody>
       </p:sp>
     </p:spTree>
     <p:extLst>
       <p:ext uri="{BB962C8B-B14F-4D97-AF65-F5344CB8AC3E}">
-        <p14:creationId xmlns:p14="http://schemas.microsoft.com/office/powerpoint/2010/main" val="3102009268"/>
+        <p14:creationId xmlns:p14="http://schemas.microsoft.com/office/powerpoint/2010/main" val="4046726515"/>
       </p:ext>
     </p:extLst>
   </p:cSld>
@@ -3718,7 +3701,7 @@
           <p:cNvPr id="2" name="Title 1">
             <a:extLst>
               <a:ext uri="{FF2B5EF4-FFF2-40B4-BE49-F238E27FC236}">
-                <a16:creationId xmlns:a16="http://schemas.microsoft.com/office/drawing/2014/main" id="{52DDB10B-AB88-483F-80FD-5370C81DB739}"/>
+                <a16:creationId xmlns:a16="http://schemas.microsoft.com/office/drawing/2014/main" id="{D611AD58-ED78-4524-8C7F-3A374688A65B}"/>
               </a:ext>
             </a:extLst>
           </p:cNvPr>
@@ -3736,7 +3719,7 @@
           <a:p>
             <a:r>
               <a:rPr lang="en-US" dirty="0"/>
-              <a:t>Elastic Kubernetes Service (EKS)</a:t>
+              <a:t>Elastic Container Service (ECS)</a:t>
             </a:r>
           </a:p>
         </p:txBody>
@@ -3746,7 +3729,7 @@
           <p:cNvPr id="3" name="Content Placeholder 2">
             <a:extLst>
               <a:ext uri="{FF2B5EF4-FFF2-40B4-BE49-F238E27FC236}">
-                <a16:creationId xmlns:a16="http://schemas.microsoft.com/office/drawing/2014/main" id="{38C169B4-6870-4C64-B19E-A485828CF9AB}"/>
+                <a16:creationId xmlns:a16="http://schemas.microsoft.com/office/drawing/2014/main" id="{A9A685AB-9C66-481A-99B5-A937F0006151}"/>
               </a:ext>
             </a:extLst>
           </p:cNvPr>
@@ -3759,111 +3742,65 @@
         </p:nvSpPr>
         <p:spPr/>
         <p:txBody>
-          <a:bodyPr>
-            <a:normAutofit/>
-          </a:bodyPr>
-          <a:lstStyle/>
-          <a:p>
-            <a:r>
-              <a:rPr lang="en-US" dirty="0"/>
-              <a:t>EKS is AWS’s managed </a:t>
+          <a:bodyPr/>
+          <a:lstStyle/>
+          <a:p>
+            <a:r>
+              <a:rPr lang="en-US" dirty="0"/>
+              <a:t>ECS is one of the services provided to deploy your application as containers.</a:t>
+            </a:r>
+          </a:p>
+          <a:p>
+            <a:r>
+              <a:rPr lang="en-US" dirty="0"/>
+              <a:t>The user/admin is responsible for administration of the services, replicas, </a:t>
             </a:r>
             <a:r>
               <a:rPr lang="en-US" dirty="0" err="1"/>
-              <a:t>kubernetes</a:t>
-            </a:r>
-            <a:r>
-              <a:rPr lang="en-US" dirty="0"/>
-              <a:t> services</a:t>
-            </a:r>
-          </a:p>
-          <a:p>
-            <a:r>
-              <a:rPr lang="en-US" dirty="0"/>
-              <a:t>The user/admin is responsible for managing the deployment using </a:t>
+              <a:t>etc</a:t>
+            </a:r>
+            <a:endParaRPr lang="en-US" dirty="0"/>
+          </a:p>
+          <a:p>
+            <a:r>
+              <a:rPr lang="en-US" dirty="0"/>
+              <a:t>There are two possible ways we can use ECS</a:t>
+            </a:r>
+          </a:p>
+          <a:p>
+            <a:pPr lvl="1"/>
+            <a:r>
+              <a:rPr lang="en-US" dirty="0"/>
+              <a:t>Deploy to </a:t>
             </a:r>
             <a:r>
               <a:rPr lang="en-US" dirty="0" err="1"/>
-              <a:t>kubernetes</a:t>
-            </a:r>
-            <a:r>
-              <a:rPr lang="en-US" dirty="0"/>
-              <a:t> manifests(YAML)</a:t>
-            </a:r>
-          </a:p>
-          <a:p>
-            <a:r>
-              <a:rPr lang="en-US" dirty="0"/>
-              <a:t>EKS manages the cluster and nodes and all the necessary infrastructure required for running </a:t>
-            </a:r>
-            <a:r>
-              <a:rPr lang="en-US" dirty="0" err="1"/>
-              <a:t>kubernetes</a:t>
-            </a:r>
-            <a:r>
-              <a:rPr lang="en-US" dirty="0"/>
-              <a:t>(Control Plane)</a:t>
+              <a:t>Fargate</a:t>
+            </a:r>
+            <a:r>
+              <a:rPr lang="en-US" dirty="0"/>
+              <a:t>(completely manages by AWS)</a:t>
             </a:r>
           </a:p>
           <a:p>
             <a:pPr lvl="1"/>
             <a:r>
               <a:rPr lang="en-US" dirty="0"/>
-              <a:t>DNS service</a:t>
-            </a:r>
-          </a:p>
-          <a:p>
-            <a:pPr lvl="1"/>
-            <a:r>
-              <a:rPr lang="en-US" dirty="0"/>
-              <a:t>Scheduler</a:t>
-            </a:r>
-          </a:p>
-          <a:p>
-            <a:pPr lvl="1"/>
-            <a:r>
-              <a:rPr lang="en-US" dirty="0"/>
-              <a:t>API server</a:t>
-            </a:r>
-          </a:p>
-          <a:p>
-            <a:pPr lvl="1"/>
-            <a:r>
-              <a:rPr lang="en-US" dirty="0"/>
-              <a:t>State management(</a:t>
-            </a:r>
-            <a:r>
-              <a:rPr lang="en-US" dirty="0" err="1"/>
-              <a:t>etcd</a:t>
-            </a:r>
-            <a:r>
-              <a:rPr lang="en-US" dirty="0"/>
-              <a:t> internal database)</a:t>
-            </a:r>
-          </a:p>
-          <a:p>
-            <a:r>
-              <a:rPr lang="en-US" dirty="0"/>
-              <a:t>We deployed application images with manifests using </a:t>
-            </a:r>
-            <a:r>
-              <a:rPr lang="en-US" dirty="0" err="1"/>
-              <a:t>kubectl</a:t>
-            </a:r>
-            <a:r>
-              <a:rPr lang="en-US" dirty="0"/>
-              <a:t> tool</a:t>
-            </a:r>
-          </a:p>
-          <a:p>
-            <a:endParaRPr lang="en-US" dirty="0"/>
+              <a:t>Deploy to EC2 (User is responsible for allocation of nodes, etc..)</a:t>
+            </a:r>
+          </a:p>
+          <a:p>
+            <a:r>
+              <a:rPr lang="en-US" dirty="0"/>
+              <a:t>We deployed to EC2</a:t>
+            </a:r>
           </a:p>
         </p:txBody>
       </p:sp>
     </p:spTree>
     <p:extLst>
       <p:ext uri="{BB962C8B-B14F-4D97-AF65-F5344CB8AC3E}">
-        <p14:creationId xmlns:p14="http://schemas.microsoft.com/office/powerpoint/2010/main" val="760934502"/>
+        <p14:creationId xmlns:p14="http://schemas.microsoft.com/office/powerpoint/2010/main" val="3102009268"/>
       </p:ext>
     </p:extLst>
   </p:cSld>
@@ -3895,7 +3832,7 @@
           <p:cNvPr id="2" name="Title 1">
             <a:extLst>
               <a:ext uri="{FF2B5EF4-FFF2-40B4-BE49-F238E27FC236}">
-                <a16:creationId xmlns:a16="http://schemas.microsoft.com/office/drawing/2014/main" id="{E4C6F6EE-9603-466D-9568-221C19452D63}"/>
+                <a16:creationId xmlns:a16="http://schemas.microsoft.com/office/drawing/2014/main" id="{52DDB10B-AB88-483F-80FD-5370C81DB739}"/>
               </a:ext>
             </a:extLst>
           </p:cNvPr>
@@ -3913,7 +3850,7 @@
           <a:p>
             <a:r>
               <a:rPr lang="en-US" dirty="0"/>
-              <a:t>Lambda</a:t>
+              <a:t>Elastic Kubernetes Service (EKS)</a:t>
             </a:r>
           </a:p>
         </p:txBody>
@@ -3923,7 +3860,7 @@
           <p:cNvPr id="3" name="Content Placeholder 2">
             <a:extLst>
               <a:ext uri="{FF2B5EF4-FFF2-40B4-BE49-F238E27FC236}">
-                <a16:creationId xmlns:a16="http://schemas.microsoft.com/office/drawing/2014/main" id="{B544E974-E5DA-4EED-AEAE-A3E1180ED804}"/>
+                <a16:creationId xmlns:a16="http://schemas.microsoft.com/office/drawing/2014/main" id="{38C169B4-6870-4C64-B19E-A485828CF9AB}"/>
               </a:ext>
             </a:extLst>
           </p:cNvPr>
@@ -3936,50 +3873,92 @@
         </p:nvSpPr>
         <p:spPr/>
         <p:txBody>
-          <a:bodyPr/>
-          <a:lstStyle/>
-          <a:p>
-            <a:r>
-              <a:rPr lang="en-US" dirty="0"/>
-              <a:t>Lambda is the serverless service from AWS(Function as a service)</a:t>
-            </a:r>
-          </a:p>
-          <a:p>
-            <a:r>
-              <a:rPr lang="en-US" dirty="0"/>
-              <a:t>It was used in our POC as a bridge between Code pipeline and EKS</a:t>
-            </a:r>
-          </a:p>
-          <a:p>
-            <a:r>
-              <a:rPr lang="en-US" dirty="0"/>
-              <a:t>We created a python Lambda service.</a:t>
-            </a:r>
-          </a:p>
-          <a:p>
-            <a:r>
-              <a:rPr lang="en-US" dirty="0"/>
-              <a:t>Used BOTO3 Python framework to interact with AWS within Python</a:t>
-            </a:r>
-          </a:p>
-          <a:p>
-            <a:r>
-              <a:rPr lang="en-US" dirty="0"/>
-              <a:t>Since we need to interact with EKS, we created two Lambda layers </a:t>
+          <a:bodyPr>
+            <a:normAutofit fontScale="92500" lnSpcReduction="20000"/>
+          </a:bodyPr>
+          <a:lstStyle/>
+          <a:p>
+            <a:r>
+              <a:rPr lang="en-US" dirty="0"/>
+              <a:t>EKS is AWS’s managed </a:t>
+            </a:r>
+            <a:r>
+              <a:rPr lang="en-US" dirty="0" err="1"/>
+              <a:t>kubernetes</a:t>
+            </a:r>
+            <a:r>
+              <a:rPr lang="en-US" dirty="0"/>
+              <a:t> services</a:t>
+            </a:r>
+          </a:p>
+          <a:p>
+            <a:r>
+              <a:rPr lang="en-US" dirty="0"/>
+              <a:t>The user/admin is responsible for managing the deployment using </a:t>
+            </a:r>
+            <a:r>
+              <a:rPr lang="en-US" dirty="0" err="1"/>
+              <a:t>kubernetes</a:t>
+            </a:r>
+            <a:r>
+              <a:rPr lang="en-US" dirty="0"/>
+              <a:t> manifests(YAML)</a:t>
+            </a:r>
+          </a:p>
+          <a:p>
+            <a:r>
+              <a:rPr lang="en-US" dirty="0"/>
+              <a:t>EKS manages the cluster and nodes and all the necessary infrastructure required for running </a:t>
+            </a:r>
+            <a:r>
+              <a:rPr lang="en-US" dirty="0" err="1"/>
+              <a:t>kubernetes</a:t>
+            </a:r>
+            <a:r>
+              <a:rPr lang="en-US" dirty="0"/>
+              <a:t>(Control Plane)</a:t>
             </a:r>
           </a:p>
           <a:p>
             <a:pPr lvl="1"/>
             <a:r>
               <a:rPr lang="en-US" dirty="0"/>
-              <a:t>One for AWS CLI</a:t>
+              <a:t>DNS service</a:t>
             </a:r>
           </a:p>
           <a:p>
             <a:pPr lvl="1"/>
             <a:r>
               <a:rPr lang="en-US" dirty="0"/>
-              <a:t>One for </a:t>
+              <a:t>Scheduler</a:t>
+            </a:r>
+          </a:p>
+          <a:p>
+            <a:pPr lvl="1"/>
+            <a:r>
+              <a:rPr lang="en-US" dirty="0"/>
+              <a:t>API server</a:t>
+            </a:r>
+          </a:p>
+          <a:p>
+            <a:pPr lvl="1"/>
+            <a:r>
+              <a:rPr lang="en-US" dirty="0"/>
+              <a:t>State management(</a:t>
+            </a:r>
+            <a:r>
+              <a:rPr lang="en-US" dirty="0" err="1"/>
+              <a:t>etcd</a:t>
+            </a:r>
+            <a:r>
+              <a:rPr lang="en-US" dirty="0"/>
+              <a:t> internal database)</a:t>
+            </a:r>
+          </a:p>
+          <a:p>
+            <a:r>
+              <a:rPr lang="en-US" dirty="0"/>
+              <a:t>We deployed application images with manifests using </a:t>
             </a:r>
             <a:r>
               <a:rPr lang="en-US" dirty="0" err="1"/>
@@ -3987,29 +3966,30 @@
             </a:r>
             <a:r>
               <a:rPr lang="en-US" dirty="0"/>
-              <a:t> (the cli tool to interact with K8S)</a:t>
-            </a:r>
-          </a:p>
-          <a:p>
-            <a:r>
-              <a:rPr lang="en-US" dirty="0"/>
-              <a:t>Kubernetes manifest files were picked up from S3 bucket and deployed to Kubernetes using </a:t>
-            </a:r>
-            <a:r>
-              <a:rPr lang="en-US" dirty="0" err="1"/>
-              <a:t>kubectl</a:t>
-            </a:r>
-            <a:r>
-              <a:rPr lang="en-US" dirty="0"/>
-              <a:t> tool.</a:t>
-            </a:r>
+              <a:t> tool</a:t>
+            </a:r>
+          </a:p>
+          <a:p>
+            <a:r>
+              <a:rPr lang="en-US" dirty="0"/>
+              <a:t>Uses Elastic Load Balancer to expose application to world</a:t>
+            </a:r>
+          </a:p>
+          <a:p>
+            <a:r>
+              <a:rPr lang="en-US" dirty="0"/>
+              <a:t>Application is accessible over the Internet</a:t>
+            </a:r>
+          </a:p>
+          <a:p>
+            <a:endParaRPr lang="en-US" dirty="0"/>
           </a:p>
         </p:txBody>
       </p:sp>
     </p:spTree>
     <p:extLst>
       <p:ext uri="{BB962C8B-B14F-4D97-AF65-F5344CB8AC3E}">
-        <p14:creationId xmlns:p14="http://schemas.microsoft.com/office/powerpoint/2010/main" val="941930977"/>
+        <p14:creationId xmlns:p14="http://schemas.microsoft.com/office/powerpoint/2010/main" val="760934502"/>
       </p:ext>
     </p:extLst>
   </p:cSld>
@@ -4041,7 +4021,7 @@
           <p:cNvPr id="2" name="Title 1">
             <a:extLst>
               <a:ext uri="{FF2B5EF4-FFF2-40B4-BE49-F238E27FC236}">
-                <a16:creationId xmlns:a16="http://schemas.microsoft.com/office/drawing/2014/main" id="{BED695F6-7404-420E-8EEB-DC0F42B8822E}"/>
+                <a16:creationId xmlns:a16="http://schemas.microsoft.com/office/drawing/2014/main" id="{E4C6F6EE-9603-466D-9568-221C19452D63}"/>
               </a:ext>
             </a:extLst>
           </p:cNvPr>
@@ -4059,7 +4039,7 @@
           <a:p>
             <a:r>
               <a:rPr lang="en-US" dirty="0"/>
-              <a:t>Cloud Watch</a:t>
+              <a:t>Lambda</a:t>
             </a:r>
           </a:p>
         </p:txBody>
@@ -4069,7 +4049,7 @@
           <p:cNvPr id="3" name="Content Placeholder 2">
             <a:extLst>
               <a:ext uri="{FF2B5EF4-FFF2-40B4-BE49-F238E27FC236}">
-                <a16:creationId xmlns:a16="http://schemas.microsoft.com/office/drawing/2014/main" id="{4917ECD0-A2AF-4121-BA4D-A67B56877323}"/>
+                <a16:creationId xmlns:a16="http://schemas.microsoft.com/office/drawing/2014/main" id="{B544E974-E5DA-4EED-AEAE-A3E1180ED804}"/>
               </a:ext>
             </a:extLst>
           </p:cNvPr>
@@ -4087,53 +4067,75 @@
           <a:p>
             <a:r>
               <a:rPr lang="en-US" dirty="0"/>
-              <a:t>Cloud Watch service provides logging and monitoring services across all AWS services.</a:t>
-            </a:r>
-          </a:p>
-          <a:p>
-            <a:r>
-              <a:rPr lang="en-US" dirty="0"/>
-              <a:t>Events generated in various services are captured by Cloud Watch and results in triggering of any other configured services.</a:t>
+              <a:t>Lambda is the serverless service from AWS(Function as a service)</a:t>
+            </a:r>
+          </a:p>
+          <a:p>
+            <a:r>
+              <a:rPr lang="en-US" dirty="0"/>
+              <a:t>It was used in our POC as a bridge between Code pipeline and EKS</a:t>
+            </a:r>
+          </a:p>
+          <a:p>
+            <a:r>
+              <a:rPr lang="en-US" dirty="0"/>
+              <a:t>We created a python Lambda service.</a:t>
+            </a:r>
+          </a:p>
+          <a:p>
+            <a:r>
+              <a:rPr lang="en-US" dirty="0"/>
+              <a:t>Used BOTO3 Python framework to interact with AWS within Python</a:t>
+            </a:r>
+          </a:p>
+          <a:p>
+            <a:r>
+              <a:rPr lang="en-US" dirty="0"/>
+              <a:t>Since we need to interact with EKS, we created two Lambda layers </a:t>
             </a:r>
           </a:p>
           <a:p>
             <a:pPr lvl="1"/>
             <a:r>
               <a:rPr lang="en-US" dirty="0"/>
-              <a:t>Example :- When Code is </a:t>
+              <a:t>One for AWS CLI</a:t>
+            </a:r>
+          </a:p>
+          <a:p>
+            <a:pPr lvl="1"/>
+            <a:r>
+              <a:rPr lang="en-US" dirty="0"/>
+              <a:t>One for </a:t>
             </a:r>
             <a:r>
               <a:rPr lang="en-US" dirty="0" err="1"/>
-              <a:t>commited</a:t>
-            </a:r>
-            <a:r>
-              <a:rPr lang="en-US" dirty="0"/>
-              <a:t>/merged in Code Commit, Cloud Watch is responsible for triggering a automatic build in Code Pipeline.</a:t>
-            </a:r>
-          </a:p>
-          <a:p>
-            <a:r>
-              <a:rPr lang="en-US" dirty="0"/>
-              <a:t>Also code pipeline build logs, echo statements in Lambda functions, etc.. are captured and viewable in </a:t>
+              <a:t>kubectl</a:t>
+            </a:r>
+            <a:r>
+              <a:rPr lang="en-US" dirty="0"/>
+              <a:t> (the cli tool to interact with K8S)</a:t>
+            </a:r>
+          </a:p>
+          <a:p>
+            <a:r>
+              <a:rPr lang="en-US" dirty="0"/>
+              <a:t>Kubernetes manifest files were picked up from S3 bucket and deployed to Kubernetes using </a:t>
             </a:r>
             <a:r>
               <a:rPr lang="en-US" dirty="0" err="1"/>
-              <a:t>cloudwatch</a:t>
-            </a:r>
-            <a:r>
-              <a:rPr lang="en-US" dirty="0"/>
-              <a:t> portal</a:t>
-            </a:r>
-          </a:p>
-          <a:p>
-            <a:endParaRPr lang="en-US" dirty="0"/>
+              <a:t>kubectl</a:t>
+            </a:r>
+            <a:r>
+              <a:rPr lang="en-US" dirty="0"/>
+              <a:t> tool.</a:t>
+            </a:r>
           </a:p>
         </p:txBody>
       </p:sp>
     </p:spTree>
     <p:extLst>
       <p:ext uri="{BB962C8B-B14F-4D97-AF65-F5344CB8AC3E}">
-        <p14:creationId xmlns:p14="http://schemas.microsoft.com/office/powerpoint/2010/main" val="2265411698"/>
+        <p14:creationId xmlns:p14="http://schemas.microsoft.com/office/powerpoint/2010/main" val="941930977"/>
       </p:ext>
     </p:extLst>
   </p:cSld>
@@ -4165,6 +4167,130 @@
           <p:cNvPr id="2" name="Title 1">
             <a:extLst>
               <a:ext uri="{FF2B5EF4-FFF2-40B4-BE49-F238E27FC236}">
+                <a16:creationId xmlns:a16="http://schemas.microsoft.com/office/drawing/2014/main" id="{BED695F6-7404-420E-8EEB-DC0F42B8822E}"/>
+              </a:ext>
+            </a:extLst>
+          </p:cNvPr>
+          <p:cNvSpPr>
+            <a:spLocks noGrp="1"/>
+          </p:cNvSpPr>
+          <p:nvPr>
+            <p:ph type="title"/>
+          </p:nvPr>
+        </p:nvSpPr>
+        <p:spPr/>
+        <p:txBody>
+          <a:bodyPr/>
+          <a:lstStyle/>
+          <a:p>
+            <a:r>
+              <a:rPr lang="en-US" dirty="0"/>
+              <a:t>Cloud Watch</a:t>
+            </a:r>
+          </a:p>
+        </p:txBody>
+      </p:sp>
+      <p:sp>
+        <p:nvSpPr>
+          <p:cNvPr id="3" name="Content Placeholder 2">
+            <a:extLst>
+              <a:ext uri="{FF2B5EF4-FFF2-40B4-BE49-F238E27FC236}">
+                <a16:creationId xmlns:a16="http://schemas.microsoft.com/office/drawing/2014/main" id="{4917ECD0-A2AF-4121-BA4D-A67B56877323}"/>
+              </a:ext>
+            </a:extLst>
+          </p:cNvPr>
+          <p:cNvSpPr>
+            <a:spLocks noGrp="1"/>
+          </p:cNvSpPr>
+          <p:nvPr>
+            <p:ph idx="1"/>
+          </p:nvPr>
+        </p:nvSpPr>
+        <p:spPr/>
+        <p:txBody>
+          <a:bodyPr/>
+          <a:lstStyle/>
+          <a:p>
+            <a:r>
+              <a:rPr lang="en-US" dirty="0"/>
+              <a:t>Cloud Watch service provides logging and monitoring services across all AWS services.</a:t>
+            </a:r>
+          </a:p>
+          <a:p>
+            <a:r>
+              <a:rPr lang="en-US" dirty="0"/>
+              <a:t>Events generated in various services are captured by Cloud Watch and results in triggering of any other configured services.</a:t>
+            </a:r>
+          </a:p>
+          <a:p>
+            <a:pPr lvl="1"/>
+            <a:r>
+              <a:rPr lang="en-US" dirty="0"/>
+              <a:t>Example :- When Code is </a:t>
+            </a:r>
+            <a:r>
+              <a:rPr lang="en-US" dirty="0" err="1"/>
+              <a:t>commited</a:t>
+            </a:r>
+            <a:r>
+              <a:rPr lang="en-US" dirty="0"/>
+              <a:t>/merged in Code Commit, Cloud Watch is responsible for triggering a automatic build in Code Pipeline.</a:t>
+            </a:r>
+          </a:p>
+          <a:p>
+            <a:r>
+              <a:rPr lang="en-US" dirty="0"/>
+              <a:t>Also code pipeline build logs, echo statements in Lambda functions, etc.. are captured and viewable in </a:t>
+            </a:r>
+            <a:r>
+              <a:rPr lang="en-US" dirty="0" err="1"/>
+              <a:t>cloudwatch</a:t>
+            </a:r>
+            <a:r>
+              <a:rPr lang="en-US" dirty="0"/>
+              <a:t> portal</a:t>
+            </a:r>
+          </a:p>
+          <a:p>
+            <a:endParaRPr lang="en-US" dirty="0"/>
+          </a:p>
+        </p:txBody>
+      </p:sp>
+    </p:spTree>
+    <p:extLst>
+      <p:ext uri="{BB962C8B-B14F-4D97-AF65-F5344CB8AC3E}">
+        <p14:creationId xmlns:p14="http://schemas.microsoft.com/office/powerpoint/2010/main" val="2265411698"/>
+      </p:ext>
+    </p:extLst>
+  </p:cSld>
+  <p:clrMapOvr>
+    <a:masterClrMapping/>
+  </p:clrMapOvr>
+</p:sld>
+</file>
+
+<file path=ppt/slides/slide16.xml><?xml version="1.0" encoding="utf-8"?>
+<p:sld xmlns:a="http://schemas.openxmlformats.org/drawingml/2006/main" xmlns:r="http://schemas.openxmlformats.org/officeDocument/2006/relationships" xmlns:p="http://schemas.openxmlformats.org/presentationml/2006/main">
+  <p:cSld>
+    <p:spTree>
+      <p:nvGrpSpPr>
+        <p:cNvPr id="1" name=""/>
+        <p:cNvGrpSpPr/>
+        <p:nvPr/>
+      </p:nvGrpSpPr>
+      <p:grpSpPr>
+        <a:xfrm>
+          <a:off x="0" y="0"/>
+          <a:ext cx="0" cy="0"/>
+          <a:chOff x="0" y="0"/>
+          <a:chExt cx="0" cy="0"/>
+        </a:xfrm>
+      </p:grpSpPr>
+      <p:sp>
+        <p:nvSpPr>
+          <p:cNvPr id="2" name="Title 1">
+            <a:extLst>
+              <a:ext uri="{FF2B5EF4-FFF2-40B4-BE49-F238E27FC236}">
                 <a16:creationId xmlns:a16="http://schemas.microsoft.com/office/drawing/2014/main" id="{FDC4063E-3B27-44FE-9100-0AF58131BDFA}"/>
               </a:ext>
             </a:extLst>
@@ -4257,7 +4383,7 @@
 </p:sld>
 </file>
 
-<file path=ppt/slides/slide16.xml><?xml version="1.0" encoding="utf-8"?>
+<file path=ppt/slides/slide17.xml><?xml version="1.0" encoding="utf-8"?>
 <p:sld xmlns:a="http://schemas.openxmlformats.org/drawingml/2006/main" xmlns:r="http://schemas.openxmlformats.org/officeDocument/2006/relationships" xmlns:p="http://schemas.openxmlformats.org/presentationml/2006/main">
   <p:cSld>
     <p:spTree>
@@ -4621,6 +4747,126 @@
       </p:grpSpPr>
       <p:sp>
         <p:nvSpPr>
+          <p:cNvPr id="2" name="Title 1">
+            <a:extLst>
+              <a:ext uri="{FF2B5EF4-FFF2-40B4-BE49-F238E27FC236}">
+                <a16:creationId xmlns:a16="http://schemas.microsoft.com/office/drawing/2014/main" id="{0A7754BC-3B24-4FD1-97FA-2CC2E2069CA9}"/>
+              </a:ext>
+            </a:extLst>
+          </p:cNvPr>
+          <p:cNvSpPr>
+            <a:spLocks noGrp="1"/>
+          </p:cNvSpPr>
+          <p:nvPr>
+            <p:ph type="title"/>
+          </p:nvPr>
+        </p:nvSpPr>
+        <p:spPr/>
+        <p:txBody>
+          <a:bodyPr/>
+          <a:lstStyle/>
+          <a:p>
+            <a:pPr algn="ctr"/>
+            <a:r>
+              <a:rPr lang="en-US" dirty="0"/>
+              <a:t>Interaction between Services</a:t>
+            </a:r>
+          </a:p>
+        </p:txBody>
+      </p:sp>
+      <p:sp>
+        <p:nvSpPr>
+          <p:cNvPr id="3" name="Content Placeholder 2">
+            <a:extLst>
+              <a:ext uri="{FF2B5EF4-FFF2-40B4-BE49-F238E27FC236}">
+                <a16:creationId xmlns:a16="http://schemas.microsoft.com/office/drawing/2014/main" id="{E486AF2C-F6BF-47CF-9C7D-A1D34A9681EA}"/>
+              </a:ext>
+            </a:extLst>
+          </p:cNvPr>
+          <p:cNvSpPr>
+            <a:spLocks noGrp="1"/>
+          </p:cNvSpPr>
+          <p:nvPr>
+            <p:ph idx="1"/>
+          </p:nvPr>
+        </p:nvSpPr>
+        <p:spPr/>
+        <p:txBody>
+          <a:bodyPr/>
+          <a:lstStyle/>
+          <a:p>
+            <a:pPr marL="0" indent="0">
+              <a:buNone/>
+            </a:pPr>
+            <a:r>
+              <a:rPr lang="en-US" dirty="0"/>
+              <a:t>  </a:t>
+            </a:r>
+          </a:p>
+        </p:txBody>
+      </p:sp>
+      <p:pic>
+        <p:nvPicPr>
+          <p:cNvPr id="4" name="Picture 3">
+            <a:extLst>
+              <a:ext uri="{FF2B5EF4-FFF2-40B4-BE49-F238E27FC236}">
+                <a16:creationId xmlns:a16="http://schemas.microsoft.com/office/drawing/2014/main" id="{C50C0930-2647-4BCE-86E7-A70F3788C0B7}"/>
+              </a:ext>
+            </a:extLst>
+          </p:cNvPr>
+          <p:cNvPicPr>
+            <a:picLocks noChangeAspect="1"/>
+          </p:cNvPicPr>
+          <p:nvPr/>
+        </p:nvPicPr>
+        <p:blipFill>
+          <a:blip r:embed="rId2"/>
+          <a:stretch>
+            <a:fillRect/>
+          </a:stretch>
+        </p:blipFill>
+        <p:spPr>
+          <a:xfrm>
+            <a:off x="838200" y="2016125"/>
+            <a:ext cx="9401175" cy="4295775"/>
+          </a:xfrm>
+          <a:prstGeom prst="rect">
+            <a:avLst/>
+          </a:prstGeom>
+        </p:spPr>
+      </p:pic>
+    </p:spTree>
+    <p:extLst>
+      <p:ext uri="{BB962C8B-B14F-4D97-AF65-F5344CB8AC3E}">
+        <p14:creationId xmlns:p14="http://schemas.microsoft.com/office/powerpoint/2010/main" val="4018570202"/>
+      </p:ext>
+    </p:extLst>
+  </p:cSld>
+  <p:clrMapOvr>
+    <a:masterClrMapping/>
+  </p:clrMapOvr>
+</p:sld>
+</file>
+
+<file path=ppt/slides/slide5.xml><?xml version="1.0" encoding="utf-8"?>
+<p:sld xmlns:a="http://schemas.openxmlformats.org/drawingml/2006/main" xmlns:r="http://schemas.openxmlformats.org/officeDocument/2006/relationships" xmlns:p="http://schemas.openxmlformats.org/presentationml/2006/main">
+  <p:cSld>
+    <p:spTree>
+      <p:nvGrpSpPr>
+        <p:cNvPr id="1" name=""/>
+        <p:cNvGrpSpPr/>
+        <p:nvPr/>
+      </p:nvGrpSpPr>
+      <p:grpSpPr>
+        <a:xfrm>
+          <a:off x="0" y="0"/>
+          <a:ext cx="0" cy="0"/>
+          <a:chOff x="0" y="0"/>
+          <a:chExt cx="0" cy="0"/>
+        </a:xfrm>
+      </p:grpSpPr>
+      <p:sp>
+        <p:nvSpPr>
           <p:cNvPr id="2" name="Title 1"/>
           <p:cNvSpPr>
             <a:spLocks noGrp="1"/>
@@ -4634,6 +4880,7 @@
           <a:bodyPr/>
           <a:lstStyle/>
           <a:p>
+            <a:pPr algn="ctr"/>
             <a:r>
               <a:rPr lang="en-US" dirty="0"/>
               <a:t>Interaction between Services</a:t>
@@ -4680,7 +4927,7 @@
 </p:sld>
 </file>
 
-<file path=ppt/slides/slide5.xml><?xml version="1.0" encoding="utf-8"?>
+<file path=ppt/slides/slide6.xml><?xml version="1.0" encoding="utf-8"?>
 <p:sld xmlns:a="http://schemas.openxmlformats.org/drawingml/2006/main" xmlns:r="http://schemas.openxmlformats.org/officeDocument/2006/relationships" xmlns:p="http://schemas.openxmlformats.org/presentationml/2006/main">
   <p:cSld>
     <p:spTree>
@@ -5253,132 +5500,6 @@
 </p:sld>
 </file>
 
-<file path=ppt/slides/slide6.xml><?xml version="1.0" encoding="utf-8"?>
-<p:sld xmlns:a="http://schemas.openxmlformats.org/drawingml/2006/main" xmlns:r="http://schemas.openxmlformats.org/officeDocument/2006/relationships" xmlns:p="http://schemas.openxmlformats.org/presentationml/2006/main">
-  <p:cSld>
-    <p:spTree>
-      <p:nvGrpSpPr>
-        <p:cNvPr id="1" name=""/>
-        <p:cNvGrpSpPr/>
-        <p:nvPr/>
-      </p:nvGrpSpPr>
-      <p:grpSpPr>
-        <a:xfrm>
-          <a:off x="0" y="0"/>
-          <a:ext cx="0" cy="0"/>
-          <a:chOff x="0" y="0"/>
-          <a:chExt cx="0" cy="0"/>
-        </a:xfrm>
-      </p:grpSpPr>
-      <p:sp>
-        <p:nvSpPr>
-          <p:cNvPr id="2" name="Title 1">
-            <a:extLst>
-              <a:ext uri="{FF2B5EF4-FFF2-40B4-BE49-F238E27FC236}">
-                <a16:creationId xmlns:a16="http://schemas.microsoft.com/office/drawing/2014/main" id="{91C996E4-00E6-40D0-9F06-9592ACE38C81}"/>
-              </a:ext>
-            </a:extLst>
-          </p:cNvPr>
-          <p:cNvSpPr>
-            <a:spLocks noGrp="1"/>
-          </p:cNvSpPr>
-          <p:nvPr>
-            <p:ph type="title"/>
-          </p:nvPr>
-        </p:nvSpPr>
-        <p:spPr/>
-        <p:txBody>
-          <a:bodyPr/>
-          <a:lstStyle/>
-          <a:p>
-            <a:r>
-              <a:rPr lang="en-US" dirty="0"/>
-              <a:t>IAM (Identity and Access Management)</a:t>
-            </a:r>
-          </a:p>
-        </p:txBody>
-      </p:sp>
-      <p:sp>
-        <p:nvSpPr>
-          <p:cNvPr id="3" name="Content Placeholder 2">
-            <a:extLst>
-              <a:ext uri="{FF2B5EF4-FFF2-40B4-BE49-F238E27FC236}">
-                <a16:creationId xmlns:a16="http://schemas.microsoft.com/office/drawing/2014/main" id="{284BDDB1-6ECE-4354-B3DA-0C16A4EF0241}"/>
-              </a:ext>
-            </a:extLst>
-          </p:cNvPr>
-          <p:cNvSpPr>
-            <a:spLocks noGrp="1"/>
-          </p:cNvSpPr>
-          <p:nvPr>
-            <p:ph idx="1"/>
-          </p:nvPr>
-        </p:nvSpPr>
-        <p:spPr/>
-        <p:txBody>
-          <a:bodyPr/>
-          <a:lstStyle/>
-          <a:p>
-            <a:r>
-              <a:rPr lang="en-US" dirty="0"/>
-              <a:t>Created </a:t>
-            </a:r>
-            <a:r>
-              <a:rPr lang="en-US" dirty="0" err="1"/>
-              <a:t>userid</a:t>
-            </a:r>
-            <a:r>
-              <a:rPr lang="en-US" dirty="0"/>
-              <a:t> for team members</a:t>
-            </a:r>
-          </a:p>
-          <a:p>
-            <a:r>
-              <a:rPr lang="en-US" dirty="0"/>
-              <a:t>Created Roles, Policies, Security Group, </a:t>
-            </a:r>
-            <a:r>
-              <a:rPr lang="en-US" dirty="0" err="1"/>
-              <a:t>KeyPairs</a:t>
-            </a:r>
-            <a:endParaRPr lang="en-US" dirty="0"/>
-          </a:p>
-          <a:p>
-            <a:r>
-              <a:rPr lang="en-US" dirty="0"/>
-              <a:t>Assigned IAM roles for Code Commit, Code Build, Code Pipeline full Access</a:t>
-            </a:r>
-          </a:p>
-          <a:p>
-            <a:r>
-              <a:rPr lang="en-US" dirty="0"/>
-              <a:t>Generated GIT credentials for all team members</a:t>
-            </a:r>
-          </a:p>
-          <a:p>
-            <a:r>
-              <a:rPr lang="en-US" dirty="0"/>
-              <a:t>Created all the roles and policies required for services to service interaction.</a:t>
-            </a:r>
-          </a:p>
-          <a:p>
-            <a:endParaRPr lang="en-US" dirty="0"/>
-          </a:p>
-        </p:txBody>
-      </p:sp>
-    </p:spTree>
-    <p:extLst>
-      <p:ext uri="{BB962C8B-B14F-4D97-AF65-F5344CB8AC3E}">
-        <p14:creationId xmlns:p14="http://schemas.microsoft.com/office/powerpoint/2010/main" val="203647701"/>
-      </p:ext>
-    </p:extLst>
-  </p:cSld>
-  <p:clrMapOvr>
-    <a:masterClrMapping/>
-  </p:clrMapOvr>
-</p:sld>
-</file>
-
 <file path=ppt/slides/slide7.xml><?xml version="1.0" encoding="utf-8"?>
 <p:sld xmlns:a="http://schemas.openxmlformats.org/drawingml/2006/main" xmlns:r="http://schemas.openxmlformats.org/officeDocument/2006/relationships" xmlns:p="http://schemas.openxmlformats.org/presentationml/2006/main">
   <p:cSld>
@@ -5401,7 +5522,7 @@
           <p:cNvPr id="2" name="Title 1">
             <a:extLst>
               <a:ext uri="{FF2B5EF4-FFF2-40B4-BE49-F238E27FC236}">
-                <a16:creationId xmlns:a16="http://schemas.microsoft.com/office/drawing/2014/main" id="{5AE1114E-F0D9-47FD-8CAE-3A03F22D5AF3}"/>
+                <a16:creationId xmlns:a16="http://schemas.microsoft.com/office/drawing/2014/main" id="{91C996E4-00E6-40D0-9F06-9592ACE38C81}"/>
               </a:ext>
             </a:extLst>
           </p:cNvPr>
@@ -5419,7 +5540,7 @@
           <a:p>
             <a:r>
               <a:rPr lang="en-US" dirty="0"/>
-              <a:t>Code Commit</a:t>
+              <a:t>IAM (Identity and Access Management)</a:t>
             </a:r>
           </a:p>
         </p:txBody>
@@ -5429,7 +5550,7 @@
           <p:cNvPr id="3" name="Content Placeholder 2">
             <a:extLst>
               <a:ext uri="{FF2B5EF4-FFF2-40B4-BE49-F238E27FC236}">
-                <a16:creationId xmlns:a16="http://schemas.microsoft.com/office/drawing/2014/main" id="{DEAA5D04-DAE7-41CE-A89C-DC6EAC04A6BE}"/>
+                <a16:creationId xmlns:a16="http://schemas.microsoft.com/office/drawing/2014/main" id="{284BDDB1-6ECE-4354-B3DA-0C16A4EF0241}"/>
               </a:ext>
             </a:extLst>
           </p:cNvPr>
@@ -5447,49 +5568,55 @@
           <a:p>
             <a:r>
               <a:rPr lang="en-US" dirty="0"/>
-              <a:t>Code Commit is the AWS service which provides GIT repository</a:t>
-            </a:r>
-          </a:p>
-          <a:p>
-            <a:r>
-              <a:rPr lang="en-US" dirty="0"/>
-              <a:t>Created git repository “ss-</a:t>
+              <a:t>Created </a:t>
             </a:r>
             <a:r>
               <a:rPr lang="en-US" dirty="0" err="1"/>
-              <a:t>poc</a:t>
-            </a:r>
-            <a:r>
-              <a:rPr lang="en-US" dirty="0"/>
-              <a:t>-repo”</a:t>
-            </a:r>
-          </a:p>
-          <a:p>
-            <a:r>
-              <a:rPr lang="en-US" dirty="0"/>
-              <a:t>Assigned policies to users to access “ss-</a:t>
+              <a:t>userid</a:t>
+            </a:r>
+            <a:r>
+              <a:rPr lang="en-US" dirty="0"/>
+              <a:t> for team members</a:t>
+            </a:r>
+          </a:p>
+          <a:p>
+            <a:r>
+              <a:rPr lang="en-US" dirty="0"/>
+              <a:t>Created Roles, Policies, Security Group, </a:t>
             </a:r>
             <a:r>
               <a:rPr lang="en-US" dirty="0" err="1"/>
-              <a:t>poc</a:t>
-            </a:r>
-            <a:r>
-              <a:rPr lang="en-US" dirty="0"/>
-              <a:t>-repo”</a:t>
-            </a:r>
-          </a:p>
-          <a:p>
-            <a:r>
-              <a:rPr lang="en-US" dirty="0"/>
-              <a:t>Checked in all code into this repo</a:t>
-            </a:r>
+              <a:t>KeyPairs</a:t>
+            </a:r>
+            <a:endParaRPr lang="en-US" dirty="0"/>
+          </a:p>
+          <a:p>
+            <a:r>
+              <a:rPr lang="en-US" dirty="0"/>
+              <a:t>Assigned IAM roles for Code Commit, Code Build, Code Pipeline full Access</a:t>
+            </a:r>
+          </a:p>
+          <a:p>
+            <a:r>
+              <a:rPr lang="en-US" dirty="0"/>
+              <a:t>Generated GIT credentials for all team members</a:t>
+            </a:r>
+          </a:p>
+          <a:p>
+            <a:r>
+              <a:rPr lang="en-US" dirty="0"/>
+              <a:t>Created all the roles and policies required for services to service interaction.</a:t>
+            </a:r>
+          </a:p>
+          <a:p>
+            <a:endParaRPr lang="en-US" dirty="0"/>
           </a:p>
         </p:txBody>
       </p:sp>
     </p:spTree>
     <p:extLst>
       <p:ext uri="{BB962C8B-B14F-4D97-AF65-F5344CB8AC3E}">
-        <p14:creationId xmlns:p14="http://schemas.microsoft.com/office/powerpoint/2010/main" val="1858043396"/>
+        <p14:creationId xmlns:p14="http://schemas.microsoft.com/office/powerpoint/2010/main" val="203647701"/>
       </p:ext>
     </p:extLst>
   </p:cSld>
@@ -5521,7 +5648,7 @@
           <p:cNvPr id="2" name="Title 1">
             <a:extLst>
               <a:ext uri="{FF2B5EF4-FFF2-40B4-BE49-F238E27FC236}">
-                <a16:creationId xmlns:a16="http://schemas.microsoft.com/office/drawing/2014/main" id="{0814CA06-3E22-47B6-B60A-4A10D8D4EDED}"/>
+                <a16:creationId xmlns:a16="http://schemas.microsoft.com/office/drawing/2014/main" id="{5AE1114E-F0D9-47FD-8CAE-3A03F22D5AF3}"/>
               </a:ext>
             </a:extLst>
           </p:cNvPr>
@@ -5539,7 +5666,7 @@
           <a:p>
             <a:r>
               <a:rPr lang="en-US" dirty="0"/>
-              <a:t>Code Build</a:t>
+              <a:t>Code Commit</a:t>
             </a:r>
           </a:p>
         </p:txBody>
@@ -5549,7 +5676,7 @@
           <p:cNvPr id="3" name="Content Placeholder 2">
             <a:extLst>
               <a:ext uri="{FF2B5EF4-FFF2-40B4-BE49-F238E27FC236}">
-                <a16:creationId xmlns:a16="http://schemas.microsoft.com/office/drawing/2014/main" id="{A2963B64-D0B8-4626-A253-C81AF4DF3206}"/>
+                <a16:creationId xmlns:a16="http://schemas.microsoft.com/office/drawing/2014/main" id="{DEAA5D04-DAE7-41CE-A89C-DC6EAC04A6BE}"/>
               </a:ext>
             </a:extLst>
           </p:cNvPr>
@@ -5567,13 +5694,13 @@
           <a:p>
             <a:r>
               <a:rPr lang="en-US" dirty="0"/>
-              <a:t>Code build is AWS service which is responsible for building application code.</a:t>
-            </a:r>
-          </a:p>
-          <a:p>
-            <a:r>
-              <a:rPr lang="en-US" dirty="0"/>
-              <a:t>Source (input) to this service is Code Commit repository “ss-</a:t>
+              <a:t>Code Commit is the AWS service which provides GIT repository</a:t>
+            </a:r>
+          </a:p>
+          <a:p>
+            <a:r>
+              <a:rPr lang="en-US" dirty="0"/>
+              <a:t>Created git repository “ss-</a:t>
             </a:r>
             <a:r>
               <a:rPr lang="en-US" dirty="0" err="1"/>
@@ -5587,50 +5714,21 @@
           <a:p>
             <a:r>
               <a:rPr lang="en-US" dirty="0"/>
-              <a:t>As part of build the following main actions were performed</a:t>
-            </a:r>
-          </a:p>
-          <a:p>
-            <a:pPr lvl="1"/>
-            <a:r>
-              <a:rPr lang="en-US" dirty="0"/>
-              <a:t>Java build</a:t>
-            </a:r>
-          </a:p>
-          <a:p>
-            <a:pPr lvl="1"/>
-            <a:r>
-              <a:rPr lang="en-US" dirty="0"/>
-              <a:t>Perform docker build of JAR and create docker images</a:t>
-            </a:r>
-          </a:p>
-          <a:p>
-            <a:pPr lvl="1"/>
-            <a:r>
-              <a:rPr lang="en-US" dirty="0"/>
-              <a:t>Perform docker build of python application and create docker image</a:t>
-            </a:r>
-          </a:p>
-          <a:p>
-            <a:pPr lvl="1"/>
-            <a:r>
-              <a:rPr lang="en-US" dirty="0"/>
-              <a:t>Download and re-tag derby-</a:t>
+              <a:t>Assigned policies to users to access “ss-</a:t>
             </a:r>
             <a:r>
               <a:rPr lang="en-US" dirty="0" err="1"/>
-              <a:t>db</a:t>
-            </a:r>
-            <a:r>
-              <a:rPr lang="en-US" dirty="0"/>
-              <a:t> docker image</a:t>
-            </a:r>
-          </a:p>
-          <a:p>
-            <a:pPr lvl="1"/>
-            <a:r>
-              <a:rPr lang="en-US" dirty="0"/>
-              <a:t>Upload docker images to Elastic Container Registry(ECR)</a:t>
+              <a:t>poc</a:t>
+            </a:r>
+            <a:r>
+              <a:rPr lang="en-US" dirty="0"/>
+              <a:t>-repo”</a:t>
+            </a:r>
+          </a:p>
+          <a:p>
+            <a:r>
+              <a:rPr lang="en-US" dirty="0"/>
+              <a:t>Checked in all code into this repo</a:t>
             </a:r>
           </a:p>
         </p:txBody>
@@ -5638,7 +5736,7 @@
     </p:spTree>
     <p:extLst>
       <p:ext uri="{BB962C8B-B14F-4D97-AF65-F5344CB8AC3E}">
-        <p14:creationId xmlns:p14="http://schemas.microsoft.com/office/powerpoint/2010/main" val="3032002546"/>
+        <p14:creationId xmlns:p14="http://schemas.microsoft.com/office/powerpoint/2010/main" val="1858043396"/>
       </p:ext>
     </p:extLst>
   </p:cSld>
@@ -5670,7 +5768,7 @@
           <p:cNvPr id="2" name="Title 1">
             <a:extLst>
               <a:ext uri="{FF2B5EF4-FFF2-40B4-BE49-F238E27FC236}">
-                <a16:creationId xmlns:a16="http://schemas.microsoft.com/office/drawing/2014/main" id="{19AAC746-03DA-46D7-82FA-49752EEF9D53}"/>
+                <a16:creationId xmlns:a16="http://schemas.microsoft.com/office/drawing/2014/main" id="{0814CA06-3E22-47B6-B60A-4A10D8D4EDED}"/>
               </a:ext>
             </a:extLst>
           </p:cNvPr>
@@ -5688,7 +5786,7 @@
           <a:p>
             <a:r>
               <a:rPr lang="en-US" dirty="0"/>
-              <a:t>Code Deploy</a:t>
+              <a:t>Code Build</a:t>
             </a:r>
           </a:p>
         </p:txBody>
@@ -5698,7 +5796,7 @@
           <p:cNvPr id="3" name="Content Placeholder 2">
             <a:extLst>
               <a:ext uri="{FF2B5EF4-FFF2-40B4-BE49-F238E27FC236}">
-                <a16:creationId xmlns:a16="http://schemas.microsoft.com/office/drawing/2014/main" id="{9E636523-0F60-4484-8D07-E51318B267D2}"/>
+                <a16:creationId xmlns:a16="http://schemas.microsoft.com/office/drawing/2014/main" id="{A2963B64-D0B8-4626-A253-C81AF4DF3206}"/>
               </a:ext>
             </a:extLst>
           </p:cNvPr>
@@ -5716,42 +5814,78 @@
           <a:p>
             <a:r>
               <a:rPr lang="en-US" dirty="0"/>
-              <a:t>Code Deploy is an AWS service which deploys the build artifacts to dev/test/prod servers.</a:t>
-            </a:r>
-          </a:p>
-          <a:p>
-            <a:r>
-              <a:rPr lang="en-US" dirty="0"/>
-              <a:t>In our POC our aim was to deploy our application to Kubernetes</a:t>
-            </a:r>
-          </a:p>
-          <a:p>
-            <a:r>
-              <a:rPr lang="en-US" dirty="0"/>
-              <a:t>In AWS Code Deploy there is no action to deploy build artifacts to Elastic Kubernetes Service(EKS)</a:t>
-            </a:r>
-          </a:p>
-          <a:p>
-            <a:r>
-              <a:rPr lang="en-US" dirty="0"/>
-              <a:t>So, the artifacts were deployed to Lambda</a:t>
-            </a:r>
-          </a:p>
-          <a:p>
-            <a:r>
-              <a:rPr lang="en-US" dirty="0"/>
-              <a:t>In Lambda, logic was embedded to deploy to EKS</a:t>
-            </a:r>
-          </a:p>
-          <a:p>
-            <a:endParaRPr lang="en-US" dirty="0"/>
+              <a:t>Code build is AWS service which is responsible for building application code.</a:t>
+            </a:r>
+          </a:p>
+          <a:p>
+            <a:r>
+              <a:rPr lang="en-US" dirty="0"/>
+              <a:t>Source (input) to this service is Code Commit repository “ss-</a:t>
+            </a:r>
+            <a:r>
+              <a:rPr lang="en-US" dirty="0" err="1"/>
+              <a:t>poc</a:t>
+            </a:r>
+            <a:r>
+              <a:rPr lang="en-US" dirty="0"/>
+              <a:t>-repo”</a:t>
+            </a:r>
+          </a:p>
+          <a:p>
+            <a:r>
+              <a:rPr lang="en-US" dirty="0"/>
+              <a:t>As part of build the following main actions were performed</a:t>
+            </a:r>
+          </a:p>
+          <a:p>
+            <a:pPr lvl="1"/>
+            <a:r>
+              <a:rPr lang="en-US" dirty="0"/>
+              <a:t>Java build</a:t>
+            </a:r>
+          </a:p>
+          <a:p>
+            <a:pPr lvl="1"/>
+            <a:r>
+              <a:rPr lang="en-US" dirty="0"/>
+              <a:t>Perform docker build of JAR and create docker images</a:t>
+            </a:r>
+          </a:p>
+          <a:p>
+            <a:pPr lvl="1"/>
+            <a:r>
+              <a:rPr lang="en-US" dirty="0"/>
+              <a:t>Perform docker build of python application and create docker image</a:t>
+            </a:r>
+          </a:p>
+          <a:p>
+            <a:pPr lvl="1"/>
+            <a:r>
+              <a:rPr lang="en-US" dirty="0"/>
+              <a:t>Download and re-tag derby-</a:t>
+            </a:r>
+            <a:r>
+              <a:rPr lang="en-US" dirty="0" err="1"/>
+              <a:t>db</a:t>
+            </a:r>
+            <a:r>
+              <a:rPr lang="en-US" dirty="0"/>
+              <a:t> docker image</a:t>
+            </a:r>
+          </a:p>
+          <a:p>
+            <a:pPr lvl="1"/>
+            <a:r>
+              <a:rPr lang="en-US" dirty="0"/>
+              <a:t>Upload docker images to Elastic Container Registry(ECR)</a:t>
+            </a:r>
           </a:p>
         </p:txBody>
       </p:sp>
     </p:spTree>
     <p:extLst>
       <p:ext uri="{BB962C8B-B14F-4D97-AF65-F5344CB8AC3E}">
-        <p14:creationId xmlns:p14="http://schemas.microsoft.com/office/powerpoint/2010/main" val="1545696786"/>
+        <p14:creationId xmlns:p14="http://schemas.microsoft.com/office/powerpoint/2010/main" val="3032002546"/>
       </p:ext>
     </p:extLst>
   </p:cSld>

--- a/documents/DevOps_on_AWS.pptx
+++ b/documents/DevOps_on_AWS.pptx
@@ -9,19 +9,18 @@
     <p:sldId id="257" r:id="rId3"/>
     <p:sldId id="258" r:id="rId4"/>
     <p:sldId id="272" r:id="rId5"/>
-    <p:sldId id="270" r:id="rId6"/>
-    <p:sldId id="259" r:id="rId7"/>
-    <p:sldId id="260" r:id="rId8"/>
-    <p:sldId id="261" r:id="rId9"/>
-    <p:sldId id="262" r:id="rId10"/>
-    <p:sldId id="264" r:id="rId11"/>
-    <p:sldId id="263" r:id="rId12"/>
-    <p:sldId id="265" r:id="rId13"/>
-    <p:sldId id="266" r:id="rId14"/>
-    <p:sldId id="267" r:id="rId15"/>
-    <p:sldId id="268" r:id="rId16"/>
-    <p:sldId id="269" r:id="rId17"/>
-    <p:sldId id="271" r:id="rId18"/>
+    <p:sldId id="259" r:id="rId6"/>
+    <p:sldId id="260" r:id="rId7"/>
+    <p:sldId id="261" r:id="rId8"/>
+    <p:sldId id="262" r:id="rId9"/>
+    <p:sldId id="264" r:id="rId10"/>
+    <p:sldId id="263" r:id="rId11"/>
+    <p:sldId id="265" r:id="rId12"/>
+    <p:sldId id="266" r:id="rId13"/>
+    <p:sldId id="267" r:id="rId14"/>
+    <p:sldId id="268" r:id="rId15"/>
+    <p:sldId id="269" r:id="rId16"/>
+    <p:sldId id="271" r:id="rId17"/>
   </p:sldIdLst>
   <p:sldSz cx="12192000" cy="6858000"/>
   <p:notesSz cx="6858000" cy="9144000"/>
@@ -150,7 +149,7 @@
           <p:cNvPr id="2" name="Title 1">
             <a:extLst>
               <a:ext uri="{FF2B5EF4-FFF2-40B4-BE49-F238E27FC236}">
-                <a16:creationId xmlns:a16="http://schemas.microsoft.com/office/drawing/2014/main" id="{5D2F0E6D-3ABC-4D2C-9D53-9FA66D4FD3DA}"/>
+                <a16:creationId xmlns:a16="http://schemas.microsoft.com/office/drawing/2014/main" xmlns="" id="{5D2F0E6D-3ABC-4D2C-9D53-9FA66D4FD3DA}"/>
               </a:ext>
             </a:extLst>
           </p:cNvPr>
@@ -187,7 +186,7 @@
           <p:cNvPr id="3" name="Subtitle 2">
             <a:extLst>
               <a:ext uri="{FF2B5EF4-FFF2-40B4-BE49-F238E27FC236}">
-                <a16:creationId xmlns:a16="http://schemas.microsoft.com/office/drawing/2014/main" id="{C28145A3-A865-4C73-ADF2-F53508260A4F}"/>
+                <a16:creationId xmlns:a16="http://schemas.microsoft.com/office/drawing/2014/main" xmlns="" id="{C28145A3-A865-4C73-ADF2-F53508260A4F}"/>
               </a:ext>
             </a:extLst>
           </p:cNvPr>
@@ -257,7 +256,7 @@
           <p:cNvPr id="4" name="Date Placeholder 3">
             <a:extLst>
               <a:ext uri="{FF2B5EF4-FFF2-40B4-BE49-F238E27FC236}">
-                <a16:creationId xmlns:a16="http://schemas.microsoft.com/office/drawing/2014/main" id="{F3064F79-57EF-4660-AE62-A9698DC0B334}"/>
+                <a16:creationId xmlns:a16="http://schemas.microsoft.com/office/drawing/2014/main" xmlns="" id="{F3064F79-57EF-4660-AE62-A9698DC0B334}"/>
               </a:ext>
             </a:extLst>
           </p:cNvPr>
@@ -275,7 +274,7 @@
           <a:p>
             <a:fld id="{9734D751-9966-48A0-AACF-5C0099112749}" type="datetimeFigureOut">
               <a:rPr lang="en-US" smtClean="0"/>
-              <a:t>5/12/2020</a:t>
+              <a:t>5/19/2020</a:t>
             </a:fld>
             <a:endParaRPr lang="en-US"/>
           </a:p>
@@ -286,7 +285,7 @@
           <p:cNvPr id="5" name="Footer Placeholder 4">
             <a:extLst>
               <a:ext uri="{FF2B5EF4-FFF2-40B4-BE49-F238E27FC236}">
-                <a16:creationId xmlns:a16="http://schemas.microsoft.com/office/drawing/2014/main" id="{1D77ACC1-15C8-44DC-BAE4-0A55557D742E}"/>
+                <a16:creationId xmlns:a16="http://schemas.microsoft.com/office/drawing/2014/main" xmlns="" id="{1D77ACC1-15C8-44DC-BAE4-0A55557D742E}"/>
               </a:ext>
             </a:extLst>
           </p:cNvPr>
@@ -311,7 +310,7 @@
           <p:cNvPr id="6" name="Slide Number Placeholder 5">
             <a:extLst>
               <a:ext uri="{FF2B5EF4-FFF2-40B4-BE49-F238E27FC236}">
-                <a16:creationId xmlns:a16="http://schemas.microsoft.com/office/drawing/2014/main" id="{DA8A2472-9FCE-4DD7-AD61-08827EC38231}"/>
+                <a16:creationId xmlns:a16="http://schemas.microsoft.com/office/drawing/2014/main" xmlns="" id="{DA8A2472-9FCE-4DD7-AD61-08827EC38231}"/>
               </a:ext>
             </a:extLst>
           </p:cNvPr>
@@ -370,7 +369,7 @@
           <p:cNvPr id="2" name="Title 1">
             <a:extLst>
               <a:ext uri="{FF2B5EF4-FFF2-40B4-BE49-F238E27FC236}">
-                <a16:creationId xmlns:a16="http://schemas.microsoft.com/office/drawing/2014/main" id="{4A5443A1-6272-45CB-BDCD-3A407B5470C2}"/>
+                <a16:creationId xmlns:a16="http://schemas.microsoft.com/office/drawing/2014/main" xmlns="" id="{4A5443A1-6272-45CB-BDCD-3A407B5470C2}"/>
               </a:ext>
             </a:extLst>
           </p:cNvPr>
@@ -398,7 +397,7 @@
           <p:cNvPr id="3" name="Vertical Text Placeholder 2">
             <a:extLst>
               <a:ext uri="{FF2B5EF4-FFF2-40B4-BE49-F238E27FC236}">
-                <a16:creationId xmlns:a16="http://schemas.microsoft.com/office/drawing/2014/main" id="{20DB275A-A0E2-44FC-8409-D134BF0A9737}"/>
+                <a16:creationId xmlns:a16="http://schemas.microsoft.com/office/drawing/2014/main" xmlns="" id="{20DB275A-A0E2-44FC-8409-D134BF0A9737}"/>
               </a:ext>
             </a:extLst>
           </p:cNvPr>
@@ -455,7 +454,7 @@
           <p:cNvPr id="4" name="Date Placeholder 3">
             <a:extLst>
               <a:ext uri="{FF2B5EF4-FFF2-40B4-BE49-F238E27FC236}">
-                <a16:creationId xmlns:a16="http://schemas.microsoft.com/office/drawing/2014/main" id="{01B88AE9-7E09-43C3-914D-F3F6677C5388}"/>
+                <a16:creationId xmlns:a16="http://schemas.microsoft.com/office/drawing/2014/main" xmlns="" id="{01B88AE9-7E09-43C3-914D-F3F6677C5388}"/>
               </a:ext>
             </a:extLst>
           </p:cNvPr>
@@ -473,7 +472,7 @@
           <a:p>
             <a:fld id="{9734D751-9966-48A0-AACF-5C0099112749}" type="datetimeFigureOut">
               <a:rPr lang="en-US" smtClean="0"/>
-              <a:t>5/12/2020</a:t>
+              <a:t>5/19/2020</a:t>
             </a:fld>
             <a:endParaRPr lang="en-US"/>
           </a:p>
@@ -484,7 +483,7 @@
           <p:cNvPr id="5" name="Footer Placeholder 4">
             <a:extLst>
               <a:ext uri="{FF2B5EF4-FFF2-40B4-BE49-F238E27FC236}">
-                <a16:creationId xmlns:a16="http://schemas.microsoft.com/office/drawing/2014/main" id="{C3F84DE6-6F13-457E-A560-FA2F3AC58AAA}"/>
+                <a16:creationId xmlns:a16="http://schemas.microsoft.com/office/drawing/2014/main" xmlns="" id="{C3F84DE6-6F13-457E-A560-FA2F3AC58AAA}"/>
               </a:ext>
             </a:extLst>
           </p:cNvPr>
@@ -509,7 +508,7 @@
           <p:cNvPr id="6" name="Slide Number Placeholder 5">
             <a:extLst>
               <a:ext uri="{FF2B5EF4-FFF2-40B4-BE49-F238E27FC236}">
-                <a16:creationId xmlns:a16="http://schemas.microsoft.com/office/drawing/2014/main" id="{B8A3A3AA-C50B-48F7-9E48-AF6551675984}"/>
+                <a16:creationId xmlns:a16="http://schemas.microsoft.com/office/drawing/2014/main" xmlns="" id="{B8A3A3AA-C50B-48F7-9E48-AF6551675984}"/>
               </a:ext>
             </a:extLst>
           </p:cNvPr>
@@ -568,7 +567,7 @@
           <p:cNvPr id="2" name="Vertical Title 1">
             <a:extLst>
               <a:ext uri="{FF2B5EF4-FFF2-40B4-BE49-F238E27FC236}">
-                <a16:creationId xmlns:a16="http://schemas.microsoft.com/office/drawing/2014/main" id="{B527CB0E-D49C-4F4C-BEE4-88906914D587}"/>
+                <a16:creationId xmlns:a16="http://schemas.microsoft.com/office/drawing/2014/main" xmlns="" id="{B527CB0E-D49C-4F4C-BEE4-88906914D587}"/>
               </a:ext>
             </a:extLst>
           </p:cNvPr>
@@ -601,7 +600,7 @@
           <p:cNvPr id="3" name="Vertical Text Placeholder 2">
             <a:extLst>
               <a:ext uri="{FF2B5EF4-FFF2-40B4-BE49-F238E27FC236}">
-                <a16:creationId xmlns:a16="http://schemas.microsoft.com/office/drawing/2014/main" id="{926C411C-A253-4AFA-B424-B27E40C06416}"/>
+                <a16:creationId xmlns:a16="http://schemas.microsoft.com/office/drawing/2014/main" xmlns="" id="{926C411C-A253-4AFA-B424-B27E40C06416}"/>
               </a:ext>
             </a:extLst>
           </p:cNvPr>
@@ -663,7 +662,7 @@
           <p:cNvPr id="4" name="Date Placeholder 3">
             <a:extLst>
               <a:ext uri="{FF2B5EF4-FFF2-40B4-BE49-F238E27FC236}">
-                <a16:creationId xmlns:a16="http://schemas.microsoft.com/office/drawing/2014/main" id="{F254296C-9C6E-4EB8-B226-5B3804035575}"/>
+                <a16:creationId xmlns:a16="http://schemas.microsoft.com/office/drawing/2014/main" xmlns="" id="{F254296C-9C6E-4EB8-B226-5B3804035575}"/>
               </a:ext>
             </a:extLst>
           </p:cNvPr>
@@ -681,7 +680,7 @@
           <a:p>
             <a:fld id="{9734D751-9966-48A0-AACF-5C0099112749}" type="datetimeFigureOut">
               <a:rPr lang="en-US" smtClean="0"/>
-              <a:t>5/12/2020</a:t>
+              <a:t>5/19/2020</a:t>
             </a:fld>
             <a:endParaRPr lang="en-US"/>
           </a:p>
@@ -692,7 +691,7 @@
           <p:cNvPr id="5" name="Footer Placeholder 4">
             <a:extLst>
               <a:ext uri="{FF2B5EF4-FFF2-40B4-BE49-F238E27FC236}">
-                <a16:creationId xmlns:a16="http://schemas.microsoft.com/office/drawing/2014/main" id="{65AA94AE-F1A6-4346-8A04-0C9C795493A0}"/>
+                <a16:creationId xmlns:a16="http://schemas.microsoft.com/office/drawing/2014/main" xmlns="" id="{65AA94AE-F1A6-4346-8A04-0C9C795493A0}"/>
               </a:ext>
             </a:extLst>
           </p:cNvPr>
@@ -717,7 +716,7 @@
           <p:cNvPr id="6" name="Slide Number Placeholder 5">
             <a:extLst>
               <a:ext uri="{FF2B5EF4-FFF2-40B4-BE49-F238E27FC236}">
-                <a16:creationId xmlns:a16="http://schemas.microsoft.com/office/drawing/2014/main" id="{F07B8DA3-AC09-44B5-B370-8B6CE391125B}"/>
+                <a16:creationId xmlns:a16="http://schemas.microsoft.com/office/drawing/2014/main" xmlns="" id="{F07B8DA3-AC09-44B5-B370-8B6CE391125B}"/>
               </a:ext>
             </a:extLst>
           </p:cNvPr>
@@ -776,7 +775,7 @@
           <p:cNvPr id="2" name="Title 1">
             <a:extLst>
               <a:ext uri="{FF2B5EF4-FFF2-40B4-BE49-F238E27FC236}">
-                <a16:creationId xmlns:a16="http://schemas.microsoft.com/office/drawing/2014/main" id="{A829C5F2-4086-4CEC-88F9-45D2B9999AC7}"/>
+                <a16:creationId xmlns:a16="http://schemas.microsoft.com/office/drawing/2014/main" xmlns="" id="{A829C5F2-4086-4CEC-88F9-45D2B9999AC7}"/>
               </a:ext>
             </a:extLst>
           </p:cNvPr>
@@ -804,7 +803,7 @@
           <p:cNvPr id="3" name="Content Placeholder 2">
             <a:extLst>
               <a:ext uri="{FF2B5EF4-FFF2-40B4-BE49-F238E27FC236}">
-                <a16:creationId xmlns:a16="http://schemas.microsoft.com/office/drawing/2014/main" id="{4E8BE8B1-2AFB-462E-B8CF-F8C0558F2C3C}"/>
+                <a16:creationId xmlns:a16="http://schemas.microsoft.com/office/drawing/2014/main" xmlns="" id="{4E8BE8B1-2AFB-462E-B8CF-F8C0558F2C3C}"/>
               </a:ext>
             </a:extLst>
           </p:cNvPr>
@@ -861,7 +860,7 @@
           <p:cNvPr id="4" name="Date Placeholder 3">
             <a:extLst>
               <a:ext uri="{FF2B5EF4-FFF2-40B4-BE49-F238E27FC236}">
-                <a16:creationId xmlns:a16="http://schemas.microsoft.com/office/drawing/2014/main" id="{CA0F7AC5-BFBC-4B46-8F57-A459BDB44F85}"/>
+                <a16:creationId xmlns:a16="http://schemas.microsoft.com/office/drawing/2014/main" xmlns="" id="{CA0F7AC5-BFBC-4B46-8F57-A459BDB44F85}"/>
               </a:ext>
             </a:extLst>
           </p:cNvPr>
@@ -879,7 +878,7 @@
           <a:p>
             <a:fld id="{9734D751-9966-48A0-AACF-5C0099112749}" type="datetimeFigureOut">
               <a:rPr lang="en-US" smtClean="0"/>
-              <a:t>5/12/2020</a:t>
+              <a:t>5/19/2020</a:t>
             </a:fld>
             <a:endParaRPr lang="en-US"/>
           </a:p>
@@ -890,7 +889,7 @@
           <p:cNvPr id="5" name="Footer Placeholder 4">
             <a:extLst>
               <a:ext uri="{FF2B5EF4-FFF2-40B4-BE49-F238E27FC236}">
-                <a16:creationId xmlns:a16="http://schemas.microsoft.com/office/drawing/2014/main" id="{253B278B-3F2E-4ABA-8E34-08CF3D7F82F6}"/>
+                <a16:creationId xmlns:a16="http://schemas.microsoft.com/office/drawing/2014/main" xmlns="" id="{253B278B-3F2E-4ABA-8E34-08CF3D7F82F6}"/>
               </a:ext>
             </a:extLst>
           </p:cNvPr>
@@ -915,7 +914,7 @@
           <p:cNvPr id="6" name="Slide Number Placeholder 5">
             <a:extLst>
               <a:ext uri="{FF2B5EF4-FFF2-40B4-BE49-F238E27FC236}">
-                <a16:creationId xmlns:a16="http://schemas.microsoft.com/office/drawing/2014/main" id="{4248887C-DBE7-49BF-BC6B-4093044D1C41}"/>
+                <a16:creationId xmlns:a16="http://schemas.microsoft.com/office/drawing/2014/main" xmlns="" id="{4248887C-DBE7-49BF-BC6B-4093044D1C41}"/>
               </a:ext>
             </a:extLst>
           </p:cNvPr>
@@ -974,7 +973,7 @@
           <p:cNvPr id="2" name="Title 1">
             <a:extLst>
               <a:ext uri="{FF2B5EF4-FFF2-40B4-BE49-F238E27FC236}">
-                <a16:creationId xmlns:a16="http://schemas.microsoft.com/office/drawing/2014/main" id="{4B3E56BC-367B-4484-95F1-F9970A425375}"/>
+                <a16:creationId xmlns:a16="http://schemas.microsoft.com/office/drawing/2014/main" xmlns="" id="{4B3E56BC-367B-4484-95F1-F9970A425375}"/>
               </a:ext>
             </a:extLst>
           </p:cNvPr>
@@ -1011,7 +1010,7 @@
           <p:cNvPr id="3" name="Text Placeholder 2">
             <a:extLst>
               <a:ext uri="{FF2B5EF4-FFF2-40B4-BE49-F238E27FC236}">
-                <a16:creationId xmlns:a16="http://schemas.microsoft.com/office/drawing/2014/main" id="{BE3B61F6-07A5-402A-A386-3F0C9DD7F8EC}"/>
+                <a16:creationId xmlns:a16="http://schemas.microsoft.com/office/drawing/2014/main" xmlns="" id="{BE3B61F6-07A5-402A-A386-3F0C9DD7F8EC}"/>
               </a:ext>
             </a:extLst>
           </p:cNvPr>
@@ -1136,7 +1135,7 @@
           <p:cNvPr id="4" name="Date Placeholder 3">
             <a:extLst>
               <a:ext uri="{FF2B5EF4-FFF2-40B4-BE49-F238E27FC236}">
-                <a16:creationId xmlns:a16="http://schemas.microsoft.com/office/drawing/2014/main" id="{7FACEC8B-38AA-43DE-A519-23AAA74C34B5}"/>
+                <a16:creationId xmlns:a16="http://schemas.microsoft.com/office/drawing/2014/main" xmlns="" id="{7FACEC8B-38AA-43DE-A519-23AAA74C34B5}"/>
               </a:ext>
             </a:extLst>
           </p:cNvPr>
@@ -1154,7 +1153,7 @@
           <a:p>
             <a:fld id="{9734D751-9966-48A0-AACF-5C0099112749}" type="datetimeFigureOut">
               <a:rPr lang="en-US" smtClean="0"/>
-              <a:t>5/12/2020</a:t>
+              <a:t>5/19/2020</a:t>
             </a:fld>
             <a:endParaRPr lang="en-US"/>
           </a:p>
@@ -1165,7 +1164,7 @@
           <p:cNvPr id="5" name="Footer Placeholder 4">
             <a:extLst>
               <a:ext uri="{FF2B5EF4-FFF2-40B4-BE49-F238E27FC236}">
-                <a16:creationId xmlns:a16="http://schemas.microsoft.com/office/drawing/2014/main" id="{2B4C0165-CD4A-41D9-ABD7-F9290CF40423}"/>
+                <a16:creationId xmlns:a16="http://schemas.microsoft.com/office/drawing/2014/main" xmlns="" id="{2B4C0165-CD4A-41D9-ABD7-F9290CF40423}"/>
               </a:ext>
             </a:extLst>
           </p:cNvPr>
@@ -1190,7 +1189,7 @@
           <p:cNvPr id="6" name="Slide Number Placeholder 5">
             <a:extLst>
               <a:ext uri="{FF2B5EF4-FFF2-40B4-BE49-F238E27FC236}">
-                <a16:creationId xmlns:a16="http://schemas.microsoft.com/office/drawing/2014/main" id="{C745181F-F94A-4804-83D9-15DF6CCD1F0A}"/>
+                <a16:creationId xmlns:a16="http://schemas.microsoft.com/office/drawing/2014/main" xmlns="" id="{C745181F-F94A-4804-83D9-15DF6CCD1F0A}"/>
               </a:ext>
             </a:extLst>
           </p:cNvPr>
@@ -1249,7 +1248,7 @@
           <p:cNvPr id="2" name="Title 1">
             <a:extLst>
               <a:ext uri="{FF2B5EF4-FFF2-40B4-BE49-F238E27FC236}">
-                <a16:creationId xmlns:a16="http://schemas.microsoft.com/office/drawing/2014/main" id="{1E727643-C6AD-4510-B9FF-9EC6EFC93019}"/>
+                <a16:creationId xmlns:a16="http://schemas.microsoft.com/office/drawing/2014/main" xmlns="" id="{1E727643-C6AD-4510-B9FF-9EC6EFC93019}"/>
               </a:ext>
             </a:extLst>
           </p:cNvPr>
@@ -1277,7 +1276,7 @@
           <p:cNvPr id="3" name="Content Placeholder 2">
             <a:extLst>
               <a:ext uri="{FF2B5EF4-FFF2-40B4-BE49-F238E27FC236}">
-                <a16:creationId xmlns:a16="http://schemas.microsoft.com/office/drawing/2014/main" id="{E6EA4B4D-1780-4898-B500-0D4C6F2A3C46}"/>
+                <a16:creationId xmlns:a16="http://schemas.microsoft.com/office/drawing/2014/main" xmlns="" id="{E6EA4B4D-1780-4898-B500-0D4C6F2A3C46}"/>
               </a:ext>
             </a:extLst>
           </p:cNvPr>
@@ -1339,7 +1338,7 @@
           <p:cNvPr id="4" name="Content Placeholder 3">
             <a:extLst>
               <a:ext uri="{FF2B5EF4-FFF2-40B4-BE49-F238E27FC236}">
-                <a16:creationId xmlns:a16="http://schemas.microsoft.com/office/drawing/2014/main" id="{E7719991-3253-45CB-BA07-E3EC8E8A8C53}"/>
+                <a16:creationId xmlns:a16="http://schemas.microsoft.com/office/drawing/2014/main" xmlns="" id="{E7719991-3253-45CB-BA07-E3EC8E8A8C53}"/>
               </a:ext>
             </a:extLst>
           </p:cNvPr>
@@ -1401,7 +1400,7 @@
           <p:cNvPr id="5" name="Date Placeholder 4">
             <a:extLst>
               <a:ext uri="{FF2B5EF4-FFF2-40B4-BE49-F238E27FC236}">
-                <a16:creationId xmlns:a16="http://schemas.microsoft.com/office/drawing/2014/main" id="{A58B4430-1DCE-4782-B5A5-DCCD9A129D46}"/>
+                <a16:creationId xmlns:a16="http://schemas.microsoft.com/office/drawing/2014/main" xmlns="" id="{A58B4430-1DCE-4782-B5A5-DCCD9A129D46}"/>
               </a:ext>
             </a:extLst>
           </p:cNvPr>
@@ -1419,7 +1418,7 @@
           <a:p>
             <a:fld id="{9734D751-9966-48A0-AACF-5C0099112749}" type="datetimeFigureOut">
               <a:rPr lang="en-US" smtClean="0"/>
-              <a:t>5/12/2020</a:t>
+              <a:t>5/19/2020</a:t>
             </a:fld>
             <a:endParaRPr lang="en-US"/>
           </a:p>
@@ -1430,7 +1429,7 @@
           <p:cNvPr id="6" name="Footer Placeholder 5">
             <a:extLst>
               <a:ext uri="{FF2B5EF4-FFF2-40B4-BE49-F238E27FC236}">
-                <a16:creationId xmlns:a16="http://schemas.microsoft.com/office/drawing/2014/main" id="{87FCC752-DF01-42CA-8753-D988C7E09CE8}"/>
+                <a16:creationId xmlns:a16="http://schemas.microsoft.com/office/drawing/2014/main" xmlns="" id="{87FCC752-DF01-42CA-8753-D988C7E09CE8}"/>
               </a:ext>
             </a:extLst>
           </p:cNvPr>
@@ -1455,7 +1454,7 @@
           <p:cNvPr id="7" name="Slide Number Placeholder 6">
             <a:extLst>
               <a:ext uri="{FF2B5EF4-FFF2-40B4-BE49-F238E27FC236}">
-                <a16:creationId xmlns:a16="http://schemas.microsoft.com/office/drawing/2014/main" id="{404B9BC6-77F2-4953-B86C-93B046DE6351}"/>
+                <a16:creationId xmlns:a16="http://schemas.microsoft.com/office/drawing/2014/main" xmlns="" id="{404B9BC6-77F2-4953-B86C-93B046DE6351}"/>
               </a:ext>
             </a:extLst>
           </p:cNvPr>
@@ -1514,7 +1513,7 @@
           <p:cNvPr id="2" name="Title 1">
             <a:extLst>
               <a:ext uri="{FF2B5EF4-FFF2-40B4-BE49-F238E27FC236}">
-                <a16:creationId xmlns:a16="http://schemas.microsoft.com/office/drawing/2014/main" id="{B6892E43-3CB6-432A-8A23-F35B3824EAFF}"/>
+                <a16:creationId xmlns:a16="http://schemas.microsoft.com/office/drawing/2014/main" xmlns="" id="{B6892E43-3CB6-432A-8A23-F35B3824EAFF}"/>
               </a:ext>
             </a:extLst>
           </p:cNvPr>
@@ -1547,7 +1546,7 @@
           <p:cNvPr id="3" name="Text Placeholder 2">
             <a:extLst>
               <a:ext uri="{FF2B5EF4-FFF2-40B4-BE49-F238E27FC236}">
-                <a16:creationId xmlns:a16="http://schemas.microsoft.com/office/drawing/2014/main" id="{3BF22CB1-27C4-44F3-8D3F-B2E5517FC042}"/>
+                <a16:creationId xmlns:a16="http://schemas.microsoft.com/office/drawing/2014/main" xmlns="" id="{3BF22CB1-27C4-44F3-8D3F-B2E5517FC042}"/>
               </a:ext>
             </a:extLst>
           </p:cNvPr>
@@ -1618,7 +1617,7 @@
           <p:cNvPr id="4" name="Content Placeholder 3">
             <a:extLst>
               <a:ext uri="{FF2B5EF4-FFF2-40B4-BE49-F238E27FC236}">
-                <a16:creationId xmlns:a16="http://schemas.microsoft.com/office/drawing/2014/main" id="{6FE18D74-0F21-4C8F-AF8A-889209AD64B5}"/>
+                <a16:creationId xmlns:a16="http://schemas.microsoft.com/office/drawing/2014/main" xmlns="" id="{6FE18D74-0F21-4C8F-AF8A-889209AD64B5}"/>
               </a:ext>
             </a:extLst>
           </p:cNvPr>
@@ -1680,7 +1679,7 @@
           <p:cNvPr id="5" name="Text Placeholder 4">
             <a:extLst>
               <a:ext uri="{FF2B5EF4-FFF2-40B4-BE49-F238E27FC236}">
-                <a16:creationId xmlns:a16="http://schemas.microsoft.com/office/drawing/2014/main" id="{E3E98AEC-BF84-4C9B-A15F-1FE44F69E3E0}"/>
+                <a16:creationId xmlns:a16="http://schemas.microsoft.com/office/drawing/2014/main" xmlns="" id="{E3E98AEC-BF84-4C9B-A15F-1FE44F69E3E0}"/>
               </a:ext>
             </a:extLst>
           </p:cNvPr>
@@ -1751,7 +1750,7 @@
           <p:cNvPr id="6" name="Content Placeholder 5">
             <a:extLst>
               <a:ext uri="{FF2B5EF4-FFF2-40B4-BE49-F238E27FC236}">
-                <a16:creationId xmlns:a16="http://schemas.microsoft.com/office/drawing/2014/main" id="{2AD9B0A6-0F67-4413-8B5A-444F7A8E0D4A}"/>
+                <a16:creationId xmlns:a16="http://schemas.microsoft.com/office/drawing/2014/main" xmlns="" id="{2AD9B0A6-0F67-4413-8B5A-444F7A8E0D4A}"/>
               </a:ext>
             </a:extLst>
           </p:cNvPr>
@@ -1813,7 +1812,7 @@
           <p:cNvPr id="7" name="Date Placeholder 6">
             <a:extLst>
               <a:ext uri="{FF2B5EF4-FFF2-40B4-BE49-F238E27FC236}">
-                <a16:creationId xmlns:a16="http://schemas.microsoft.com/office/drawing/2014/main" id="{7C672434-810E-419B-A0D3-B279886A9AD0}"/>
+                <a16:creationId xmlns:a16="http://schemas.microsoft.com/office/drawing/2014/main" xmlns="" id="{7C672434-810E-419B-A0D3-B279886A9AD0}"/>
               </a:ext>
             </a:extLst>
           </p:cNvPr>
@@ -1831,7 +1830,7 @@
           <a:p>
             <a:fld id="{9734D751-9966-48A0-AACF-5C0099112749}" type="datetimeFigureOut">
               <a:rPr lang="en-US" smtClean="0"/>
-              <a:t>5/12/2020</a:t>
+              <a:t>5/19/2020</a:t>
             </a:fld>
             <a:endParaRPr lang="en-US"/>
           </a:p>
@@ -1842,7 +1841,7 @@
           <p:cNvPr id="8" name="Footer Placeholder 7">
             <a:extLst>
               <a:ext uri="{FF2B5EF4-FFF2-40B4-BE49-F238E27FC236}">
-                <a16:creationId xmlns:a16="http://schemas.microsoft.com/office/drawing/2014/main" id="{9ECA721B-B8F0-4866-8CF0-738DA4A0728D}"/>
+                <a16:creationId xmlns:a16="http://schemas.microsoft.com/office/drawing/2014/main" xmlns="" id="{9ECA721B-B8F0-4866-8CF0-738DA4A0728D}"/>
               </a:ext>
             </a:extLst>
           </p:cNvPr>
@@ -1867,7 +1866,7 @@
           <p:cNvPr id="9" name="Slide Number Placeholder 8">
             <a:extLst>
               <a:ext uri="{FF2B5EF4-FFF2-40B4-BE49-F238E27FC236}">
-                <a16:creationId xmlns:a16="http://schemas.microsoft.com/office/drawing/2014/main" id="{7FF0CBCC-2E03-49C1-B940-54239B394469}"/>
+                <a16:creationId xmlns:a16="http://schemas.microsoft.com/office/drawing/2014/main" xmlns="" id="{7FF0CBCC-2E03-49C1-B940-54239B394469}"/>
               </a:ext>
             </a:extLst>
           </p:cNvPr>
@@ -1926,7 +1925,7 @@
           <p:cNvPr id="2" name="Title 1">
             <a:extLst>
               <a:ext uri="{FF2B5EF4-FFF2-40B4-BE49-F238E27FC236}">
-                <a16:creationId xmlns:a16="http://schemas.microsoft.com/office/drawing/2014/main" id="{8DE79DB8-ECD6-43D8-A4B9-2349E1A840FA}"/>
+                <a16:creationId xmlns:a16="http://schemas.microsoft.com/office/drawing/2014/main" xmlns="" id="{8DE79DB8-ECD6-43D8-A4B9-2349E1A840FA}"/>
               </a:ext>
             </a:extLst>
           </p:cNvPr>
@@ -1954,7 +1953,7 @@
           <p:cNvPr id="3" name="Date Placeholder 2">
             <a:extLst>
               <a:ext uri="{FF2B5EF4-FFF2-40B4-BE49-F238E27FC236}">
-                <a16:creationId xmlns:a16="http://schemas.microsoft.com/office/drawing/2014/main" id="{C701EC5E-0C9D-450B-B0EC-4CC3B13E6CFB}"/>
+                <a16:creationId xmlns:a16="http://schemas.microsoft.com/office/drawing/2014/main" xmlns="" id="{C701EC5E-0C9D-450B-B0EC-4CC3B13E6CFB}"/>
               </a:ext>
             </a:extLst>
           </p:cNvPr>
@@ -1972,7 +1971,7 @@
           <a:p>
             <a:fld id="{9734D751-9966-48A0-AACF-5C0099112749}" type="datetimeFigureOut">
               <a:rPr lang="en-US" smtClean="0"/>
-              <a:t>5/12/2020</a:t>
+              <a:t>5/19/2020</a:t>
             </a:fld>
             <a:endParaRPr lang="en-US"/>
           </a:p>
@@ -1983,7 +1982,7 @@
           <p:cNvPr id="4" name="Footer Placeholder 3">
             <a:extLst>
               <a:ext uri="{FF2B5EF4-FFF2-40B4-BE49-F238E27FC236}">
-                <a16:creationId xmlns:a16="http://schemas.microsoft.com/office/drawing/2014/main" id="{AEAE46BA-981A-4EB3-9878-BF5548AC4162}"/>
+                <a16:creationId xmlns:a16="http://schemas.microsoft.com/office/drawing/2014/main" xmlns="" id="{AEAE46BA-981A-4EB3-9878-BF5548AC4162}"/>
               </a:ext>
             </a:extLst>
           </p:cNvPr>
@@ -2008,7 +2007,7 @@
           <p:cNvPr id="5" name="Slide Number Placeholder 4">
             <a:extLst>
               <a:ext uri="{FF2B5EF4-FFF2-40B4-BE49-F238E27FC236}">
-                <a16:creationId xmlns:a16="http://schemas.microsoft.com/office/drawing/2014/main" id="{82038370-4E0C-4AA4-BF1D-47AA2CC2E22A}"/>
+                <a16:creationId xmlns:a16="http://schemas.microsoft.com/office/drawing/2014/main" xmlns="" id="{82038370-4E0C-4AA4-BF1D-47AA2CC2E22A}"/>
               </a:ext>
             </a:extLst>
           </p:cNvPr>
@@ -2067,7 +2066,7 @@
           <p:cNvPr id="2" name="Date Placeholder 1">
             <a:extLst>
               <a:ext uri="{FF2B5EF4-FFF2-40B4-BE49-F238E27FC236}">
-                <a16:creationId xmlns:a16="http://schemas.microsoft.com/office/drawing/2014/main" id="{8A2A3E85-5088-4C11-9BF4-2C8E4CE83228}"/>
+                <a16:creationId xmlns:a16="http://schemas.microsoft.com/office/drawing/2014/main" xmlns="" id="{8A2A3E85-5088-4C11-9BF4-2C8E4CE83228}"/>
               </a:ext>
             </a:extLst>
           </p:cNvPr>
@@ -2085,7 +2084,7 @@
           <a:p>
             <a:fld id="{9734D751-9966-48A0-AACF-5C0099112749}" type="datetimeFigureOut">
               <a:rPr lang="en-US" smtClean="0"/>
-              <a:t>5/12/2020</a:t>
+              <a:t>5/19/2020</a:t>
             </a:fld>
             <a:endParaRPr lang="en-US"/>
           </a:p>
@@ -2096,7 +2095,7 @@
           <p:cNvPr id="3" name="Footer Placeholder 2">
             <a:extLst>
               <a:ext uri="{FF2B5EF4-FFF2-40B4-BE49-F238E27FC236}">
-                <a16:creationId xmlns:a16="http://schemas.microsoft.com/office/drawing/2014/main" id="{D77B4C96-963C-40AE-BDF5-BEE96A37B551}"/>
+                <a16:creationId xmlns:a16="http://schemas.microsoft.com/office/drawing/2014/main" xmlns="" id="{D77B4C96-963C-40AE-BDF5-BEE96A37B551}"/>
               </a:ext>
             </a:extLst>
           </p:cNvPr>
@@ -2121,7 +2120,7 @@
           <p:cNvPr id="4" name="Slide Number Placeholder 3">
             <a:extLst>
               <a:ext uri="{FF2B5EF4-FFF2-40B4-BE49-F238E27FC236}">
-                <a16:creationId xmlns:a16="http://schemas.microsoft.com/office/drawing/2014/main" id="{4424AD11-1AED-4B48-85B8-B450181E981A}"/>
+                <a16:creationId xmlns:a16="http://schemas.microsoft.com/office/drawing/2014/main" xmlns="" id="{4424AD11-1AED-4B48-85B8-B450181E981A}"/>
               </a:ext>
             </a:extLst>
           </p:cNvPr>
@@ -2180,7 +2179,7 @@
           <p:cNvPr id="2" name="Title 1">
             <a:extLst>
               <a:ext uri="{FF2B5EF4-FFF2-40B4-BE49-F238E27FC236}">
-                <a16:creationId xmlns:a16="http://schemas.microsoft.com/office/drawing/2014/main" id="{90627105-C1DC-4F37-B3FD-C0B484B1D1A3}"/>
+                <a16:creationId xmlns:a16="http://schemas.microsoft.com/office/drawing/2014/main" xmlns="" id="{90627105-C1DC-4F37-B3FD-C0B484B1D1A3}"/>
               </a:ext>
             </a:extLst>
           </p:cNvPr>
@@ -2217,7 +2216,7 @@
           <p:cNvPr id="3" name="Content Placeholder 2">
             <a:extLst>
               <a:ext uri="{FF2B5EF4-FFF2-40B4-BE49-F238E27FC236}">
-                <a16:creationId xmlns:a16="http://schemas.microsoft.com/office/drawing/2014/main" id="{A7377AA6-1154-416F-83AC-0AA6AB9F1DE9}"/>
+                <a16:creationId xmlns:a16="http://schemas.microsoft.com/office/drawing/2014/main" xmlns="" id="{A7377AA6-1154-416F-83AC-0AA6AB9F1DE9}"/>
               </a:ext>
             </a:extLst>
           </p:cNvPr>
@@ -2307,7 +2306,7 @@
           <p:cNvPr id="4" name="Text Placeholder 3">
             <a:extLst>
               <a:ext uri="{FF2B5EF4-FFF2-40B4-BE49-F238E27FC236}">
-                <a16:creationId xmlns:a16="http://schemas.microsoft.com/office/drawing/2014/main" id="{DB042203-9CC1-4E69-9E9D-ECA687D48DD8}"/>
+                <a16:creationId xmlns:a16="http://schemas.microsoft.com/office/drawing/2014/main" xmlns="" id="{DB042203-9CC1-4E69-9E9D-ECA687D48DD8}"/>
               </a:ext>
             </a:extLst>
           </p:cNvPr>
@@ -2378,7 +2377,7 @@
           <p:cNvPr id="5" name="Date Placeholder 4">
             <a:extLst>
               <a:ext uri="{FF2B5EF4-FFF2-40B4-BE49-F238E27FC236}">
-                <a16:creationId xmlns:a16="http://schemas.microsoft.com/office/drawing/2014/main" id="{0E6C723E-D6B7-4556-B283-CCF0046619AA}"/>
+                <a16:creationId xmlns:a16="http://schemas.microsoft.com/office/drawing/2014/main" xmlns="" id="{0E6C723E-D6B7-4556-B283-CCF0046619AA}"/>
               </a:ext>
             </a:extLst>
           </p:cNvPr>
@@ -2396,7 +2395,7 @@
           <a:p>
             <a:fld id="{9734D751-9966-48A0-AACF-5C0099112749}" type="datetimeFigureOut">
               <a:rPr lang="en-US" smtClean="0"/>
-              <a:t>5/12/2020</a:t>
+              <a:t>5/19/2020</a:t>
             </a:fld>
             <a:endParaRPr lang="en-US"/>
           </a:p>
@@ -2407,7 +2406,7 @@
           <p:cNvPr id="6" name="Footer Placeholder 5">
             <a:extLst>
               <a:ext uri="{FF2B5EF4-FFF2-40B4-BE49-F238E27FC236}">
-                <a16:creationId xmlns:a16="http://schemas.microsoft.com/office/drawing/2014/main" id="{61C4A368-DC66-4F84-B8C8-C404AECB308E}"/>
+                <a16:creationId xmlns:a16="http://schemas.microsoft.com/office/drawing/2014/main" xmlns="" id="{61C4A368-DC66-4F84-B8C8-C404AECB308E}"/>
               </a:ext>
             </a:extLst>
           </p:cNvPr>
@@ -2432,7 +2431,7 @@
           <p:cNvPr id="7" name="Slide Number Placeholder 6">
             <a:extLst>
               <a:ext uri="{FF2B5EF4-FFF2-40B4-BE49-F238E27FC236}">
-                <a16:creationId xmlns:a16="http://schemas.microsoft.com/office/drawing/2014/main" id="{7F6A31E1-94FA-4617-9629-1D2E27608B94}"/>
+                <a16:creationId xmlns:a16="http://schemas.microsoft.com/office/drawing/2014/main" xmlns="" id="{7F6A31E1-94FA-4617-9629-1D2E27608B94}"/>
               </a:ext>
             </a:extLst>
           </p:cNvPr>
@@ -2491,7 +2490,7 @@
           <p:cNvPr id="2" name="Title 1">
             <a:extLst>
               <a:ext uri="{FF2B5EF4-FFF2-40B4-BE49-F238E27FC236}">
-                <a16:creationId xmlns:a16="http://schemas.microsoft.com/office/drawing/2014/main" id="{CC56DF2D-6A63-4DED-A606-F41FFF62C489}"/>
+                <a16:creationId xmlns:a16="http://schemas.microsoft.com/office/drawing/2014/main" xmlns="" id="{CC56DF2D-6A63-4DED-A606-F41FFF62C489}"/>
               </a:ext>
             </a:extLst>
           </p:cNvPr>
@@ -2528,7 +2527,7 @@
           <p:cNvPr id="3" name="Picture Placeholder 2">
             <a:extLst>
               <a:ext uri="{FF2B5EF4-FFF2-40B4-BE49-F238E27FC236}">
-                <a16:creationId xmlns:a16="http://schemas.microsoft.com/office/drawing/2014/main" id="{209CA852-6576-48FC-B8E0-7C530CBC2C1C}"/>
+                <a16:creationId xmlns:a16="http://schemas.microsoft.com/office/drawing/2014/main" xmlns="" id="{209CA852-6576-48FC-B8E0-7C530CBC2C1C}"/>
               </a:ext>
             </a:extLst>
           </p:cNvPr>
@@ -2595,7 +2594,7 @@
           <p:cNvPr id="4" name="Text Placeholder 3">
             <a:extLst>
               <a:ext uri="{FF2B5EF4-FFF2-40B4-BE49-F238E27FC236}">
-                <a16:creationId xmlns:a16="http://schemas.microsoft.com/office/drawing/2014/main" id="{170BAB75-4E97-45DA-A5BC-432EB3E0A74D}"/>
+                <a16:creationId xmlns:a16="http://schemas.microsoft.com/office/drawing/2014/main" xmlns="" id="{170BAB75-4E97-45DA-A5BC-432EB3E0A74D}"/>
               </a:ext>
             </a:extLst>
           </p:cNvPr>
@@ -2666,7 +2665,7 @@
           <p:cNvPr id="5" name="Date Placeholder 4">
             <a:extLst>
               <a:ext uri="{FF2B5EF4-FFF2-40B4-BE49-F238E27FC236}">
-                <a16:creationId xmlns:a16="http://schemas.microsoft.com/office/drawing/2014/main" id="{23ACD496-0A9A-4E15-9EB5-4FDEFB5BC8F4}"/>
+                <a16:creationId xmlns:a16="http://schemas.microsoft.com/office/drawing/2014/main" xmlns="" id="{23ACD496-0A9A-4E15-9EB5-4FDEFB5BC8F4}"/>
               </a:ext>
             </a:extLst>
           </p:cNvPr>
@@ -2684,7 +2683,7 @@
           <a:p>
             <a:fld id="{9734D751-9966-48A0-AACF-5C0099112749}" type="datetimeFigureOut">
               <a:rPr lang="en-US" smtClean="0"/>
-              <a:t>5/12/2020</a:t>
+              <a:t>5/19/2020</a:t>
             </a:fld>
             <a:endParaRPr lang="en-US"/>
           </a:p>
@@ -2695,7 +2694,7 @@
           <p:cNvPr id="6" name="Footer Placeholder 5">
             <a:extLst>
               <a:ext uri="{FF2B5EF4-FFF2-40B4-BE49-F238E27FC236}">
-                <a16:creationId xmlns:a16="http://schemas.microsoft.com/office/drawing/2014/main" id="{4B29DD4B-95DA-41C1-B27B-3CD3749B844B}"/>
+                <a16:creationId xmlns:a16="http://schemas.microsoft.com/office/drawing/2014/main" xmlns="" id="{4B29DD4B-95DA-41C1-B27B-3CD3749B844B}"/>
               </a:ext>
             </a:extLst>
           </p:cNvPr>
@@ -2720,7 +2719,7 @@
           <p:cNvPr id="7" name="Slide Number Placeholder 6">
             <a:extLst>
               <a:ext uri="{FF2B5EF4-FFF2-40B4-BE49-F238E27FC236}">
-                <a16:creationId xmlns:a16="http://schemas.microsoft.com/office/drawing/2014/main" id="{566C6564-7AC4-49AE-BF36-9F5D03CF586D}"/>
+                <a16:creationId xmlns:a16="http://schemas.microsoft.com/office/drawing/2014/main" xmlns="" id="{566C6564-7AC4-49AE-BF36-9F5D03CF586D}"/>
               </a:ext>
             </a:extLst>
           </p:cNvPr>
@@ -2784,7 +2783,7 @@
           <p:cNvPr id="2" name="Title Placeholder 1">
             <a:extLst>
               <a:ext uri="{FF2B5EF4-FFF2-40B4-BE49-F238E27FC236}">
-                <a16:creationId xmlns:a16="http://schemas.microsoft.com/office/drawing/2014/main" id="{E090792F-70CD-48FA-B5DE-F861584C1AF5}"/>
+                <a16:creationId xmlns:a16="http://schemas.microsoft.com/office/drawing/2014/main" xmlns="" id="{E090792F-70CD-48FA-B5DE-F861584C1AF5}"/>
               </a:ext>
             </a:extLst>
           </p:cNvPr>
@@ -2822,7 +2821,7 @@
           <p:cNvPr id="3" name="Text Placeholder 2">
             <a:extLst>
               <a:ext uri="{FF2B5EF4-FFF2-40B4-BE49-F238E27FC236}">
-                <a16:creationId xmlns:a16="http://schemas.microsoft.com/office/drawing/2014/main" id="{6863DA1B-989F-4CA4-8D1C-284A9ED7353F}"/>
+                <a16:creationId xmlns:a16="http://schemas.microsoft.com/office/drawing/2014/main" xmlns="" id="{6863DA1B-989F-4CA4-8D1C-284A9ED7353F}"/>
               </a:ext>
             </a:extLst>
           </p:cNvPr>
@@ -2889,7 +2888,7 @@
           <p:cNvPr id="4" name="Date Placeholder 3">
             <a:extLst>
               <a:ext uri="{FF2B5EF4-FFF2-40B4-BE49-F238E27FC236}">
-                <a16:creationId xmlns:a16="http://schemas.microsoft.com/office/drawing/2014/main" id="{196BC2CB-0E2C-4A8D-97D8-35E2C02F1C95}"/>
+                <a16:creationId xmlns:a16="http://schemas.microsoft.com/office/drawing/2014/main" xmlns="" id="{196BC2CB-0E2C-4A8D-97D8-35E2C02F1C95}"/>
               </a:ext>
             </a:extLst>
           </p:cNvPr>
@@ -2925,7 +2924,7 @@
           <a:p>
             <a:fld id="{9734D751-9966-48A0-AACF-5C0099112749}" type="datetimeFigureOut">
               <a:rPr lang="en-US" smtClean="0"/>
-              <a:t>5/12/2020</a:t>
+              <a:t>5/19/2020</a:t>
             </a:fld>
             <a:endParaRPr lang="en-US"/>
           </a:p>
@@ -2936,7 +2935,7 @@
           <p:cNvPr id="5" name="Footer Placeholder 4">
             <a:extLst>
               <a:ext uri="{FF2B5EF4-FFF2-40B4-BE49-F238E27FC236}">
-                <a16:creationId xmlns:a16="http://schemas.microsoft.com/office/drawing/2014/main" id="{7E383A1D-821F-4066-897B-2D17283671E7}"/>
+                <a16:creationId xmlns:a16="http://schemas.microsoft.com/office/drawing/2014/main" xmlns="" id="{7E383A1D-821F-4066-897B-2D17283671E7}"/>
               </a:ext>
             </a:extLst>
           </p:cNvPr>
@@ -2979,7 +2978,7 @@
           <p:cNvPr id="6" name="Slide Number Placeholder 5">
             <a:extLst>
               <a:ext uri="{FF2B5EF4-FFF2-40B4-BE49-F238E27FC236}">
-                <a16:creationId xmlns:a16="http://schemas.microsoft.com/office/drawing/2014/main" id="{A6FB2F0F-4058-4D9F-8310-7D1AC213E01B}"/>
+                <a16:creationId xmlns:a16="http://schemas.microsoft.com/office/drawing/2014/main" xmlns="" id="{A6FB2F0F-4058-4D9F-8310-7D1AC213E01B}"/>
               </a:ext>
             </a:extLst>
           </p:cNvPr>
@@ -3347,7 +3346,7 @@
           <p:cNvPr id="2" name="Title 1">
             <a:extLst>
               <a:ext uri="{FF2B5EF4-FFF2-40B4-BE49-F238E27FC236}">
-                <a16:creationId xmlns:a16="http://schemas.microsoft.com/office/drawing/2014/main" id="{A09D7694-5F23-40A3-A0DD-50B61A9C143F}"/>
+                <a16:creationId xmlns:a16="http://schemas.microsoft.com/office/drawing/2014/main" xmlns="" id="{A09D7694-5F23-40A3-A0DD-50B61A9C143F}"/>
               </a:ext>
             </a:extLst>
           </p:cNvPr>
@@ -3375,7 +3374,7 @@
           <p:cNvPr id="3" name="Subtitle 2">
             <a:extLst>
               <a:ext uri="{FF2B5EF4-FFF2-40B4-BE49-F238E27FC236}">
-                <a16:creationId xmlns:a16="http://schemas.microsoft.com/office/drawing/2014/main" id="{45C24F37-F163-4E32-AFDA-9636F92DBEEA}"/>
+                <a16:creationId xmlns:a16="http://schemas.microsoft.com/office/drawing/2014/main" xmlns="" id="{45C24F37-F163-4E32-AFDA-9636F92DBEEA}"/>
               </a:ext>
             </a:extLst>
           </p:cNvPr>
@@ -3463,7 +3462,7 @@
           <p:cNvPr id="2" name="Title 1">
             <a:extLst>
               <a:ext uri="{FF2B5EF4-FFF2-40B4-BE49-F238E27FC236}">
-                <a16:creationId xmlns:a16="http://schemas.microsoft.com/office/drawing/2014/main" id="{19AAC746-03DA-46D7-82FA-49752EEF9D53}"/>
+                <a16:creationId xmlns:a16="http://schemas.microsoft.com/office/drawing/2014/main" xmlns="" id="{36C4C4A1-3B07-402A-9D44-B00C6AC2B44A}"/>
               </a:ext>
             </a:extLst>
           </p:cNvPr>
@@ -3481,62 +3480,74 @@
           <a:p>
             <a:r>
               <a:rPr lang="en-US" dirty="0"/>
+              <a:t>Code Pipeline</a:t>
+            </a:r>
+          </a:p>
+        </p:txBody>
+      </p:sp>
+      <p:sp>
+        <p:nvSpPr>
+          <p:cNvPr id="3" name="Content Placeholder 2">
+            <a:extLst>
+              <a:ext uri="{FF2B5EF4-FFF2-40B4-BE49-F238E27FC236}">
+                <a16:creationId xmlns:a16="http://schemas.microsoft.com/office/drawing/2014/main" xmlns="" id="{2ACC51B7-30F4-473F-9643-DC17A1341411}"/>
+              </a:ext>
+            </a:extLst>
+          </p:cNvPr>
+          <p:cNvSpPr>
+            <a:spLocks noGrp="1"/>
+          </p:cNvSpPr>
+          <p:nvPr>
+            <p:ph idx="1"/>
+          </p:nvPr>
+        </p:nvSpPr>
+        <p:spPr/>
+        <p:txBody>
+          <a:bodyPr/>
+          <a:lstStyle/>
+          <a:p>
+            <a:r>
+              <a:rPr lang="en-US" dirty="0"/>
+              <a:t>Code pipeline is an AWS service which integrates the following</a:t>
+            </a:r>
+          </a:p>
+          <a:p>
+            <a:pPr lvl="1"/>
+            <a:r>
+              <a:rPr lang="en-US" dirty="0"/>
+              <a:t>Code Commit</a:t>
+            </a:r>
+          </a:p>
+          <a:p>
+            <a:pPr lvl="1"/>
+            <a:r>
+              <a:rPr lang="en-US" dirty="0"/>
+              <a:t>Code Build</a:t>
+            </a:r>
+          </a:p>
+          <a:p>
+            <a:pPr lvl="1"/>
+            <a:r>
+              <a:rPr lang="en-US" dirty="0"/>
               <a:t>Code Deploy</a:t>
             </a:r>
           </a:p>
-        </p:txBody>
-      </p:sp>
-      <p:sp>
-        <p:nvSpPr>
-          <p:cNvPr id="3" name="Content Placeholder 2">
-            <a:extLst>
-              <a:ext uri="{FF2B5EF4-FFF2-40B4-BE49-F238E27FC236}">
-                <a16:creationId xmlns:a16="http://schemas.microsoft.com/office/drawing/2014/main" id="{9E636523-0F60-4484-8D07-E51318B267D2}"/>
-              </a:ext>
-            </a:extLst>
-          </p:cNvPr>
-          <p:cNvSpPr>
-            <a:spLocks noGrp="1"/>
-          </p:cNvSpPr>
-          <p:nvPr>
-            <p:ph idx="1"/>
-          </p:nvPr>
-        </p:nvSpPr>
-        <p:spPr/>
-        <p:txBody>
-          <a:bodyPr/>
-          <a:lstStyle/>
-          <a:p>
-            <a:r>
-              <a:rPr lang="en-US" dirty="0"/>
-              <a:t>Code Deploy is an AWS service which deploys the build artifacts to dev/test/prod servers.</a:t>
-            </a:r>
-          </a:p>
-          <a:p>
-            <a:r>
-              <a:rPr lang="en-US" dirty="0"/>
-              <a:t>In our POC our aim was to deploy our application to Kubernetes</a:t>
-            </a:r>
-          </a:p>
-          <a:p>
-            <a:r>
-              <a:rPr lang="en-US" dirty="0"/>
-              <a:t>In AWS Code Deploy there is no action to deploy build artifacts to Elastic Kubernetes Service(EKS)</a:t>
-            </a:r>
-          </a:p>
-          <a:p>
-            <a:r>
-              <a:rPr lang="en-US" dirty="0"/>
-              <a:t>So, the artifacts were deployed to Lambda</a:t>
-            </a:r>
-          </a:p>
-          <a:p>
-            <a:r>
-              <a:rPr lang="en-US" dirty="0"/>
-              <a:t>In Lambda, logic was embedded to deploy to EKS</a:t>
-            </a:r>
-          </a:p>
-          <a:p>
+          <a:p>
+            <a:r>
+              <a:rPr lang="en-US" dirty="0"/>
+              <a:t>The Build steps can be specified  using </a:t>
+            </a:r>
+            <a:r>
+              <a:rPr lang="en-US" dirty="0" err="1"/>
+              <a:t>buildspec.yaml</a:t>
+            </a:r>
+            <a:r>
+              <a:rPr lang="en-US" dirty="0"/>
+              <a:t> (should be present in source code root directory).</a:t>
+            </a:r>
+          </a:p>
+          <a:p>
+            <a:pPr lvl="1"/>
             <a:endParaRPr lang="en-US" dirty="0"/>
           </a:p>
         </p:txBody>
@@ -3544,7 +3555,7 @@
     </p:spTree>
     <p:extLst>
       <p:ext uri="{BB962C8B-B14F-4D97-AF65-F5344CB8AC3E}">
-        <p14:creationId xmlns:p14="http://schemas.microsoft.com/office/powerpoint/2010/main" val="1545696786"/>
+        <p14:creationId xmlns:p14="http://schemas.microsoft.com/office/powerpoint/2010/main" val="4046726515"/>
       </p:ext>
     </p:extLst>
   </p:cSld>
@@ -3576,7 +3587,7 @@
           <p:cNvPr id="2" name="Title 1">
             <a:extLst>
               <a:ext uri="{FF2B5EF4-FFF2-40B4-BE49-F238E27FC236}">
-                <a16:creationId xmlns:a16="http://schemas.microsoft.com/office/drawing/2014/main" id="{36C4C4A1-3B07-402A-9D44-B00C6AC2B44A}"/>
+                <a16:creationId xmlns:a16="http://schemas.microsoft.com/office/drawing/2014/main" xmlns="" id="{D611AD58-ED78-4524-8C7F-3A374688A65B}"/>
               </a:ext>
             </a:extLst>
           </p:cNvPr>
@@ -3594,7 +3605,7 @@
           <a:p>
             <a:r>
               <a:rPr lang="en-US" dirty="0"/>
-              <a:t>Code Pipeline</a:t>
+              <a:t>Elastic Container Service (ECS)</a:t>
             </a:r>
           </a:p>
         </p:txBody>
@@ -3604,7 +3615,7 @@
           <p:cNvPr id="3" name="Content Placeholder 2">
             <a:extLst>
               <a:ext uri="{FF2B5EF4-FFF2-40B4-BE49-F238E27FC236}">
-                <a16:creationId xmlns:a16="http://schemas.microsoft.com/office/drawing/2014/main" id="{2ACC51B7-30F4-473F-9643-DC17A1341411}"/>
+                <a16:creationId xmlns:a16="http://schemas.microsoft.com/office/drawing/2014/main" xmlns="" id="{A9A685AB-9C66-481A-99B5-A937F0006151}"/>
               </a:ext>
             </a:extLst>
           </p:cNvPr>
@@ -3622,54 +3633,60 @@
           <a:p>
             <a:r>
               <a:rPr lang="en-US" dirty="0"/>
-              <a:t>Code pipeline is an AWS service which integrates the following</a:t>
+              <a:t>ECS is one of the services provided to deploy your application as containers.</a:t>
+            </a:r>
+          </a:p>
+          <a:p>
+            <a:r>
+              <a:rPr lang="en-US" dirty="0"/>
+              <a:t>The user/admin is responsible for administration of the services, replicas, </a:t>
+            </a:r>
+            <a:r>
+              <a:rPr lang="en-US" dirty="0" err="1"/>
+              <a:t>etc</a:t>
+            </a:r>
+            <a:endParaRPr lang="en-US" dirty="0"/>
+          </a:p>
+          <a:p>
+            <a:r>
+              <a:rPr lang="en-US" dirty="0"/>
+              <a:t>There are two possible ways we can use ECS</a:t>
             </a:r>
           </a:p>
           <a:p>
             <a:pPr lvl="1"/>
             <a:r>
               <a:rPr lang="en-US" dirty="0"/>
-              <a:t>Code Commit</a:t>
+              <a:t>Deploy to </a:t>
+            </a:r>
+            <a:r>
+              <a:rPr lang="en-US" dirty="0" err="1"/>
+              <a:t>Fargate</a:t>
+            </a:r>
+            <a:r>
+              <a:rPr lang="en-US" dirty="0"/>
+              <a:t>(completely manages by AWS)</a:t>
             </a:r>
           </a:p>
           <a:p>
             <a:pPr lvl="1"/>
             <a:r>
               <a:rPr lang="en-US" dirty="0"/>
-              <a:t>Code Build</a:t>
-            </a:r>
-          </a:p>
-          <a:p>
-            <a:pPr lvl="1"/>
-            <a:r>
-              <a:rPr lang="en-US" dirty="0"/>
-              <a:t>Code Deploy</a:t>
-            </a:r>
-          </a:p>
-          <a:p>
-            <a:r>
-              <a:rPr lang="en-US" dirty="0"/>
-              <a:t>The Build steps can be specified  using </a:t>
-            </a:r>
-            <a:r>
-              <a:rPr lang="en-US" dirty="0" err="1"/>
-              <a:t>buildspec.yaml</a:t>
-            </a:r>
-            <a:r>
-              <a:rPr lang="en-US" dirty="0"/>
-              <a:t> (should be present in source code root directory).</a:t>
-            </a:r>
-          </a:p>
-          <a:p>
-            <a:pPr lvl="1"/>
-            <a:endParaRPr lang="en-US" dirty="0"/>
+              <a:t>Deploy to EC2 (User is responsible for allocation of nodes, etc..)</a:t>
+            </a:r>
+          </a:p>
+          <a:p>
+            <a:r>
+              <a:rPr lang="en-US" dirty="0"/>
+              <a:t>We deployed to EC2</a:t>
+            </a:r>
           </a:p>
         </p:txBody>
       </p:sp>
     </p:spTree>
     <p:extLst>
       <p:ext uri="{BB962C8B-B14F-4D97-AF65-F5344CB8AC3E}">
-        <p14:creationId xmlns:p14="http://schemas.microsoft.com/office/powerpoint/2010/main" val="4046726515"/>
+        <p14:creationId xmlns:p14="http://schemas.microsoft.com/office/powerpoint/2010/main" val="3102009268"/>
       </p:ext>
     </p:extLst>
   </p:cSld>
@@ -3701,7 +3718,7 @@
           <p:cNvPr id="2" name="Title 1">
             <a:extLst>
               <a:ext uri="{FF2B5EF4-FFF2-40B4-BE49-F238E27FC236}">
-                <a16:creationId xmlns:a16="http://schemas.microsoft.com/office/drawing/2014/main" id="{D611AD58-ED78-4524-8C7F-3A374688A65B}"/>
+                <a16:creationId xmlns:a16="http://schemas.microsoft.com/office/drawing/2014/main" xmlns="" id="{52DDB10B-AB88-483F-80FD-5370C81DB739}"/>
               </a:ext>
             </a:extLst>
           </p:cNvPr>
@@ -3719,7 +3736,7 @@
           <a:p>
             <a:r>
               <a:rPr lang="en-US" dirty="0"/>
-              <a:t>Elastic Container Service (ECS)</a:t>
+              <a:t>Elastic Kubernetes Service (EKS)</a:t>
             </a:r>
           </a:p>
         </p:txBody>
@@ -3729,7 +3746,7 @@
           <p:cNvPr id="3" name="Content Placeholder 2">
             <a:extLst>
               <a:ext uri="{FF2B5EF4-FFF2-40B4-BE49-F238E27FC236}">
-                <a16:creationId xmlns:a16="http://schemas.microsoft.com/office/drawing/2014/main" id="{A9A685AB-9C66-481A-99B5-A937F0006151}"/>
+                <a16:creationId xmlns:a16="http://schemas.microsoft.com/office/drawing/2014/main" xmlns="" id="{38C169B4-6870-4C64-B19E-A485828CF9AB}"/>
               </a:ext>
             </a:extLst>
           </p:cNvPr>
@@ -3742,65 +3759,123 @@
         </p:nvSpPr>
         <p:spPr/>
         <p:txBody>
-          <a:bodyPr/>
-          <a:lstStyle/>
-          <a:p>
-            <a:r>
-              <a:rPr lang="en-US" dirty="0"/>
-              <a:t>ECS is one of the services provided to deploy your application as containers.</a:t>
-            </a:r>
-          </a:p>
-          <a:p>
-            <a:r>
-              <a:rPr lang="en-US" dirty="0"/>
-              <a:t>The user/admin is responsible for administration of the services, replicas, </a:t>
+          <a:bodyPr>
+            <a:normAutofit fontScale="92500" lnSpcReduction="20000"/>
+          </a:bodyPr>
+          <a:lstStyle/>
+          <a:p>
+            <a:r>
+              <a:rPr lang="en-US" dirty="0"/>
+              <a:t>EKS is AWS’s managed </a:t>
             </a:r>
             <a:r>
               <a:rPr lang="en-US" dirty="0" err="1"/>
-              <a:t>etc</a:t>
-            </a:r>
+              <a:t>kubernetes</a:t>
+            </a:r>
+            <a:r>
+              <a:rPr lang="en-US" dirty="0"/>
+              <a:t> services</a:t>
+            </a:r>
+          </a:p>
+          <a:p>
+            <a:r>
+              <a:rPr lang="en-US" dirty="0"/>
+              <a:t>The user/admin is responsible for managing the deployment using </a:t>
+            </a:r>
+            <a:r>
+              <a:rPr lang="en-US" dirty="0" err="1"/>
+              <a:t>kubernetes</a:t>
+            </a:r>
+            <a:r>
+              <a:rPr lang="en-US" dirty="0"/>
+              <a:t> manifests(YAML)</a:t>
+            </a:r>
+          </a:p>
+          <a:p>
+            <a:r>
+              <a:rPr lang="en-US" dirty="0"/>
+              <a:t>EKS manages the cluster and nodes and all the necessary infrastructure required for running </a:t>
+            </a:r>
+            <a:r>
+              <a:rPr lang="en-US" dirty="0" err="1"/>
+              <a:t>kubernetes</a:t>
+            </a:r>
+            <a:r>
+              <a:rPr lang="en-US" dirty="0"/>
+              <a:t>(Control Plane)</a:t>
+            </a:r>
+          </a:p>
+          <a:p>
+            <a:pPr lvl="1"/>
+            <a:r>
+              <a:rPr lang="en-US" dirty="0"/>
+              <a:t>DNS service</a:t>
+            </a:r>
+          </a:p>
+          <a:p>
+            <a:pPr lvl="1"/>
+            <a:r>
+              <a:rPr lang="en-US" dirty="0"/>
+              <a:t>Scheduler</a:t>
+            </a:r>
+          </a:p>
+          <a:p>
+            <a:pPr lvl="1"/>
+            <a:r>
+              <a:rPr lang="en-US" dirty="0"/>
+              <a:t>API server</a:t>
+            </a:r>
+          </a:p>
+          <a:p>
+            <a:pPr lvl="1"/>
+            <a:r>
+              <a:rPr lang="en-US" dirty="0"/>
+              <a:t>State management(</a:t>
+            </a:r>
+            <a:r>
+              <a:rPr lang="en-US" dirty="0" err="1"/>
+              <a:t>etcd</a:t>
+            </a:r>
+            <a:r>
+              <a:rPr lang="en-US" dirty="0"/>
+              <a:t> internal database)</a:t>
+            </a:r>
+          </a:p>
+          <a:p>
+            <a:r>
+              <a:rPr lang="en-US" dirty="0"/>
+              <a:t>We deployed application images with manifests using </a:t>
+            </a:r>
+            <a:r>
+              <a:rPr lang="en-US" dirty="0" err="1"/>
+              <a:t>kubectl</a:t>
+            </a:r>
+            <a:r>
+              <a:rPr lang="en-US" dirty="0"/>
+              <a:t> tool</a:t>
+            </a:r>
+          </a:p>
+          <a:p>
+            <a:r>
+              <a:rPr lang="en-US" dirty="0"/>
+              <a:t>Uses Elastic Load Balancer to expose application to world</a:t>
+            </a:r>
+          </a:p>
+          <a:p>
+            <a:r>
+              <a:rPr lang="en-US" dirty="0"/>
+              <a:t>Application is accessible over the Internet</a:t>
+            </a:r>
+          </a:p>
+          <a:p>
             <a:endParaRPr lang="en-US" dirty="0"/>
-          </a:p>
-          <a:p>
-            <a:r>
-              <a:rPr lang="en-US" dirty="0"/>
-              <a:t>There are two possible ways we can use ECS</a:t>
-            </a:r>
-          </a:p>
-          <a:p>
-            <a:pPr lvl="1"/>
-            <a:r>
-              <a:rPr lang="en-US" dirty="0"/>
-              <a:t>Deploy to </a:t>
-            </a:r>
-            <a:r>
-              <a:rPr lang="en-US" dirty="0" err="1"/>
-              <a:t>Fargate</a:t>
-            </a:r>
-            <a:r>
-              <a:rPr lang="en-US" dirty="0"/>
-              <a:t>(completely manages by AWS)</a:t>
-            </a:r>
-          </a:p>
-          <a:p>
-            <a:pPr lvl="1"/>
-            <a:r>
-              <a:rPr lang="en-US" dirty="0"/>
-              <a:t>Deploy to EC2 (User is responsible for allocation of nodes, etc..)</a:t>
-            </a:r>
-          </a:p>
-          <a:p>
-            <a:r>
-              <a:rPr lang="en-US" dirty="0"/>
-              <a:t>We deployed to EC2</a:t>
-            </a:r>
           </a:p>
         </p:txBody>
       </p:sp>
     </p:spTree>
     <p:extLst>
       <p:ext uri="{BB962C8B-B14F-4D97-AF65-F5344CB8AC3E}">
-        <p14:creationId xmlns:p14="http://schemas.microsoft.com/office/powerpoint/2010/main" val="3102009268"/>
+        <p14:creationId xmlns:p14="http://schemas.microsoft.com/office/powerpoint/2010/main" val="760934502"/>
       </p:ext>
     </p:extLst>
   </p:cSld>
@@ -3832,7 +3907,7 @@
           <p:cNvPr id="2" name="Title 1">
             <a:extLst>
               <a:ext uri="{FF2B5EF4-FFF2-40B4-BE49-F238E27FC236}">
-                <a16:creationId xmlns:a16="http://schemas.microsoft.com/office/drawing/2014/main" id="{52DDB10B-AB88-483F-80FD-5370C81DB739}"/>
+                <a16:creationId xmlns:a16="http://schemas.microsoft.com/office/drawing/2014/main" xmlns="" id="{E4C6F6EE-9603-466D-9568-221C19452D63}"/>
               </a:ext>
             </a:extLst>
           </p:cNvPr>
@@ -3850,7 +3925,7 @@
           <a:p>
             <a:r>
               <a:rPr lang="en-US" dirty="0"/>
-              <a:t>Elastic Kubernetes Service (EKS)</a:t>
+              <a:t>Lambda</a:t>
             </a:r>
           </a:p>
         </p:txBody>
@@ -3860,7 +3935,7 @@
           <p:cNvPr id="3" name="Content Placeholder 2">
             <a:extLst>
               <a:ext uri="{FF2B5EF4-FFF2-40B4-BE49-F238E27FC236}">
-                <a16:creationId xmlns:a16="http://schemas.microsoft.com/office/drawing/2014/main" id="{38C169B4-6870-4C64-B19E-A485828CF9AB}"/>
+                <a16:creationId xmlns:a16="http://schemas.microsoft.com/office/drawing/2014/main" xmlns="" id="{B544E974-E5DA-4EED-AEAE-A3E1180ED804}"/>
               </a:ext>
             </a:extLst>
           </p:cNvPr>
@@ -3873,92 +3948,50 @@
         </p:nvSpPr>
         <p:spPr/>
         <p:txBody>
-          <a:bodyPr>
-            <a:normAutofit fontScale="92500" lnSpcReduction="20000"/>
-          </a:bodyPr>
-          <a:lstStyle/>
-          <a:p>
-            <a:r>
-              <a:rPr lang="en-US" dirty="0"/>
-              <a:t>EKS is AWS’s managed </a:t>
-            </a:r>
-            <a:r>
-              <a:rPr lang="en-US" dirty="0" err="1"/>
-              <a:t>kubernetes</a:t>
-            </a:r>
-            <a:r>
-              <a:rPr lang="en-US" dirty="0"/>
-              <a:t> services</a:t>
-            </a:r>
-          </a:p>
-          <a:p>
-            <a:r>
-              <a:rPr lang="en-US" dirty="0"/>
-              <a:t>The user/admin is responsible for managing the deployment using </a:t>
-            </a:r>
-            <a:r>
-              <a:rPr lang="en-US" dirty="0" err="1"/>
-              <a:t>kubernetes</a:t>
-            </a:r>
-            <a:r>
-              <a:rPr lang="en-US" dirty="0"/>
-              <a:t> manifests(YAML)</a:t>
-            </a:r>
-          </a:p>
-          <a:p>
-            <a:r>
-              <a:rPr lang="en-US" dirty="0"/>
-              <a:t>EKS manages the cluster and nodes and all the necessary infrastructure required for running </a:t>
-            </a:r>
-            <a:r>
-              <a:rPr lang="en-US" dirty="0" err="1"/>
-              <a:t>kubernetes</a:t>
-            </a:r>
-            <a:r>
-              <a:rPr lang="en-US" dirty="0"/>
-              <a:t>(Control Plane)</a:t>
+          <a:bodyPr/>
+          <a:lstStyle/>
+          <a:p>
+            <a:r>
+              <a:rPr lang="en-US" dirty="0"/>
+              <a:t>Lambda is the serverless service from AWS(Function as a service)</a:t>
+            </a:r>
+          </a:p>
+          <a:p>
+            <a:r>
+              <a:rPr lang="en-US" dirty="0"/>
+              <a:t>It was used in our POC as a bridge between Code pipeline and EKS</a:t>
+            </a:r>
+          </a:p>
+          <a:p>
+            <a:r>
+              <a:rPr lang="en-US" dirty="0"/>
+              <a:t>We created a python Lambda service.</a:t>
+            </a:r>
+          </a:p>
+          <a:p>
+            <a:r>
+              <a:rPr lang="en-US" dirty="0"/>
+              <a:t>Used BOTO3 Python framework to interact with AWS within Python</a:t>
+            </a:r>
+          </a:p>
+          <a:p>
+            <a:r>
+              <a:rPr lang="en-US" dirty="0"/>
+              <a:t>Since we need to interact with EKS, we created two Lambda layers </a:t>
             </a:r>
           </a:p>
           <a:p>
             <a:pPr lvl="1"/>
             <a:r>
               <a:rPr lang="en-US" dirty="0"/>
-              <a:t>DNS service</a:t>
+              <a:t>One for AWS CLI</a:t>
             </a:r>
           </a:p>
           <a:p>
             <a:pPr lvl="1"/>
             <a:r>
               <a:rPr lang="en-US" dirty="0"/>
-              <a:t>Scheduler</a:t>
-            </a:r>
-          </a:p>
-          <a:p>
-            <a:pPr lvl="1"/>
-            <a:r>
-              <a:rPr lang="en-US" dirty="0"/>
-              <a:t>API server</a:t>
-            </a:r>
-          </a:p>
-          <a:p>
-            <a:pPr lvl="1"/>
-            <a:r>
-              <a:rPr lang="en-US" dirty="0"/>
-              <a:t>State management(</a:t>
-            </a:r>
-            <a:r>
-              <a:rPr lang="en-US" dirty="0" err="1"/>
-              <a:t>etcd</a:t>
-            </a:r>
-            <a:r>
-              <a:rPr lang="en-US" dirty="0"/>
-              <a:t> internal database)</a:t>
-            </a:r>
-          </a:p>
-          <a:p>
-            <a:r>
-              <a:rPr lang="en-US" dirty="0"/>
-              <a:t>We deployed application images with manifests using </a:t>
+              <a:t>One for </a:t>
             </a:r>
             <a:r>
               <a:rPr lang="en-US" dirty="0" err="1"/>
@@ -3966,30 +3999,29 @@
             </a:r>
             <a:r>
               <a:rPr lang="en-US" dirty="0"/>
-              <a:t> tool</a:t>
-            </a:r>
-          </a:p>
-          <a:p>
-            <a:r>
-              <a:rPr lang="en-US" dirty="0"/>
-              <a:t>Uses Elastic Load Balancer to expose application to world</a:t>
-            </a:r>
-          </a:p>
-          <a:p>
-            <a:r>
-              <a:rPr lang="en-US" dirty="0"/>
-              <a:t>Application is accessible over the Internet</a:t>
-            </a:r>
-          </a:p>
-          <a:p>
-            <a:endParaRPr lang="en-US" dirty="0"/>
+              <a:t> (the cli tool to interact with K8S)</a:t>
+            </a:r>
+          </a:p>
+          <a:p>
+            <a:r>
+              <a:rPr lang="en-US" dirty="0"/>
+              <a:t>Kubernetes manifest files were picked up from S3 bucket and deployed to Kubernetes using </a:t>
+            </a:r>
+            <a:r>
+              <a:rPr lang="en-US" dirty="0" err="1"/>
+              <a:t>kubectl</a:t>
+            </a:r>
+            <a:r>
+              <a:rPr lang="en-US" dirty="0"/>
+              <a:t> tool.</a:t>
+            </a:r>
           </a:p>
         </p:txBody>
       </p:sp>
     </p:spTree>
     <p:extLst>
       <p:ext uri="{BB962C8B-B14F-4D97-AF65-F5344CB8AC3E}">
-        <p14:creationId xmlns:p14="http://schemas.microsoft.com/office/powerpoint/2010/main" val="760934502"/>
+        <p14:creationId xmlns:p14="http://schemas.microsoft.com/office/powerpoint/2010/main" val="941930977"/>
       </p:ext>
     </p:extLst>
   </p:cSld>
@@ -4021,7 +4053,7 @@
           <p:cNvPr id="2" name="Title 1">
             <a:extLst>
               <a:ext uri="{FF2B5EF4-FFF2-40B4-BE49-F238E27FC236}">
-                <a16:creationId xmlns:a16="http://schemas.microsoft.com/office/drawing/2014/main" id="{E4C6F6EE-9603-466D-9568-221C19452D63}"/>
+                <a16:creationId xmlns:a16="http://schemas.microsoft.com/office/drawing/2014/main" xmlns="" id="{BED695F6-7404-420E-8EEB-DC0F42B8822E}"/>
               </a:ext>
             </a:extLst>
           </p:cNvPr>
@@ -4039,7 +4071,7 @@
           <a:p>
             <a:r>
               <a:rPr lang="en-US" dirty="0"/>
-              <a:t>Lambda</a:t>
+              <a:t>Cloud Watch</a:t>
             </a:r>
           </a:p>
         </p:txBody>
@@ -4049,7 +4081,7 @@
           <p:cNvPr id="3" name="Content Placeholder 2">
             <a:extLst>
               <a:ext uri="{FF2B5EF4-FFF2-40B4-BE49-F238E27FC236}">
-                <a16:creationId xmlns:a16="http://schemas.microsoft.com/office/drawing/2014/main" id="{B544E974-E5DA-4EED-AEAE-A3E1180ED804}"/>
+                <a16:creationId xmlns:a16="http://schemas.microsoft.com/office/drawing/2014/main" xmlns="" id="{4917ECD0-A2AF-4121-BA4D-A67B56877323}"/>
               </a:ext>
             </a:extLst>
           </p:cNvPr>
@@ -4067,75 +4099,53 @@
           <a:p>
             <a:r>
               <a:rPr lang="en-US" dirty="0"/>
-              <a:t>Lambda is the serverless service from AWS(Function as a service)</a:t>
-            </a:r>
-          </a:p>
-          <a:p>
-            <a:r>
-              <a:rPr lang="en-US" dirty="0"/>
-              <a:t>It was used in our POC as a bridge between Code pipeline and EKS</a:t>
-            </a:r>
-          </a:p>
-          <a:p>
-            <a:r>
-              <a:rPr lang="en-US" dirty="0"/>
-              <a:t>We created a python Lambda service.</a:t>
-            </a:r>
-          </a:p>
-          <a:p>
-            <a:r>
-              <a:rPr lang="en-US" dirty="0"/>
-              <a:t>Used BOTO3 Python framework to interact with AWS within Python</a:t>
-            </a:r>
-          </a:p>
-          <a:p>
-            <a:r>
-              <a:rPr lang="en-US" dirty="0"/>
-              <a:t>Since we need to interact with EKS, we created two Lambda layers </a:t>
+              <a:t>Cloud Watch service provides logging and monitoring services across all AWS services.</a:t>
+            </a:r>
+          </a:p>
+          <a:p>
+            <a:r>
+              <a:rPr lang="en-US" dirty="0"/>
+              <a:t>Events generated in various services are captured by Cloud Watch and results in triggering of any other configured services.</a:t>
             </a:r>
           </a:p>
           <a:p>
             <a:pPr lvl="1"/>
             <a:r>
               <a:rPr lang="en-US" dirty="0"/>
-              <a:t>One for AWS CLI</a:t>
-            </a:r>
-          </a:p>
-          <a:p>
-            <a:pPr lvl="1"/>
-            <a:r>
-              <a:rPr lang="en-US" dirty="0"/>
-              <a:t>One for </a:t>
+              <a:t>Example :- When Code is </a:t>
             </a:r>
             <a:r>
               <a:rPr lang="en-US" dirty="0" err="1"/>
-              <a:t>kubectl</a:t>
-            </a:r>
-            <a:r>
-              <a:rPr lang="en-US" dirty="0"/>
-              <a:t> (the cli tool to interact with K8S)</a:t>
-            </a:r>
-          </a:p>
-          <a:p>
-            <a:r>
-              <a:rPr lang="en-US" dirty="0"/>
-              <a:t>Kubernetes manifest files were picked up from S3 bucket and deployed to Kubernetes using </a:t>
+              <a:t>commited</a:t>
+            </a:r>
+            <a:r>
+              <a:rPr lang="en-US" dirty="0"/>
+              <a:t>/merged in Code Commit, Cloud Watch is responsible for triggering a automatic build in Code Pipeline.</a:t>
+            </a:r>
+          </a:p>
+          <a:p>
+            <a:r>
+              <a:rPr lang="en-US" dirty="0"/>
+              <a:t>Also code pipeline build logs, echo statements in Lambda functions, etc.. are captured and viewable in </a:t>
             </a:r>
             <a:r>
               <a:rPr lang="en-US" dirty="0" err="1"/>
-              <a:t>kubectl</a:t>
-            </a:r>
-            <a:r>
-              <a:rPr lang="en-US" dirty="0"/>
-              <a:t> tool.</a:t>
-            </a:r>
+              <a:t>cloudwatch</a:t>
+            </a:r>
+            <a:r>
+              <a:rPr lang="en-US" dirty="0"/>
+              <a:t> portal</a:t>
+            </a:r>
+          </a:p>
+          <a:p>
+            <a:endParaRPr lang="en-US" dirty="0"/>
           </a:p>
         </p:txBody>
       </p:sp>
     </p:spTree>
     <p:extLst>
       <p:ext uri="{BB962C8B-B14F-4D97-AF65-F5344CB8AC3E}">
-        <p14:creationId xmlns:p14="http://schemas.microsoft.com/office/powerpoint/2010/main" val="941930977"/>
+        <p14:creationId xmlns:p14="http://schemas.microsoft.com/office/powerpoint/2010/main" val="2265411698"/>
       </p:ext>
     </p:extLst>
   </p:cSld>
@@ -4167,7 +4177,7 @@
           <p:cNvPr id="2" name="Title 1">
             <a:extLst>
               <a:ext uri="{FF2B5EF4-FFF2-40B4-BE49-F238E27FC236}">
-                <a16:creationId xmlns:a16="http://schemas.microsoft.com/office/drawing/2014/main" id="{BED695F6-7404-420E-8EEB-DC0F42B8822E}"/>
+                <a16:creationId xmlns:a16="http://schemas.microsoft.com/office/drawing/2014/main" xmlns="" id="{FDC4063E-3B27-44FE-9100-0AF58131BDFA}"/>
               </a:ext>
             </a:extLst>
           </p:cNvPr>
@@ -4185,7 +4195,7 @@
           <a:p>
             <a:r>
               <a:rPr lang="en-US" dirty="0"/>
-              <a:t>Cloud Watch</a:t>
+              <a:t>S3 - Simple Storage Service</a:t>
             </a:r>
           </a:p>
         </p:txBody>
@@ -4195,7 +4205,7 @@
           <p:cNvPr id="3" name="Content Placeholder 2">
             <a:extLst>
               <a:ext uri="{FF2B5EF4-FFF2-40B4-BE49-F238E27FC236}">
-                <a16:creationId xmlns:a16="http://schemas.microsoft.com/office/drawing/2014/main" id="{4917ECD0-A2AF-4121-BA4D-A67B56877323}"/>
+                <a16:creationId xmlns:a16="http://schemas.microsoft.com/office/drawing/2014/main" xmlns="" id="{3A32E2DE-5EA3-4B76-8E32-4FF596942D2D}"/>
               </a:ext>
             </a:extLst>
           </p:cNvPr>
@@ -4213,53 +4223,43 @@
           <a:p>
             <a:r>
               <a:rPr lang="en-US" dirty="0"/>
-              <a:t>Cloud Watch service provides logging and monitoring services across all AWS services.</a:t>
-            </a:r>
-          </a:p>
-          <a:p>
-            <a:r>
-              <a:rPr lang="en-US" dirty="0"/>
-              <a:t>Events generated in various services are captured by Cloud Watch and results in triggering of any other configured services.</a:t>
+              <a:t>S3 is the “persistent hard disk” service provided by AWS</a:t>
+            </a:r>
+          </a:p>
+          <a:p>
+            <a:r>
+              <a:rPr lang="en-US" dirty="0"/>
+              <a:t>S3 is explicitly and implicitly used by different services</a:t>
             </a:r>
           </a:p>
           <a:p>
             <a:pPr lvl="1"/>
             <a:r>
               <a:rPr lang="en-US" dirty="0"/>
-              <a:t>Example :- When Code is </a:t>
+              <a:t>Artifacts exchanged between different stages of code pipeline uses S3 are intermediate storage (implicit usage)</a:t>
+            </a:r>
+          </a:p>
+          <a:p>
+            <a:pPr lvl="1"/>
+            <a:r>
+              <a:rPr lang="en-US" dirty="0"/>
+              <a:t>For Deployment to EKS, </a:t>
             </a:r>
             <a:r>
               <a:rPr lang="en-US" dirty="0" err="1"/>
-              <a:t>commited</a:t>
-            </a:r>
-            <a:r>
-              <a:rPr lang="en-US" dirty="0"/>
-              <a:t>/merged in Code Commit, Cloud Watch is responsible for triggering a automatic build in Code Pipeline.</a:t>
-            </a:r>
-          </a:p>
-          <a:p>
-            <a:r>
-              <a:rPr lang="en-US" dirty="0"/>
-              <a:t>Also code pipeline build logs, echo statements in Lambda functions, etc.. are captured and viewable in </a:t>
-            </a:r>
-            <a:r>
-              <a:rPr lang="en-US" dirty="0" err="1"/>
-              <a:t>cloudwatch</a:t>
-            </a:r>
-            <a:r>
-              <a:rPr lang="en-US" dirty="0"/>
-              <a:t> portal</a:t>
-            </a:r>
-          </a:p>
-          <a:p>
-            <a:endParaRPr lang="en-US" dirty="0"/>
+              <a:t>kubernetes</a:t>
+            </a:r>
+            <a:r>
+              <a:rPr lang="en-US" dirty="0"/>
+              <a:t> manifests are stored temporarily to S3.  It is then picked up by Lambda function and processed(explicit usage).</a:t>
+            </a:r>
           </a:p>
         </p:txBody>
       </p:sp>
     </p:spTree>
     <p:extLst>
       <p:ext uri="{BB962C8B-B14F-4D97-AF65-F5344CB8AC3E}">
-        <p14:creationId xmlns:p14="http://schemas.microsoft.com/office/powerpoint/2010/main" val="2265411698"/>
+        <p14:creationId xmlns:p14="http://schemas.microsoft.com/office/powerpoint/2010/main" val="1802029727"/>
       </p:ext>
     </p:extLst>
   </p:cSld>
@@ -4291,7 +4291,7 @@
           <p:cNvPr id="2" name="Title 1">
             <a:extLst>
               <a:ext uri="{FF2B5EF4-FFF2-40B4-BE49-F238E27FC236}">
-                <a16:creationId xmlns:a16="http://schemas.microsoft.com/office/drawing/2014/main" id="{FDC4063E-3B27-44FE-9100-0AF58131BDFA}"/>
+                <a16:creationId xmlns:a16="http://schemas.microsoft.com/office/drawing/2014/main" xmlns="" id="{E9409C4B-A069-43CD-97BC-CB8FECCBFDAA}"/>
               </a:ext>
             </a:extLst>
           </p:cNvPr>
@@ -4309,7 +4309,7 @@
           <a:p>
             <a:r>
               <a:rPr lang="en-US" dirty="0"/>
-              <a:t>S3 - Simple Storage Service</a:t>
+              <a:t>Automation/Scripting</a:t>
             </a:r>
           </a:p>
         </p:txBody>
@@ -4319,121 +4319,7 @@
           <p:cNvPr id="3" name="Content Placeholder 2">
             <a:extLst>
               <a:ext uri="{FF2B5EF4-FFF2-40B4-BE49-F238E27FC236}">
-                <a16:creationId xmlns:a16="http://schemas.microsoft.com/office/drawing/2014/main" id="{3A32E2DE-5EA3-4B76-8E32-4FF596942D2D}"/>
-              </a:ext>
-            </a:extLst>
-          </p:cNvPr>
-          <p:cNvSpPr>
-            <a:spLocks noGrp="1"/>
-          </p:cNvSpPr>
-          <p:nvPr>
-            <p:ph idx="1"/>
-          </p:nvPr>
-        </p:nvSpPr>
-        <p:spPr/>
-        <p:txBody>
-          <a:bodyPr/>
-          <a:lstStyle/>
-          <a:p>
-            <a:r>
-              <a:rPr lang="en-US" dirty="0"/>
-              <a:t>S3 is the “persistent hard disk” service provided by AWS</a:t>
-            </a:r>
-          </a:p>
-          <a:p>
-            <a:r>
-              <a:rPr lang="en-US" dirty="0"/>
-              <a:t>S3 is explicitly and implicitly used by different services</a:t>
-            </a:r>
-          </a:p>
-          <a:p>
-            <a:pPr lvl="1"/>
-            <a:r>
-              <a:rPr lang="en-US" dirty="0"/>
-              <a:t>Artifacts exchanged between different stages of code pipeline uses S3 are intermediate storage (implicit usage)</a:t>
-            </a:r>
-          </a:p>
-          <a:p>
-            <a:pPr lvl="1"/>
-            <a:r>
-              <a:rPr lang="en-US" dirty="0"/>
-              <a:t>For Deployment to EKS, </a:t>
-            </a:r>
-            <a:r>
-              <a:rPr lang="en-US" dirty="0" err="1"/>
-              <a:t>kubernetes</a:t>
-            </a:r>
-            <a:r>
-              <a:rPr lang="en-US" dirty="0"/>
-              <a:t> manifests are stored temporarily to S3.  It is then picked up by Lambda function and processed(explicit usage).</a:t>
-            </a:r>
-          </a:p>
-        </p:txBody>
-      </p:sp>
-    </p:spTree>
-    <p:extLst>
-      <p:ext uri="{BB962C8B-B14F-4D97-AF65-F5344CB8AC3E}">
-        <p14:creationId xmlns:p14="http://schemas.microsoft.com/office/powerpoint/2010/main" val="1802029727"/>
-      </p:ext>
-    </p:extLst>
-  </p:cSld>
-  <p:clrMapOvr>
-    <a:masterClrMapping/>
-  </p:clrMapOvr>
-</p:sld>
-</file>
-
-<file path=ppt/slides/slide17.xml><?xml version="1.0" encoding="utf-8"?>
-<p:sld xmlns:a="http://schemas.openxmlformats.org/drawingml/2006/main" xmlns:r="http://schemas.openxmlformats.org/officeDocument/2006/relationships" xmlns:p="http://schemas.openxmlformats.org/presentationml/2006/main">
-  <p:cSld>
-    <p:spTree>
-      <p:nvGrpSpPr>
-        <p:cNvPr id="1" name=""/>
-        <p:cNvGrpSpPr/>
-        <p:nvPr/>
-      </p:nvGrpSpPr>
-      <p:grpSpPr>
-        <a:xfrm>
-          <a:off x="0" y="0"/>
-          <a:ext cx="0" cy="0"/>
-          <a:chOff x="0" y="0"/>
-          <a:chExt cx="0" cy="0"/>
-        </a:xfrm>
-      </p:grpSpPr>
-      <p:sp>
-        <p:nvSpPr>
-          <p:cNvPr id="2" name="Title 1">
-            <a:extLst>
-              <a:ext uri="{FF2B5EF4-FFF2-40B4-BE49-F238E27FC236}">
-                <a16:creationId xmlns:a16="http://schemas.microsoft.com/office/drawing/2014/main" id="{E9409C4B-A069-43CD-97BC-CB8FECCBFDAA}"/>
-              </a:ext>
-            </a:extLst>
-          </p:cNvPr>
-          <p:cNvSpPr>
-            <a:spLocks noGrp="1"/>
-          </p:cNvSpPr>
-          <p:nvPr>
-            <p:ph type="title"/>
-          </p:nvPr>
-        </p:nvSpPr>
-        <p:spPr/>
-        <p:txBody>
-          <a:bodyPr/>
-          <a:lstStyle/>
-          <a:p>
-            <a:r>
-              <a:rPr lang="en-US" dirty="0"/>
-              <a:t>Automation/Scripting</a:t>
-            </a:r>
-          </a:p>
-        </p:txBody>
-      </p:sp>
-      <p:sp>
-        <p:nvSpPr>
-          <p:cNvPr id="3" name="Content Placeholder 2">
-            <a:extLst>
-              <a:ext uri="{FF2B5EF4-FFF2-40B4-BE49-F238E27FC236}">
-                <a16:creationId xmlns:a16="http://schemas.microsoft.com/office/drawing/2014/main" id="{332BB75B-34BD-4B99-87D6-59EC2C53B6AE}"/>
+                <a16:creationId xmlns:a16="http://schemas.microsoft.com/office/drawing/2014/main" xmlns="" id="{332BB75B-34BD-4B99-87D6-59EC2C53B6AE}"/>
               </a:ext>
             </a:extLst>
           </p:cNvPr>
@@ -4517,7 +4403,7 @@
           <p:cNvPr id="2" name="Title 1">
             <a:extLst>
               <a:ext uri="{FF2B5EF4-FFF2-40B4-BE49-F238E27FC236}">
-                <a16:creationId xmlns:a16="http://schemas.microsoft.com/office/drawing/2014/main" id="{F6B9FDFE-7E96-4DA0-B868-A8040D4D772D}"/>
+                <a16:creationId xmlns:a16="http://schemas.microsoft.com/office/drawing/2014/main" xmlns="" id="{F6B9FDFE-7E96-4DA0-B868-A8040D4D772D}"/>
               </a:ext>
             </a:extLst>
           </p:cNvPr>
@@ -4545,7 +4431,7 @@
           <p:cNvPr id="3" name="Content Placeholder 2">
             <a:extLst>
               <a:ext uri="{FF2B5EF4-FFF2-40B4-BE49-F238E27FC236}">
-                <a16:creationId xmlns:a16="http://schemas.microsoft.com/office/drawing/2014/main" id="{321C7ED4-6538-4662-96AD-21CBD8C2D845}"/>
+                <a16:creationId xmlns:a16="http://schemas.microsoft.com/office/drawing/2014/main" xmlns="" id="{321C7ED4-6538-4662-96AD-21CBD8C2D845}"/>
               </a:ext>
             </a:extLst>
           </p:cNvPr>
@@ -4609,7 +4495,7 @@
           <p:cNvPr id="2" name="Title 1">
             <a:extLst>
               <a:ext uri="{FF2B5EF4-FFF2-40B4-BE49-F238E27FC236}">
-                <a16:creationId xmlns:a16="http://schemas.microsoft.com/office/drawing/2014/main" id="{690F3E44-99DA-4250-A5D3-67E3932079BE}"/>
+                <a16:creationId xmlns:a16="http://schemas.microsoft.com/office/drawing/2014/main" xmlns="" id="{690F3E44-99DA-4250-A5D3-67E3932079BE}"/>
               </a:ext>
             </a:extLst>
           </p:cNvPr>
@@ -4637,7 +4523,7 @@
           <p:cNvPr id="3" name="Content Placeholder 2">
             <a:extLst>
               <a:ext uri="{FF2B5EF4-FFF2-40B4-BE49-F238E27FC236}">
-                <a16:creationId xmlns:a16="http://schemas.microsoft.com/office/drawing/2014/main" id="{2DE34D32-3517-46CE-B703-FD62E0F82ACC}"/>
+                <a16:creationId xmlns:a16="http://schemas.microsoft.com/office/drawing/2014/main" xmlns="" id="{2DE34D32-3517-46CE-B703-FD62E0F82ACC}"/>
               </a:ext>
             </a:extLst>
           </p:cNvPr>
@@ -4750,7 +4636,7 @@
           <p:cNvPr id="2" name="Title 1">
             <a:extLst>
               <a:ext uri="{FF2B5EF4-FFF2-40B4-BE49-F238E27FC236}">
-                <a16:creationId xmlns:a16="http://schemas.microsoft.com/office/drawing/2014/main" id="{0A7754BC-3B24-4FD1-97FA-2CC2E2069CA9}"/>
+                <a16:creationId xmlns:a16="http://schemas.microsoft.com/office/drawing/2014/main" xmlns="" id="{0A7754BC-3B24-4FD1-97FA-2CC2E2069CA9}"/>
               </a:ext>
             </a:extLst>
           </p:cNvPr>
@@ -4779,7 +4665,7 @@
           <p:cNvPr id="3" name="Content Placeholder 2">
             <a:extLst>
               <a:ext uri="{FF2B5EF4-FFF2-40B4-BE49-F238E27FC236}">
-                <a16:creationId xmlns:a16="http://schemas.microsoft.com/office/drawing/2014/main" id="{E486AF2C-F6BF-47CF-9C7D-A1D34A9681EA}"/>
+                <a16:creationId xmlns:a16="http://schemas.microsoft.com/office/drawing/2014/main" xmlns="" id="{E486AF2C-F6BF-47CF-9C7D-A1D34A9681EA}"/>
               </a:ext>
             </a:extLst>
           </p:cNvPr>
@@ -4810,7 +4696,7 @@
           <p:cNvPr id="4" name="Picture 3">
             <a:extLst>
               <a:ext uri="{FF2B5EF4-FFF2-40B4-BE49-F238E27FC236}">
-                <a16:creationId xmlns:a16="http://schemas.microsoft.com/office/drawing/2014/main" id="{C50C0930-2647-4BCE-86E7-A70F3788C0B7}"/>
+                <a16:creationId xmlns:a16="http://schemas.microsoft.com/office/drawing/2014/main" xmlns="" id="{C50C0930-2647-4BCE-86E7-A70F3788C0B7}"/>
               </a:ext>
             </a:extLst>
           </p:cNvPr>
@@ -4867,89 +4753,10 @@
       </p:grpSpPr>
       <p:sp>
         <p:nvSpPr>
-          <p:cNvPr id="2" name="Title 1"/>
-          <p:cNvSpPr>
-            <a:spLocks noGrp="1"/>
-          </p:cNvSpPr>
-          <p:nvPr>
-            <p:ph type="title"/>
-          </p:nvPr>
-        </p:nvSpPr>
-        <p:spPr/>
-        <p:txBody>
-          <a:bodyPr/>
-          <a:lstStyle/>
-          <a:p>
-            <a:pPr algn="ctr"/>
-            <a:r>
-              <a:rPr lang="en-US" dirty="0"/>
-              <a:t>Interaction between Services</a:t>
-            </a:r>
-          </a:p>
-        </p:txBody>
-      </p:sp>
-      <p:pic>
-        <p:nvPicPr>
-          <p:cNvPr id="4" name="Content Placeholder 3"/>
-          <p:cNvPicPr>
-            <a:picLocks noGrp="1" noChangeAspect="1"/>
-          </p:cNvPicPr>
-          <p:nvPr>
-            <p:ph idx="1"/>
-          </p:nvPr>
-        </p:nvPicPr>
-        <p:blipFill>
-          <a:blip r:embed="rId2"/>
-          <a:stretch>
-            <a:fillRect/>
-          </a:stretch>
-        </p:blipFill>
-        <p:spPr>
-          <a:xfrm>
-            <a:off x="3900250" y="1395741"/>
-            <a:ext cx="5644707" cy="6810520"/>
-          </a:xfrm>
-          <a:prstGeom prst="rect">
-            <a:avLst/>
-          </a:prstGeom>
-        </p:spPr>
-      </p:pic>
-    </p:spTree>
-    <p:extLst>
-      <p:ext uri="{BB962C8B-B14F-4D97-AF65-F5344CB8AC3E}">
-        <p14:creationId xmlns:p14="http://schemas.microsoft.com/office/powerpoint/2010/main" val="800269789"/>
-      </p:ext>
-    </p:extLst>
-  </p:cSld>
-  <p:clrMapOvr>
-    <a:masterClrMapping/>
-  </p:clrMapOvr>
-</p:sld>
-</file>
-
-<file path=ppt/slides/slide6.xml><?xml version="1.0" encoding="utf-8"?>
-<p:sld xmlns:a="http://schemas.openxmlformats.org/drawingml/2006/main" xmlns:r="http://schemas.openxmlformats.org/officeDocument/2006/relationships" xmlns:p="http://schemas.openxmlformats.org/presentationml/2006/main">
-  <p:cSld>
-    <p:spTree>
-      <p:nvGrpSpPr>
-        <p:cNvPr id="1" name=""/>
-        <p:cNvGrpSpPr/>
-        <p:nvPr/>
-      </p:nvGrpSpPr>
-      <p:grpSpPr>
-        <a:xfrm>
-          <a:off x="0" y="0"/>
-          <a:ext cx="0" cy="0"/>
-          <a:chOff x="0" y="0"/>
-          <a:chExt cx="0" cy="0"/>
-        </a:xfrm>
-      </p:grpSpPr>
-      <p:sp>
-        <p:nvSpPr>
           <p:cNvPr id="3" name="Cloud 2">
             <a:extLst>
               <a:ext uri="{FF2B5EF4-FFF2-40B4-BE49-F238E27FC236}">
-                <a16:creationId xmlns:a16="http://schemas.microsoft.com/office/drawing/2014/main" id="{559817FA-7915-437E-B60F-5FA9C3A0C439}"/>
+                <a16:creationId xmlns:a16="http://schemas.microsoft.com/office/drawing/2014/main" xmlns="" id="{559817FA-7915-437E-B60F-5FA9C3A0C439}"/>
               </a:ext>
             </a:extLst>
           </p:cNvPr>
@@ -4993,7 +4800,7 @@
           <p:cNvPr id="15" name="Flowchart: Predefined Process 14">
             <a:extLst>
               <a:ext uri="{FF2B5EF4-FFF2-40B4-BE49-F238E27FC236}">
-                <a16:creationId xmlns:a16="http://schemas.microsoft.com/office/drawing/2014/main" id="{9897B5D4-A147-435B-8394-BCC21FF27971}"/>
+                <a16:creationId xmlns:a16="http://schemas.microsoft.com/office/drawing/2014/main" xmlns="" id="{9897B5D4-A147-435B-8394-BCC21FF27971}"/>
               </a:ext>
             </a:extLst>
           </p:cNvPr>
@@ -5037,7 +4844,7 @@
           <p:cNvPr id="2" name="Title 1">
             <a:extLst>
               <a:ext uri="{FF2B5EF4-FFF2-40B4-BE49-F238E27FC236}">
-                <a16:creationId xmlns:a16="http://schemas.microsoft.com/office/drawing/2014/main" id="{D93D9D49-3BFB-43D8-BE22-EDAB0AC4379E}"/>
+                <a16:creationId xmlns:a16="http://schemas.microsoft.com/office/drawing/2014/main" xmlns="" id="{D93D9D49-3BFB-43D8-BE22-EDAB0AC4379E}"/>
               </a:ext>
             </a:extLst>
           </p:cNvPr>
@@ -5065,7 +4872,7 @@
           <p:cNvPr id="5" name="Content Placeholder 4">
             <a:extLst>
               <a:ext uri="{FF2B5EF4-FFF2-40B4-BE49-F238E27FC236}">
-                <a16:creationId xmlns:a16="http://schemas.microsoft.com/office/drawing/2014/main" id="{990F633C-D35C-407B-917F-800B3B481D40}"/>
+                <a16:creationId xmlns:a16="http://schemas.microsoft.com/office/drawing/2014/main" xmlns="" id="{990F633C-D35C-407B-917F-800B3B481D40}"/>
               </a:ext>
             </a:extLst>
           </p:cNvPr>
@@ -5096,7 +4903,7 @@
           <p:cNvPr id="11" name="Cylinder 10">
             <a:extLst>
               <a:ext uri="{FF2B5EF4-FFF2-40B4-BE49-F238E27FC236}">
-                <a16:creationId xmlns:a16="http://schemas.microsoft.com/office/drawing/2014/main" id="{30C69C78-BDBF-4CFA-8206-F73196E9C69C}"/>
+                <a16:creationId xmlns:a16="http://schemas.microsoft.com/office/drawing/2014/main" xmlns="" id="{30C69C78-BDBF-4CFA-8206-F73196E9C69C}"/>
               </a:ext>
             </a:extLst>
           </p:cNvPr>
@@ -5143,7 +4950,7 @@
           <p:cNvPr id="12" name="Flowchart: Predefined Process 11">
             <a:extLst>
               <a:ext uri="{FF2B5EF4-FFF2-40B4-BE49-F238E27FC236}">
-                <a16:creationId xmlns:a16="http://schemas.microsoft.com/office/drawing/2014/main" id="{17D7A88B-26F5-4635-BB57-2A715CC0E933}"/>
+                <a16:creationId xmlns:a16="http://schemas.microsoft.com/office/drawing/2014/main" xmlns="" id="{17D7A88B-26F5-4635-BB57-2A715CC0E933}"/>
               </a:ext>
             </a:extLst>
           </p:cNvPr>
@@ -5205,7 +5012,7 @@
           <p:cNvPr id="13" name="Flowchart: Predefined Process 12">
             <a:extLst>
               <a:ext uri="{FF2B5EF4-FFF2-40B4-BE49-F238E27FC236}">
-                <a16:creationId xmlns:a16="http://schemas.microsoft.com/office/drawing/2014/main" id="{ED22EA2C-0A38-4491-BE95-082918366E9F}"/>
+                <a16:creationId xmlns:a16="http://schemas.microsoft.com/office/drawing/2014/main" xmlns="" id="{ED22EA2C-0A38-4491-BE95-082918366E9F}"/>
               </a:ext>
             </a:extLst>
           </p:cNvPr>
@@ -5267,7 +5074,7 @@
           <p:cNvPr id="14" name="Flowchart: Predefined Process 13">
             <a:extLst>
               <a:ext uri="{FF2B5EF4-FFF2-40B4-BE49-F238E27FC236}">
-                <a16:creationId xmlns:a16="http://schemas.microsoft.com/office/drawing/2014/main" id="{8D4E13AA-B6AF-4B1B-98E8-FEC0AC46C4D2}"/>
+                <a16:creationId xmlns:a16="http://schemas.microsoft.com/office/drawing/2014/main" xmlns="" id="{8D4E13AA-B6AF-4B1B-98E8-FEC0AC46C4D2}"/>
               </a:ext>
             </a:extLst>
           </p:cNvPr>
@@ -5321,7 +5128,7 @@
           <p:cNvPr id="17" name="Cylinder 16">
             <a:extLst>
               <a:ext uri="{FF2B5EF4-FFF2-40B4-BE49-F238E27FC236}">
-                <a16:creationId xmlns:a16="http://schemas.microsoft.com/office/drawing/2014/main" id="{19948A80-11E8-4FE1-AF32-A98DF01418EA}"/>
+                <a16:creationId xmlns:a16="http://schemas.microsoft.com/office/drawing/2014/main" xmlns="" id="{19948A80-11E8-4FE1-AF32-A98DF01418EA}"/>
               </a:ext>
             </a:extLst>
           </p:cNvPr>
@@ -5373,7 +5180,7 @@
           <p:cNvPr id="19" name="Straight Arrow Connector 18">
             <a:extLst>
               <a:ext uri="{FF2B5EF4-FFF2-40B4-BE49-F238E27FC236}">
-                <a16:creationId xmlns:a16="http://schemas.microsoft.com/office/drawing/2014/main" id="{11E0C31D-3695-4A81-80C4-0217431D781F}"/>
+                <a16:creationId xmlns:a16="http://schemas.microsoft.com/office/drawing/2014/main" xmlns="" id="{11E0C31D-3695-4A81-80C4-0217431D781F}"/>
               </a:ext>
             </a:extLst>
           </p:cNvPr>
@@ -5412,7 +5219,7 @@
           <p:cNvPr id="21" name="Straight Arrow Connector 20">
             <a:extLst>
               <a:ext uri="{FF2B5EF4-FFF2-40B4-BE49-F238E27FC236}">
-                <a16:creationId xmlns:a16="http://schemas.microsoft.com/office/drawing/2014/main" id="{FC78DBFC-22BF-4FC5-99E3-9157EB2320D6}"/>
+                <a16:creationId xmlns:a16="http://schemas.microsoft.com/office/drawing/2014/main" xmlns="" id="{FC78DBFC-22BF-4FC5-99E3-9157EB2320D6}"/>
               </a:ext>
             </a:extLst>
           </p:cNvPr>
@@ -5451,7 +5258,7 @@
           <p:cNvPr id="23" name="Straight Arrow Connector 22">
             <a:extLst>
               <a:ext uri="{FF2B5EF4-FFF2-40B4-BE49-F238E27FC236}">
-                <a16:creationId xmlns:a16="http://schemas.microsoft.com/office/drawing/2014/main" id="{EC42312D-1B24-42CA-A510-16F038DA5A56}"/>
+                <a16:creationId xmlns:a16="http://schemas.microsoft.com/office/drawing/2014/main" xmlns="" id="{EC42312D-1B24-42CA-A510-16F038DA5A56}"/>
               </a:ext>
             </a:extLst>
           </p:cNvPr>
@@ -5500,6 +5307,132 @@
 </p:sld>
 </file>
 
+<file path=ppt/slides/slide6.xml><?xml version="1.0" encoding="utf-8"?>
+<p:sld xmlns:a="http://schemas.openxmlformats.org/drawingml/2006/main" xmlns:r="http://schemas.openxmlformats.org/officeDocument/2006/relationships" xmlns:p="http://schemas.openxmlformats.org/presentationml/2006/main">
+  <p:cSld>
+    <p:spTree>
+      <p:nvGrpSpPr>
+        <p:cNvPr id="1" name=""/>
+        <p:cNvGrpSpPr/>
+        <p:nvPr/>
+      </p:nvGrpSpPr>
+      <p:grpSpPr>
+        <a:xfrm>
+          <a:off x="0" y="0"/>
+          <a:ext cx="0" cy="0"/>
+          <a:chOff x="0" y="0"/>
+          <a:chExt cx="0" cy="0"/>
+        </a:xfrm>
+      </p:grpSpPr>
+      <p:sp>
+        <p:nvSpPr>
+          <p:cNvPr id="2" name="Title 1">
+            <a:extLst>
+              <a:ext uri="{FF2B5EF4-FFF2-40B4-BE49-F238E27FC236}">
+                <a16:creationId xmlns:a16="http://schemas.microsoft.com/office/drawing/2014/main" xmlns="" id="{91C996E4-00E6-40D0-9F06-9592ACE38C81}"/>
+              </a:ext>
+            </a:extLst>
+          </p:cNvPr>
+          <p:cNvSpPr>
+            <a:spLocks noGrp="1"/>
+          </p:cNvSpPr>
+          <p:nvPr>
+            <p:ph type="title"/>
+          </p:nvPr>
+        </p:nvSpPr>
+        <p:spPr/>
+        <p:txBody>
+          <a:bodyPr/>
+          <a:lstStyle/>
+          <a:p>
+            <a:r>
+              <a:rPr lang="en-US" dirty="0"/>
+              <a:t>IAM (Identity and Access Management)</a:t>
+            </a:r>
+          </a:p>
+        </p:txBody>
+      </p:sp>
+      <p:sp>
+        <p:nvSpPr>
+          <p:cNvPr id="3" name="Content Placeholder 2">
+            <a:extLst>
+              <a:ext uri="{FF2B5EF4-FFF2-40B4-BE49-F238E27FC236}">
+                <a16:creationId xmlns:a16="http://schemas.microsoft.com/office/drawing/2014/main" xmlns="" id="{284BDDB1-6ECE-4354-B3DA-0C16A4EF0241}"/>
+              </a:ext>
+            </a:extLst>
+          </p:cNvPr>
+          <p:cNvSpPr>
+            <a:spLocks noGrp="1"/>
+          </p:cNvSpPr>
+          <p:nvPr>
+            <p:ph idx="1"/>
+          </p:nvPr>
+        </p:nvSpPr>
+        <p:spPr/>
+        <p:txBody>
+          <a:bodyPr/>
+          <a:lstStyle/>
+          <a:p>
+            <a:r>
+              <a:rPr lang="en-US" dirty="0"/>
+              <a:t>Created </a:t>
+            </a:r>
+            <a:r>
+              <a:rPr lang="en-US" dirty="0" err="1"/>
+              <a:t>userid</a:t>
+            </a:r>
+            <a:r>
+              <a:rPr lang="en-US" dirty="0"/>
+              <a:t> for team members</a:t>
+            </a:r>
+          </a:p>
+          <a:p>
+            <a:r>
+              <a:rPr lang="en-US" dirty="0"/>
+              <a:t>Created Roles, Policies, Security Group, </a:t>
+            </a:r>
+            <a:r>
+              <a:rPr lang="en-US" dirty="0" err="1"/>
+              <a:t>KeyPairs</a:t>
+            </a:r>
+            <a:endParaRPr lang="en-US" dirty="0"/>
+          </a:p>
+          <a:p>
+            <a:r>
+              <a:rPr lang="en-US" dirty="0"/>
+              <a:t>Assigned IAM roles for Code Commit, Code Build, Code Pipeline full Access</a:t>
+            </a:r>
+          </a:p>
+          <a:p>
+            <a:r>
+              <a:rPr lang="en-US" dirty="0"/>
+              <a:t>Generated GIT credentials for all team members</a:t>
+            </a:r>
+          </a:p>
+          <a:p>
+            <a:r>
+              <a:rPr lang="en-US" dirty="0"/>
+              <a:t>Created all the roles and policies required for services to service interaction.</a:t>
+            </a:r>
+          </a:p>
+          <a:p>
+            <a:endParaRPr lang="en-US" dirty="0"/>
+          </a:p>
+        </p:txBody>
+      </p:sp>
+    </p:spTree>
+    <p:extLst>
+      <p:ext uri="{BB962C8B-B14F-4D97-AF65-F5344CB8AC3E}">
+        <p14:creationId xmlns:p14="http://schemas.microsoft.com/office/powerpoint/2010/main" val="203647701"/>
+      </p:ext>
+    </p:extLst>
+  </p:cSld>
+  <p:clrMapOvr>
+    <a:masterClrMapping/>
+  </p:clrMapOvr>
+</p:sld>
+</file>
+
 <file path=ppt/slides/slide7.xml><?xml version="1.0" encoding="utf-8"?>
 <p:sld xmlns:a="http://schemas.openxmlformats.org/drawingml/2006/main" xmlns:r="http://schemas.openxmlformats.org/officeDocument/2006/relationships" xmlns:p="http://schemas.openxmlformats.org/presentationml/2006/main">
   <p:cSld>
@@ -5522,7 +5455,7 @@
           <p:cNvPr id="2" name="Title 1">
             <a:extLst>
               <a:ext uri="{FF2B5EF4-FFF2-40B4-BE49-F238E27FC236}">
-                <a16:creationId xmlns:a16="http://schemas.microsoft.com/office/drawing/2014/main" id="{91C996E4-00E6-40D0-9F06-9592ACE38C81}"/>
+                <a16:creationId xmlns:a16="http://schemas.microsoft.com/office/drawing/2014/main" xmlns="" id="{5AE1114E-F0D9-47FD-8CAE-3A03F22D5AF3}"/>
               </a:ext>
             </a:extLst>
           </p:cNvPr>
@@ -5540,7 +5473,7 @@
           <a:p>
             <a:r>
               <a:rPr lang="en-US" dirty="0"/>
-              <a:t>IAM (Identity and Access Management)</a:t>
+              <a:t>Code Commit</a:t>
             </a:r>
           </a:p>
         </p:txBody>
@@ -5550,7 +5483,7 @@
           <p:cNvPr id="3" name="Content Placeholder 2">
             <a:extLst>
               <a:ext uri="{FF2B5EF4-FFF2-40B4-BE49-F238E27FC236}">
-                <a16:creationId xmlns:a16="http://schemas.microsoft.com/office/drawing/2014/main" id="{284BDDB1-6ECE-4354-B3DA-0C16A4EF0241}"/>
+                <a16:creationId xmlns:a16="http://schemas.microsoft.com/office/drawing/2014/main" xmlns="" id="{DEAA5D04-DAE7-41CE-A89C-DC6EAC04A6BE}"/>
               </a:ext>
             </a:extLst>
           </p:cNvPr>
@@ -5568,55 +5501,49 @@
           <a:p>
             <a:r>
               <a:rPr lang="en-US" dirty="0"/>
-              <a:t>Created </a:t>
+              <a:t>Code Commit is the AWS service which provides GIT repository</a:t>
+            </a:r>
+          </a:p>
+          <a:p>
+            <a:r>
+              <a:rPr lang="en-US" dirty="0"/>
+              <a:t>Created git repository “ss-</a:t>
             </a:r>
             <a:r>
               <a:rPr lang="en-US" dirty="0" err="1"/>
-              <a:t>userid</a:t>
-            </a:r>
-            <a:r>
-              <a:rPr lang="en-US" dirty="0"/>
-              <a:t> for team members</a:t>
-            </a:r>
-          </a:p>
-          <a:p>
-            <a:r>
-              <a:rPr lang="en-US" dirty="0"/>
-              <a:t>Created Roles, Policies, Security Group, </a:t>
+              <a:t>poc</a:t>
+            </a:r>
+            <a:r>
+              <a:rPr lang="en-US" dirty="0"/>
+              <a:t>-repo”</a:t>
+            </a:r>
+          </a:p>
+          <a:p>
+            <a:r>
+              <a:rPr lang="en-US" dirty="0"/>
+              <a:t>Assigned policies to users to access “ss-</a:t>
             </a:r>
             <a:r>
               <a:rPr lang="en-US" dirty="0" err="1"/>
-              <a:t>KeyPairs</a:t>
-            </a:r>
-            <a:endParaRPr lang="en-US" dirty="0"/>
-          </a:p>
-          <a:p>
-            <a:r>
-              <a:rPr lang="en-US" dirty="0"/>
-              <a:t>Assigned IAM roles for Code Commit, Code Build, Code Pipeline full Access</a:t>
-            </a:r>
-          </a:p>
-          <a:p>
-            <a:r>
-              <a:rPr lang="en-US" dirty="0"/>
-              <a:t>Generated GIT credentials for all team members</a:t>
-            </a:r>
-          </a:p>
-          <a:p>
-            <a:r>
-              <a:rPr lang="en-US" dirty="0"/>
-              <a:t>Created all the roles and policies required for services to service interaction.</a:t>
-            </a:r>
-          </a:p>
-          <a:p>
-            <a:endParaRPr lang="en-US" dirty="0"/>
+              <a:t>poc</a:t>
+            </a:r>
+            <a:r>
+              <a:rPr lang="en-US" dirty="0"/>
+              <a:t>-repo”</a:t>
+            </a:r>
+          </a:p>
+          <a:p>
+            <a:r>
+              <a:rPr lang="en-US" dirty="0"/>
+              <a:t>Checked in all code into this repo</a:t>
+            </a:r>
           </a:p>
         </p:txBody>
       </p:sp>
     </p:spTree>
     <p:extLst>
       <p:ext uri="{BB962C8B-B14F-4D97-AF65-F5344CB8AC3E}">
-        <p14:creationId xmlns:p14="http://schemas.microsoft.com/office/powerpoint/2010/main" val="203647701"/>
+        <p14:creationId xmlns:p14="http://schemas.microsoft.com/office/powerpoint/2010/main" val="1858043396"/>
       </p:ext>
     </p:extLst>
   </p:cSld>
@@ -5648,7 +5575,7 @@
           <p:cNvPr id="2" name="Title 1">
             <a:extLst>
               <a:ext uri="{FF2B5EF4-FFF2-40B4-BE49-F238E27FC236}">
-                <a16:creationId xmlns:a16="http://schemas.microsoft.com/office/drawing/2014/main" id="{5AE1114E-F0D9-47FD-8CAE-3A03F22D5AF3}"/>
+                <a16:creationId xmlns:a16="http://schemas.microsoft.com/office/drawing/2014/main" xmlns="" id="{0814CA06-3E22-47B6-B60A-4A10D8D4EDED}"/>
               </a:ext>
             </a:extLst>
           </p:cNvPr>
@@ -5666,7 +5593,7 @@
           <a:p>
             <a:r>
               <a:rPr lang="en-US" dirty="0"/>
-              <a:t>Code Commit</a:t>
+              <a:t>Code Build</a:t>
             </a:r>
           </a:p>
         </p:txBody>
@@ -5676,7 +5603,7 @@
           <p:cNvPr id="3" name="Content Placeholder 2">
             <a:extLst>
               <a:ext uri="{FF2B5EF4-FFF2-40B4-BE49-F238E27FC236}">
-                <a16:creationId xmlns:a16="http://schemas.microsoft.com/office/drawing/2014/main" id="{DEAA5D04-DAE7-41CE-A89C-DC6EAC04A6BE}"/>
+                <a16:creationId xmlns:a16="http://schemas.microsoft.com/office/drawing/2014/main" xmlns="" id="{A2963B64-D0B8-4626-A253-C81AF4DF3206}"/>
               </a:ext>
             </a:extLst>
           </p:cNvPr>
@@ -5694,13 +5621,13 @@
           <a:p>
             <a:r>
               <a:rPr lang="en-US" dirty="0"/>
-              <a:t>Code Commit is the AWS service which provides GIT repository</a:t>
-            </a:r>
-          </a:p>
-          <a:p>
-            <a:r>
-              <a:rPr lang="en-US" dirty="0"/>
-              <a:t>Created git repository “ss-</a:t>
+              <a:t>Code build is AWS service which is responsible for building application code.</a:t>
+            </a:r>
+          </a:p>
+          <a:p>
+            <a:r>
+              <a:rPr lang="en-US" dirty="0"/>
+              <a:t>Source (input) to this service is Code Commit repository “ss-</a:t>
             </a:r>
             <a:r>
               <a:rPr lang="en-US" dirty="0" err="1"/>
@@ -5714,21 +5641,50 @@
           <a:p>
             <a:r>
               <a:rPr lang="en-US" dirty="0"/>
-              <a:t>Assigned policies to users to access “ss-</a:t>
+              <a:t>As part of build the following main actions were performed</a:t>
+            </a:r>
+          </a:p>
+          <a:p>
+            <a:pPr lvl="1"/>
+            <a:r>
+              <a:rPr lang="en-US" dirty="0"/>
+              <a:t>Java build</a:t>
+            </a:r>
+          </a:p>
+          <a:p>
+            <a:pPr lvl="1"/>
+            <a:r>
+              <a:rPr lang="en-US" dirty="0"/>
+              <a:t>Perform docker build of JAR and create docker images</a:t>
+            </a:r>
+          </a:p>
+          <a:p>
+            <a:pPr lvl="1"/>
+            <a:r>
+              <a:rPr lang="en-US" dirty="0"/>
+              <a:t>Perform docker build of python application and create docker image</a:t>
+            </a:r>
+          </a:p>
+          <a:p>
+            <a:pPr lvl="1"/>
+            <a:r>
+              <a:rPr lang="en-US" dirty="0"/>
+              <a:t>Download and re-tag derby-</a:t>
             </a:r>
             <a:r>
               <a:rPr lang="en-US" dirty="0" err="1"/>
-              <a:t>poc</a:t>
-            </a:r>
-            <a:r>
-              <a:rPr lang="en-US" dirty="0"/>
-              <a:t>-repo”</a:t>
-            </a:r>
-          </a:p>
-          <a:p>
-            <a:r>
-              <a:rPr lang="en-US" dirty="0"/>
-              <a:t>Checked in all code into this repo</a:t>
+              <a:t>db</a:t>
+            </a:r>
+            <a:r>
+              <a:rPr lang="en-US" dirty="0"/>
+              <a:t> docker image</a:t>
+            </a:r>
+          </a:p>
+          <a:p>
+            <a:pPr lvl="1"/>
+            <a:r>
+              <a:rPr lang="en-US" dirty="0"/>
+              <a:t>Upload docker images to Elastic Container Registry(ECR)</a:t>
             </a:r>
           </a:p>
         </p:txBody>
@@ -5736,7 +5692,7 @@
     </p:spTree>
     <p:extLst>
       <p:ext uri="{BB962C8B-B14F-4D97-AF65-F5344CB8AC3E}">
-        <p14:creationId xmlns:p14="http://schemas.microsoft.com/office/powerpoint/2010/main" val="1858043396"/>
+        <p14:creationId xmlns:p14="http://schemas.microsoft.com/office/powerpoint/2010/main" val="3032002546"/>
       </p:ext>
     </p:extLst>
   </p:cSld>
@@ -5768,7 +5724,7 @@
           <p:cNvPr id="2" name="Title 1">
             <a:extLst>
               <a:ext uri="{FF2B5EF4-FFF2-40B4-BE49-F238E27FC236}">
-                <a16:creationId xmlns:a16="http://schemas.microsoft.com/office/drawing/2014/main" id="{0814CA06-3E22-47B6-B60A-4A10D8D4EDED}"/>
+                <a16:creationId xmlns:a16="http://schemas.microsoft.com/office/drawing/2014/main" xmlns="" id="{19AAC746-03DA-46D7-82FA-49752EEF9D53}"/>
               </a:ext>
             </a:extLst>
           </p:cNvPr>
@@ -5786,7 +5742,7 @@
           <a:p>
             <a:r>
               <a:rPr lang="en-US" dirty="0"/>
-              <a:t>Code Build</a:t>
+              <a:t>Code Deploy</a:t>
             </a:r>
           </a:p>
         </p:txBody>
@@ -5796,7 +5752,7 @@
           <p:cNvPr id="3" name="Content Placeholder 2">
             <a:extLst>
               <a:ext uri="{FF2B5EF4-FFF2-40B4-BE49-F238E27FC236}">
-                <a16:creationId xmlns:a16="http://schemas.microsoft.com/office/drawing/2014/main" id="{A2963B64-D0B8-4626-A253-C81AF4DF3206}"/>
+                <a16:creationId xmlns:a16="http://schemas.microsoft.com/office/drawing/2014/main" xmlns="" id="{9E636523-0F60-4484-8D07-E51318B267D2}"/>
               </a:ext>
             </a:extLst>
           </p:cNvPr>
@@ -5814,78 +5770,42 @@
           <a:p>
             <a:r>
               <a:rPr lang="en-US" dirty="0"/>
-              <a:t>Code build is AWS service which is responsible for building application code.</a:t>
-            </a:r>
-          </a:p>
-          <a:p>
-            <a:r>
-              <a:rPr lang="en-US" dirty="0"/>
-              <a:t>Source (input) to this service is Code Commit repository “ss-</a:t>
-            </a:r>
-            <a:r>
-              <a:rPr lang="en-US" dirty="0" err="1"/>
-              <a:t>poc</a:t>
-            </a:r>
-            <a:r>
-              <a:rPr lang="en-US" dirty="0"/>
-              <a:t>-repo”</a:t>
-            </a:r>
-          </a:p>
-          <a:p>
-            <a:r>
-              <a:rPr lang="en-US" dirty="0"/>
-              <a:t>As part of build the following main actions were performed</a:t>
-            </a:r>
-          </a:p>
-          <a:p>
-            <a:pPr lvl="1"/>
-            <a:r>
-              <a:rPr lang="en-US" dirty="0"/>
-              <a:t>Java build</a:t>
-            </a:r>
-          </a:p>
-          <a:p>
-            <a:pPr lvl="1"/>
-            <a:r>
-              <a:rPr lang="en-US" dirty="0"/>
-              <a:t>Perform docker build of JAR and create docker images</a:t>
-            </a:r>
-          </a:p>
-          <a:p>
-            <a:pPr lvl="1"/>
-            <a:r>
-              <a:rPr lang="en-US" dirty="0"/>
-              <a:t>Perform docker build of python application and create docker image</a:t>
-            </a:r>
-          </a:p>
-          <a:p>
-            <a:pPr lvl="1"/>
-            <a:r>
-              <a:rPr lang="en-US" dirty="0"/>
-              <a:t>Download and re-tag derby-</a:t>
-            </a:r>
-            <a:r>
-              <a:rPr lang="en-US" dirty="0" err="1"/>
-              <a:t>db</a:t>
-            </a:r>
-            <a:r>
-              <a:rPr lang="en-US" dirty="0"/>
-              <a:t> docker image</a:t>
-            </a:r>
-          </a:p>
-          <a:p>
-            <a:pPr lvl="1"/>
-            <a:r>
-              <a:rPr lang="en-US" dirty="0"/>
-              <a:t>Upload docker images to Elastic Container Registry(ECR)</a:t>
-            </a:r>
+              <a:t>Code Deploy is an AWS service which deploys the build artifacts to dev/test/prod servers.</a:t>
+            </a:r>
+          </a:p>
+          <a:p>
+            <a:r>
+              <a:rPr lang="en-US" dirty="0"/>
+              <a:t>In our POC our aim was to deploy our application to Kubernetes</a:t>
+            </a:r>
+          </a:p>
+          <a:p>
+            <a:r>
+              <a:rPr lang="en-US" dirty="0"/>
+              <a:t>In AWS Code Deploy there is no action to deploy build artifacts to Elastic Kubernetes Service(EKS)</a:t>
+            </a:r>
+          </a:p>
+          <a:p>
+            <a:r>
+              <a:rPr lang="en-US" dirty="0"/>
+              <a:t>So, the artifacts were deployed to Lambda</a:t>
+            </a:r>
+          </a:p>
+          <a:p>
+            <a:r>
+              <a:rPr lang="en-US" dirty="0"/>
+              <a:t>In Lambda, logic was embedded to deploy to EKS</a:t>
+            </a:r>
+          </a:p>
+          <a:p>
+            <a:endParaRPr lang="en-US" dirty="0"/>
           </a:p>
         </p:txBody>
       </p:sp>
     </p:spTree>
     <p:extLst>
       <p:ext uri="{BB962C8B-B14F-4D97-AF65-F5344CB8AC3E}">
-        <p14:creationId xmlns:p14="http://schemas.microsoft.com/office/powerpoint/2010/main" val="3032002546"/>
+        <p14:creationId xmlns:p14="http://schemas.microsoft.com/office/powerpoint/2010/main" val="1545696786"/>
       </p:ext>
     </p:extLst>
   </p:cSld>
